--- a/6 Presentations/JOL Reactivity.pptx
+++ b/6 Presentations/JOL Reactivity.pptx
@@ -7,9 +7,12 @@
   <p:sldIdLst>
     <p:sldId id="257" r:id="rId2"/>
     <p:sldId id="256" r:id="rId3"/>
-    <p:sldId id="258" r:id="rId4"/>
-    <p:sldId id="259" r:id="rId5"/>
-    <p:sldId id="260" r:id="rId6"/>
+    <p:sldId id="261" r:id="rId4"/>
+    <p:sldId id="258" r:id="rId5"/>
+    <p:sldId id="259" r:id="rId6"/>
+    <p:sldId id="262" r:id="rId7"/>
+    <p:sldId id="263" r:id="rId8"/>
+    <p:sldId id="260" r:id="rId9"/>
   </p:sldIdLst>
   <p:sldSz cx="9144000" cy="5143500" type="screen16x9"/>
   <p:notesSz cx="6858000" cy="9144000"/>
@@ -114,6 +117,2513 @@
     </p:ext>
   </p:extLst>
 </p:presentation>
+</file>
+
+<file path=ppt/diagrams/colors1.xml><?xml version="1.0" encoding="utf-8"?>
+<dgm:colorsDef xmlns:dgm="http://schemas.openxmlformats.org/drawingml/2006/diagram" xmlns:a="http://schemas.openxmlformats.org/drawingml/2006/main" uniqueId="urn:microsoft.com/office/officeart/2005/8/colors/accent1_2">
+  <dgm:title val=""/>
+  <dgm:desc val=""/>
+  <dgm:catLst>
+    <dgm:cat type="accent1" pri="11200"/>
+  </dgm:catLst>
+  <dgm:styleLbl name="node0">
+    <dgm:fillClrLst meth="repeat">
+      <a:schemeClr val="accent1"/>
+    </dgm:fillClrLst>
+    <dgm:linClrLst meth="repeat">
+      <a:schemeClr val="lt1"/>
+    </dgm:linClrLst>
+    <dgm:effectClrLst/>
+    <dgm:txLinClrLst/>
+    <dgm:txFillClrLst/>
+    <dgm:txEffectClrLst/>
+  </dgm:styleLbl>
+  <dgm:styleLbl name="alignNode1">
+    <dgm:fillClrLst meth="repeat">
+      <a:schemeClr val="accent1"/>
+    </dgm:fillClrLst>
+    <dgm:linClrLst meth="repeat">
+      <a:schemeClr val="accent1"/>
+    </dgm:linClrLst>
+    <dgm:effectClrLst/>
+    <dgm:txLinClrLst/>
+    <dgm:txFillClrLst/>
+    <dgm:txEffectClrLst/>
+  </dgm:styleLbl>
+  <dgm:styleLbl name="node1">
+    <dgm:fillClrLst meth="repeat">
+      <a:schemeClr val="accent1"/>
+    </dgm:fillClrLst>
+    <dgm:linClrLst meth="repeat">
+      <a:schemeClr val="lt1"/>
+    </dgm:linClrLst>
+    <dgm:effectClrLst/>
+    <dgm:txLinClrLst/>
+    <dgm:txFillClrLst/>
+    <dgm:txEffectClrLst/>
+  </dgm:styleLbl>
+  <dgm:styleLbl name="lnNode1">
+    <dgm:fillClrLst meth="repeat">
+      <a:schemeClr val="accent1"/>
+    </dgm:fillClrLst>
+    <dgm:linClrLst meth="repeat">
+      <a:schemeClr val="lt1"/>
+    </dgm:linClrLst>
+    <dgm:effectClrLst/>
+    <dgm:txLinClrLst/>
+    <dgm:txFillClrLst/>
+    <dgm:txEffectClrLst/>
+  </dgm:styleLbl>
+  <dgm:styleLbl name="vennNode1">
+    <dgm:fillClrLst meth="repeat">
+      <a:schemeClr val="accent1">
+        <a:alpha val="50000"/>
+      </a:schemeClr>
+    </dgm:fillClrLst>
+    <dgm:linClrLst meth="repeat">
+      <a:schemeClr val="lt1"/>
+    </dgm:linClrLst>
+    <dgm:effectClrLst/>
+    <dgm:txLinClrLst/>
+    <dgm:txFillClrLst/>
+    <dgm:txEffectClrLst/>
+  </dgm:styleLbl>
+  <dgm:styleLbl name="node2">
+    <dgm:fillClrLst meth="repeat">
+      <a:schemeClr val="accent1"/>
+    </dgm:fillClrLst>
+    <dgm:linClrLst meth="repeat">
+      <a:schemeClr val="lt1"/>
+    </dgm:linClrLst>
+    <dgm:effectClrLst/>
+    <dgm:txLinClrLst/>
+    <dgm:txFillClrLst/>
+    <dgm:txEffectClrLst/>
+  </dgm:styleLbl>
+  <dgm:styleLbl name="node3">
+    <dgm:fillClrLst meth="repeat">
+      <a:schemeClr val="accent1"/>
+    </dgm:fillClrLst>
+    <dgm:linClrLst meth="repeat">
+      <a:schemeClr val="lt1"/>
+    </dgm:linClrLst>
+    <dgm:effectClrLst/>
+    <dgm:txLinClrLst/>
+    <dgm:txFillClrLst/>
+    <dgm:txEffectClrLst/>
+  </dgm:styleLbl>
+  <dgm:styleLbl name="node4">
+    <dgm:fillClrLst meth="repeat">
+      <a:schemeClr val="accent1"/>
+    </dgm:fillClrLst>
+    <dgm:linClrLst meth="repeat">
+      <a:schemeClr val="lt1"/>
+    </dgm:linClrLst>
+    <dgm:effectClrLst/>
+    <dgm:txLinClrLst/>
+    <dgm:txFillClrLst/>
+    <dgm:txEffectClrLst/>
+  </dgm:styleLbl>
+  <dgm:styleLbl name="fgImgPlace1">
+    <dgm:fillClrLst meth="repeat">
+      <a:schemeClr val="accent1">
+        <a:tint val="50000"/>
+      </a:schemeClr>
+    </dgm:fillClrLst>
+    <dgm:linClrLst meth="repeat">
+      <a:schemeClr val="lt1"/>
+    </dgm:linClrLst>
+    <dgm:effectClrLst/>
+    <dgm:txLinClrLst/>
+    <dgm:txFillClrLst meth="repeat">
+      <a:schemeClr val="lt1"/>
+    </dgm:txFillClrLst>
+    <dgm:txEffectClrLst/>
+  </dgm:styleLbl>
+  <dgm:styleLbl name="alignImgPlace1">
+    <dgm:fillClrLst meth="repeat">
+      <a:schemeClr val="accent1">
+        <a:tint val="50000"/>
+      </a:schemeClr>
+    </dgm:fillClrLst>
+    <dgm:linClrLst meth="repeat">
+      <a:schemeClr val="lt1"/>
+    </dgm:linClrLst>
+    <dgm:effectClrLst/>
+    <dgm:txLinClrLst/>
+    <dgm:txFillClrLst meth="repeat">
+      <a:schemeClr val="lt1"/>
+    </dgm:txFillClrLst>
+    <dgm:txEffectClrLst/>
+  </dgm:styleLbl>
+  <dgm:styleLbl name="bgImgPlace1">
+    <dgm:fillClrLst meth="repeat">
+      <a:schemeClr val="accent1">
+        <a:tint val="50000"/>
+      </a:schemeClr>
+    </dgm:fillClrLst>
+    <dgm:linClrLst meth="repeat">
+      <a:schemeClr val="lt1"/>
+    </dgm:linClrLst>
+    <dgm:effectClrLst/>
+    <dgm:txLinClrLst/>
+    <dgm:txFillClrLst meth="repeat">
+      <a:schemeClr val="lt1"/>
+    </dgm:txFillClrLst>
+    <dgm:txEffectClrLst/>
+  </dgm:styleLbl>
+  <dgm:styleLbl name="sibTrans2D1">
+    <dgm:fillClrLst meth="repeat">
+      <a:schemeClr val="accent1">
+        <a:tint val="60000"/>
+      </a:schemeClr>
+    </dgm:fillClrLst>
+    <dgm:linClrLst meth="repeat">
+      <a:schemeClr val="accent1">
+        <a:tint val="60000"/>
+      </a:schemeClr>
+    </dgm:linClrLst>
+    <dgm:effectClrLst/>
+    <dgm:txLinClrLst/>
+    <dgm:txFillClrLst/>
+    <dgm:txEffectClrLst/>
+  </dgm:styleLbl>
+  <dgm:styleLbl name="fgSibTrans2D1">
+    <dgm:fillClrLst meth="repeat">
+      <a:schemeClr val="accent1">
+        <a:tint val="60000"/>
+      </a:schemeClr>
+    </dgm:fillClrLst>
+    <dgm:linClrLst meth="repeat">
+      <a:schemeClr val="accent1">
+        <a:tint val="60000"/>
+      </a:schemeClr>
+    </dgm:linClrLst>
+    <dgm:effectClrLst/>
+    <dgm:txLinClrLst/>
+    <dgm:txFillClrLst/>
+    <dgm:txEffectClrLst/>
+  </dgm:styleLbl>
+  <dgm:styleLbl name="bgSibTrans2D1">
+    <dgm:fillClrLst meth="repeat">
+      <a:schemeClr val="accent1">
+        <a:tint val="60000"/>
+      </a:schemeClr>
+    </dgm:fillClrLst>
+    <dgm:linClrLst meth="repeat">
+      <a:schemeClr val="accent1">
+        <a:tint val="60000"/>
+      </a:schemeClr>
+    </dgm:linClrLst>
+    <dgm:effectClrLst/>
+    <dgm:txLinClrLst/>
+    <dgm:txFillClrLst/>
+    <dgm:txEffectClrLst/>
+  </dgm:styleLbl>
+  <dgm:styleLbl name="sibTrans1D1">
+    <dgm:fillClrLst meth="repeat">
+      <a:schemeClr val="accent1"/>
+    </dgm:fillClrLst>
+    <dgm:linClrLst meth="repeat">
+      <a:schemeClr val="accent1"/>
+    </dgm:linClrLst>
+    <dgm:effectClrLst/>
+    <dgm:txLinClrLst/>
+    <dgm:txFillClrLst meth="repeat">
+      <a:schemeClr val="tx1"/>
+    </dgm:txFillClrLst>
+    <dgm:txEffectClrLst/>
+  </dgm:styleLbl>
+  <dgm:styleLbl name="callout">
+    <dgm:fillClrLst meth="repeat">
+      <a:schemeClr val="accent1"/>
+    </dgm:fillClrLst>
+    <dgm:linClrLst meth="repeat">
+      <a:schemeClr val="accent1">
+        <a:tint val="50000"/>
+      </a:schemeClr>
+    </dgm:linClrLst>
+    <dgm:effectClrLst/>
+    <dgm:txLinClrLst/>
+    <dgm:txFillClrLst meth="repeat">
+      <a:schemeClr val="tx1"/>
+    </dgm:txFillClrLst>
+    <dgm:txEffectClrLst/>
+  </dgm:styleLbl>
+  <dgm:styleLbl name="asst0">
+    <dgm:fillClrLst meth="repeat">
+      <a:schemeClr val="accent1"/>
+    </dgm:fillClrLst>
+    <dgm:linClrLst meth="repeat">
+      <a:schemeClr val="lt1"/>
+    </dgm:linClrLst>
+    <dgm:effectClrLst/>
+    <dgm:txLinClrLst/>
+    <dgm:txFillClrLst/>
+    <dgm:txEffectClrLst/>
+  </dgm:styleLbl>
+  <dgm:styleLbl name="asst1">
+    <dgm:fillClrLst meth="repeat">
+      <a:schemeClr val="accent1"/>
+    </dgm:fillClrLst>
+    <dgm:linClrLst meth="repeat">
+      <a:schemeClr val="lt1"/>
+    </dgm:linClrLst>
+    <dgm:effectClrLst/>
+    <dgm:txLinClrLst/>
+    <dgm:txFillClrLst/>
+    <dgm:txEffectClrLst/>
+  </dgm:styleLbl>
+  <dgm:styleLbl name="asst2">
+    <dgm:fillClrLst meth="repeat">
+      <a:schemeClr val="accent1"/>
+    </dgm:fillClrLst>
+    <dgm:linClrLst meth="repeat">
+      <a:schemeClr val="lt1"/>
+    </dgm:linClrLst>
+    <dgm:effectClrLst/>
+    <dgm:txLinClrLst/>
+    <dgm:txFillClrLst/>
+    <dgm:txEffectClrLst/>
+  </dgm:styleLbl>
+  <dgm:styleLbl name="asst3">
+    <dgm:fillClrLst meth="repeat">
+      <a:schemeClr val="accent1"/>
+    </dgm:fillClrLst>
+    <dgm:linClrLst meth="repeat">
+      <a:schemeClr val="lt1"/>
+    </dgm:linClrLst>
+    <dgm:effectClrLst/>
+    <dgm:txLinClrLst/>
+    <dgm:txFillClrLst/>
+    <dgm:txEffectClrLst/>
+  </dgm:styleLbl>
+  <dgm:styleLbl name="asst4">
+    <dgm:fillClrLst meth="repeat">
+      <a:schemeClr val="accent1"/>
+    </dgm:fillClrLst>
+    <dgm:linClrLst meth="repeat">
+      <a:schemeClr val="lt1"/>
+    </dgm:linClrLst>
+    <dgm:effectClrLst/>
+    <dgm:txLinClrLst/>
+    <dgm:txFillClrLst/>
+    <dgm:txEffectClrLst/>
+  </dgm:styleLbl>
+  <dgm:styleLbl name="parChTrans2D1">
+    <dgm:fillClrLst meth="repeat">
+      <a:schemeClr val="accent1">
+        <a:tint val="60000"/>
+      </a:schemeClr>
+    </dgm:fillClrLst>
+    <dgm:linClrLst meth="repeat">
+      <a:schemeClr val="accent1">
+        <a:tint val="60000"/>
+      </a:schemeClr>
+    </dgm:linClrLst>
+    <dgm:effectClrLst/>
+    <dgm:txLinClrLst/>
+    <dgm:txFillClrLst meth="repeat">
+      <a:schemeClr val="lt1"/>
+    </dgm:txFillClrLst>
+    <dgm:txEffectClrLst/>
+  </dgm:styleLbl>
+  <dgm:styleLbl name="parChTrans2D2">
+    <dgm:fillClrLst meth="repeat">
+      <a:schemeClr val="accent1"/>
+    </dgm:fillClrLst>
+    <dgm:linClrLst meth="repeat">
+      <a:schemeClr val="accent1"/>
+    </dgm:linClrLst>
+    <dgm:effectClrLst/>
+    <dgm:txLinClrLst/>
+    <dgm:txFillClrLst meth="repeat">
+      <a:schemeClr val="lt1"/>
+    </dgm:txFillClrLst>
+    <dgm:txEffectClrLst/>
+  </dgm:styleLbl>
+  <dgm:styleLbl name="parChTrans2D3">
+    <dgm:fillClrLst meth="repeat">
+      <a:schemeClr val="accent1"/>
+    </dgm:fillClrLst>
+    <dgm:linClrLst meth="repeat">
+      <a:schemeClr val="accent1"/>
+    </dgm:linClrLst>
+    <dgm:effectClrLst/>
+    <dgm:txLinClrLst/>
+    <dgm:txFillClrLst meth="repeat">
+      <a:schemeClr val="lt1"/>
+    </dgm:txFillClrLst>
+    <dgm:txEffectClrLst/>
+  </dgm:styleLbl>
+  <dgm:styleLbl name="parChTrans2D4">
+    <dgm:fillClrLst meth="repeat">
+      <a:schemeClr val="accent1"/>
+    </dgm:fillClrLst>
+    <dgm:linClrLst meth="repeat">
+      <a:schemeClr val="accent1"/>
+    </dgm:linClrLst>
+    <dgm:effectClrLst/>
+    <dgm:txLinClrLst/>
+    <dgm:txFillClrLst meth="repeat">
+      <a:schemeClr val="lt1"/>
+    </dgm:txFillClrLst>
+    <dgm:txEffectClrLst/>
+  </dgm:styleLbl>
+  <dgm:styleLbl name="parChTrans1D1">
+    <dgm:fillClrLst meth="repeat">
+      <a:schemeClr val="accent1"/>
+    </dgm:fillClrLst>
+    <dgm:linClrLst meth="repeat">
+      <a:schemeClr val="accent1">
+        <a:shade val="60000"/>
+      </a:schemeClr>
+    </dgm:linClrLst>
+    <dgm:effectClrLst/>
+    <dgm:txLinClrLst/>
+    <dgm:txFillClrLst meth="repeat">
+      <a:schemeClr val="tx1"/>
+    </dgm:txFillClrLst>
+    <dgm:txEffectClrLst/>
+  </dgm:styleLbl>
+  <dgm:styleLbl name="parChTrans1D2">
+    <dgm:fillClrLst meth="repeat">
+      <a:schemeClr val="accent1"/>
+    </dgm:fillClrLst>
+    <dgm:linClrLst meth="repeat">
+      <a:schemeClr val="accent1">
+        <a:shade val="60000"/>
+      </a:schemeClr>
+    </dgm:linClrLst>
+    <dgm:effectClrLst/>
+    <dgm:txLinClrLst/>
+    <dgm:txFillClrLst meth="repeat">
+      <a:schemeClr val="tx1"/>
+    </dgm:txFillClrLst>
+    <dgm:txEffectClrLst/>
+  </dgm:styleLbl>
+  <dgm:styleLbl name="parChTrans1D3">
+    <dgm:fillClrLst meth="repeat">
+      <a:schemeClr val="accent1"/>
+    </dgm:fillClrLst>
+    <dgm:linClrLst meth="repeat">
+      <a:schemeClr val="accent1">
+        <a:shade val="80000"/>
+      </a:schemeClr>
+    </dgm:linClrLst>
+    <dgm:effectClrLst/>
+    <dgm:txLinClrLst/>
+    <dgm:txFillClrLst meth="repeat">
+      <a:schemeClr val="tx1"/>
+    </dgm:txFillClrLst>
+    <dgm:txEffectClrLst/>
+  </dgm:styleLbl>
+  <dgm:styleLbl name="parChTrans1D4">
+    <dgm:fillClrLst meth="repeat">
+      <a:schemeClr val="accent1"/>
+    </dgm:fillClrLst>
+    <dgm:linClrLst meth="repeat">
+      <a:schemeClr val="accent1">
+        <a:shade val="80000"/>
+      </a:schemeClr>
+    </dgm:linClrLst>
+    <dgm:effectClrLst/>
+    <dgm:txLinClrLst/>
+    <dgm:txFillClrLst meth="repeat">
+      <a:schemeClr val="tx1"/>
+    </dgm:txFillClrLst>
+    <dgm:txEffectClrLst/>
+  </dgm:styleLbl>
+  <dgm:styleLbl name="fgAcc1">
+    <dgm:fillClrLst meth="repeat">
+      <a:schemeClr val="lt1">
+        <a:alpha val="90000"/>
+      </a:schemeClr>
+    </dgm:fillClrLst>
+    <dgm:linClrLst meth="repeat">
+      <a:schemeClr val="accent1"/>
+    </dgm:linClrLst>
+    <dgm:effectClrLst/>
+    <dgm:txLinClrLst/>
+    <dgm:txFillClrLst meth="repeat">
+      <a:schemeClr val="dk1"/>
+    </dgm:txFillClrLst>
+    <dgm:txEffectClrLst/>
+  </dgm:styleLbl>
+  <dgm:styleLbl name="conFgAcc1">
+    <dgm:fillClrLst meth="repeat">
+      <a:schemeClr val="lt1">
+        <a:alpha val="90000"/>
+      </a:schemeClr>
+    </dgm:fillClrLst>
+    <dgm:linClrLst meth="repeat">
+      <a:schemeClr val="accent1"/>
+    </dgm:linClrLst>
+    <dgm:effectClrLst/>
+    <dgm:txLinClrLst/>
+    <dgm:txFillClrLst meth="repeat">
+      <a:schemeClr val="dk1"/>
+    </dgm:txFillClrLst>
+    <dgm:txEffectClrLst/>
+  </dgm:styleLbl>
+  <dgm:styleLbl name="alignAcc1">
+    <dgm:fillClrLst meth="repeat">
+      <a:schemeClr val="lt1">
+        <a:alpha val="90000"/>
+      </a:schemeClr>
+    </dgm:fillClrLst>
+    <dgm:linClrLst meth="repeat">
+      <a:schemeClr val="accent1"/>
+    </dgm:linClrLst>
+    <dgm:effectClrLst/>
+    <dgm:txLinClrLst/>
+    <dgm:txFillClrLst meth="repeat">
+      <a:schemeClr val="dk1"/>
+    </dgm:txFillClrLst>
+    <dgm:txEffectClrLst/>
+  </dgm:styleLbl>
+  <dgm:styleLbl name="trAlignAcc1">
+    <dgm:fillClrLst meth="repeat">
+      <a:schemeClr val="lt1">
+        <a:alpha val="40000"/>
+      </a:schemeClr>
+    </dgm:fillClrLst>
+    <dgm:linClrLst meth="repeat">
+      <a:schemeClr val="accent1"/>
+    </dgm:linClrLst>
+    <dgm:effectClrLst/>
+    <dgm:txLinClrLst/>
+    <dgm:txFillClrLst meth="repeat">
+      <a:schemeClr val="dk1"/>
+    </dgm:txFillClrLst>
+    <dgm:txEffectClrLst/>
+  </dgm:styleLbl>
+  <dgm:styleLbl name="bgAcc1">
+    <dgm:fillClrLst meth="repeat">
+      <a:schemeClr val="lt1">
+        <a:alpha val="90000"/>
+      </a:schemeClr>
+    </dgm:fillClrLst>
+    <dgm:linClrLst meth="repeat">
+      <a:schemeClr val="accent1"/>
+    </dgm:linClrLst>
+    <dgm:effectClrLst/>
+    <dgm:txLinClrLst/>
+    <dgm:txFillClrLst meth="repeat">
+      <a:schemeClr val="dk1"/>
+    </dgm:txFillClrLst>
+    <dgm:txEffectClrLst/>
+  </dgm:styleLbl>
+  <dgm:styleLbl name="solidFgAcc1">
+    <dgm:fillClrLst meth="repeat">
+      <a:schemeClr val="lt1"/>
+    </dgm:fillClrLst>
+    <dgm:linClrLst meth="repeat">
+      <a:schemeClr val="accent1"/>
+    </dgm:linClrLst>
+    <dgm:effectClrLst/>
+    <dgm:txLinClrLst/>
+    <dgm:txFillClrLst meth="repeat">
+      <a:schemeClr val="dk1"/>
+    </dgm:txFillClrLst>
+    <dgm:txEffectClrLst/>
+  </dgm:styleLbl>
+  <dgm:styleLbl name="solidAlignAcc1">
+    <dgm:fillClrLst meth="repeat">
+      <a:schemeClr val="lt1"/>
+    </dgm:fillClrLst>
+    <dgm:linClrLst meth="repeat">
+      <a:schemeClr val="accent1"/>
+    </dgm:linClrLst>
+    <dgm:effectClrLst/>
+    <dgm:txLinClrLst/>
+    <dgm:txFillClrLst meth="repeat">
+      <a:schemeClr val="dk1"/>
+    </dgm:txFillClrLst>
+    <dgm:txEffectClrLst/>
+  </dgm:styleLbl>
+  <dgm:styleLbl name="solidBgAcc1">
+    <dgm:fillClrLst meth="repeat">
+      <a:schemeClr val="lt1"/>
+    </dgm:fillClrLst>
+    <dgm:linClrLst meth="repeat">
+      <a:schemeClr val="accent1"/>
+    </dgm:linClrLst>
+    <dgm:effectClrLst/>
+    <dgm:txLinClrLst/>
+    <dgm:txFillClrLst meth="repeat">
+      <a:schemeClr val="dk1"/>
+    </dgm:txFillClrLst>
+    <dgm:txEffectClrLst/>
+  </dgm:styleLbl>
+  <dgm:styleLbl name="fgAccFollowNode1">
+    <dgm:fillClrLst meth="repeat">
+      <a:schemeClr val="accent1">
+        <a:alpha val="90000"/>
+        <a:tint val="40000"/>
+      </a:schemeClr>
+    </dgm:fillClrLst>
+    <dgm:linClrLst meth="repeat">
+      <a:schemeClr val="accent1">
+        <a:alpha val="90000"/>
+        <a:tint val="40000"/>
+      </a:schemeClr>
+    </dgm:linClrLst>
+    <dgm:effectClrLst/>
+    <dgm:txLinClrLst/>
+    <dgm:txFillClrLst meth="repeat">
+      <a:schemeClr val="dk1"/>
+    </dgm:txFillClrLst>
+    <dgm:txEffectClrLst/>
+  </dgm:styleLbl>
+  <dgm:styleLbl name="alignAccFollowNode1">
+    <dgm:fillClrLst meth="repeat">
+      <a:schemeClr val="accent1">
+        <a:alpha val="90000"/>
+        <a:tint val="40000"/>
+      </a:schemeClr>
+    </dgm:fillClrLst>
+    <dgm:linClrLst meth="repeat">
+      <a:schemeClr val="accent1">
+        <a:alpha val="90000"/>
+        <a:tint val="40000"/>
+      </a:schemeClr>
+    </dgm:linClrLst>
+    <dgm:effectClrLst/>
+    <dgm:txLinClrLst/>
+    <dgm:txFillClrLst meth="repeat">
+      <a:schemeClr val="dk1"/>
+    </dgm:txFillClrLst>
+    <dgm:txEffectClrLst/>
+  </dgm:styleLbl>
+  <dgm:styleLbl name="bgAccFollowNode1">
+    <dgm:fillClrLst meth="repeat">
+      <a:schemeClr val="accent1">
+        <a:alpha val="90000"/>
+        <a:tint val="40000"/>
+      </a:schemeClr>
+    </dgm:fillClrLst>
+    <dgm:linClrLst meth="repeat">
+      <a:schemeClr val="accent1">
+        <a:alpha val="90000"/>
+        <a:tint val="40000"/>
+      </a:schemeClr>
+    </dgm:linClrLst>
+    <dgm:effectClrLst/>
+    <dgm:txLinClrLst/>
+    <dgm:txFillClrLst meth="repeat">
+      <a:schemeClr val="dk1"/>
+    </dgm:txFillClrLst>
+    <dgm:txEffectClrLst/>
+  </dgm:styleLbl>
+  <dgm:styleLbl name="fgAcc0">
+    <dgm:fillClrLst meth="repeat">
+      <a:schemeClr val="lt1">
+        <a:alpha val="90000"/>
+      </a:schemeClr>
+    </dgm:fillClrLst>
+    <dgm:linClrLst meth="repeat">
+      <a:schemeClr val="accent1"/>
+    </dgm:linClrLst>
+    <dgm:effectClrLst/>
+    <dgm:txLinClrLst/>
+    <dgm:txFillClrLst meth="repeat">
+      <a:schemeClr val="dk1"/>
+    </dgm:txFillClrLst>
+    <dgm:txEffectClrLst/>
+  </dgm:styleLbl>
+  <dgm:styleLbl name="fgAcc2">
+    <dgm:fillClrLst meth="repeat">
+      <a:schemeClr val="lt1">
+        <a:alpha val="90000"/>
+      </a:schemeClr>
+    </dgm:fillClrLst>
+    <dgm:linClrLst meth="repeat">
+      <a:schemeClr val="accent1"/>
+    </dgm:linClrLst>
+    <dgm:effectClrLst/>
+    <dgm:txLinClrLst/>
+    <dgm:txFillClrLst meth="repeat">
+      <a:schemeClr val="dk1"/>
+    </dgm:txFillClrLst>
+    <dgm:txEffectClrLst/>
+  </dgm:styleLbl>
+  <dgm:styleLbl name="fgAcc3">
+    <dgm:fillClrLst meth="repeat">
+      <a:schemeClr val="lt1">
+        <a:alpha val="90000"/>
+      </a:schemeClr>
+    </dgm:fillClrLst>
+    <dgm:linClrLst meth="repeat">
+      <a:schemeClr val="accent1"/>
+    </dgm:linClrLst>
+    <dgm:effectClrLst/>
+    <dgm:txLinClrLst/>
+    <dgm:txFillClrLst meth="repeat">
+      <a:schemeClr val="dk1"/>
+    </dgm:txFillClrLst>
+    <dgm:txEffectClrLst/>
+  </dgm:styleLbl>
+  <dgm:styleLbl name="fgAcc4">
+    <dgm:fillClrLst meth="repeat">
+      <a:schemeClr val="lt1">
+        <a:alpha val="90000"/>
+      </a:schemeClr>
+    </dgm:fillClrLst>
+    <dgm:linClrLst meth="repeat">
+      <a:schemeClr val="accent1"/>
+    </dgm:linClrLst>
+    <dgm:effectClrLst/>
+    <dgm:txLinClrLst/>
+    <dgm:txFillClrLst meth="repeat">
+      <a:schemeClr val="dk1"/>
+    </dgm:txFillClrLst>
+    <dgm:txEffectClrLst/>
+  </dgm:styleLbl>
+  <dgm:styleLbl name="bgShp">
+    <dgm:fillClrLst meth="repeat">
+      <a:schemeClr val="accent1">
+        <a:tint val="40000"/>
+      </a:schemeClr>
+    </dgm:fillClrLst>
+    <dgm:linClrLst meth="repeat">
+      <a:schemeClr val="accent1"/>
+    </dgm:linClrLst>
+    <dgm:effectClrLst/>
+    <dgm:txLinClrLst/>
+    <dgm:txFillClrLst meth="repeat">
+      <a:schemeClr val="dk1"/>
+    </dgm:txFillClrLst>
+    <dgm:txEffectClrLst/>
+  </dgm:styleLbl>
+  <dgm:styleLbl name="dkBgShp">
+    <dgm:fillClrLst meth="repeat">
+      <a:schemeClr val="accent1">
+        <a:shade val="80000"/>
+      </a:schemeClr>
+    </dgm:fillClrLst>
+    <dgm:linClrLst meth="repeat">
+      <a:schemeClr val="accent1"/>
+    </dgm:linClrLst>
+    <dgm:effectClrLst/>
+    <dgm:txLinClrLst/>
+    <dgm:txFillClrLst meth="repeat">
+      <a:schemeClr val="lt1"/>
+    </dgm:txFillClrLst>
+    <dgm:txEffectClrLst/>
+  </dgm:styleLbl>
+  <dgm:styleLbl name="trBgShp">
+    <dgm:fillClrLst meth="repeat">
+      <a:schemeClr val="accent1">
+        <a:tint val="50000"/>
+        <a:alpha val="40000"/>
+      </a:schemeClr>
+    </dgm:fillClrLst>
+    <dgm:linClrLst meth="repeat">
+      <a:schemeClr val="accent1"/>
+    </dgm:linClrLst>
+    <dgm:effectClrLst/>
+    <dgm:txLinClrLst/>
+    <dgm:txFillClrLst meth="repeat">
+      <a:schemeClr val="lt1"/>
+    </dgm:txFillClrLst>
+    <dgm:txEffectClrLst/>
+  </dgm:styleLbl>
+  <dgm:styleLbl name="fgShp">
+    <dgm:fillClrLst meth="repeat">
+      <a:schemeClr val="accent1">
+        <a:tint val="60000"/>
+      </a:schemeClr>
+    </dgm:fillClrLst>
+    <dgm:linClrLst meth="repeat">
+      <a:schemeClr val="lt1"/>
+    </dgm:linClrLst>
+    <dgm:effectClrLst/>
+    <dgm:txLinClrLst/>
+    <dgm:txFillClrLst meth="repeat">
+      <a:schemeClr val="dk1"/>
+    </dgm:txFillClrLst>
+    <dgm:txEffectClrLst/>
+  </dgm:styleLbl>
+  <dgm:styleLbl name="revTx">
+    <dgm:fillClrLst meth="repeat">
+      <a:schemeClr val="lt1">
+        <a:alpha val="0"/>
+      </a:schemeClr>
+    </dgm:fillClrLst>
+    <dgm:linClrLst meth="repeat">
+      <a:schemeClr val="dk1">
+        <a:alpha val="0"/>
+      </a:schemeClr>
+    </dgm:linClrLst>
+    <dgm:effectClrLst/>
+    <dgm:txLinClrLst/>
+    <dgm:txFillClrLst meth="repeat">
+      <a:schemeClr val="tx1"/>
+    </dgm:txFillClrLst>
+    <dgm:txEffectClrLst/>
+  </dgm:styleLbl>
+</dgm:colorsDef>
+</file>
+
+<file path=ppt/diagrams/data1.xml><?xml version="1.0" encoding="utf-8"?>
+<dgm:dataModel xmlns:dgm="http://schemas.openxmlformats.org/drawingml/2006/diagram" xmlns:a="http://schemas.openxmlformats.org/drawingml/2006/main">
+  <dgm:ptLst>
+    <dgm:pt modelId="{14BBB7FE-699C-481E-8EE1-FFA5FC81ECFA}" type="doc">
+      <dgm:prSet loTypeId="urn:microsoft.com/office/officeart/2005/8/layout/process1" loCatId="process" qsTypeId="urn:microsoft.com/office/officeart/2005/8/quickstyle/simple1" qsCatId="simple" csTypeId="urn:microsoft.com/office/officeart/2005/8/colors/accent1_2" csCatId="accent1" phldr="1"/>
+      <dgm:spPr/>
+    </dgm:pt>
+    <dgm:pt modelId="{4782DDB9-B7EA-4119-8095-99411B5A570E}">
+      <dgm:prSet phldrT="[Text]"/>
+      <dgm:spPr>
+        <a:solidFill>
+          <a:srgbClr val="1E4383"/>
+        </a:solidFill>
+      </dgm:spPr>
+      <dgm:t>
+        <a:bodyPr/>
+        <a:lstStyle/>
+        <a:p>
+          <a:r>
+            <a:rPr lang="en-US" b="1" dirty="0"/>
+            <a:t>Study</a:t>
+          </a:r>
+        </a:p>
+      </dgm:t>
+    </dgm:pt>
+    <dgm:pt modelId="{222C0E44-7D94-4D50-A7BB-5243753FBA62}" type="parTrans" cxnId="{0E3247DF-9A83-4A8B-9FB1-AF8D01C3311C}">
+      <dgm:prSet/>
+      <dgm:spPr/>
+      <dgm:t>
+        <a:bodyPr/>
+        <a:lstStyle/>
+        <a:p>
+          <a:endParaRPr lang="en-US"/>
+        </a:p>
+      </dgm:t>
+    </dgm:pt>
+    <dgm:pt modelId="{30736700-6595-4C44-A172-5902D195A4C5}" type="sibTrans" cxnId="{0E3247DF-9A83-4A8B-9FB1-AF8D01C3311C}">
+      <dgm:prSet/>
+      <dgm:spPr>
+        <a:solidFill>
+          <a:srgbClr val="00B0F0"/>
+        </a:solidFill>
+      </dgm:spPr>
+      <dgm:t>
+        <a:bodyPr/>
+        <a:lstStyle/>
+        <a:p>
+          <a:endParaRPr lang="en-US"/>
+        </a:p>
+      </dgm:t>
+    </dgm:pt>
+    <dgm:pt modelId="{44F1E382-42DD-4EDB-BF7D-8076A174FB8B}">
+      <dgm:prSet phldrT="[Text]"/>
+      <dgm:spPr>
+        <a:solidFill>
+          <a:srgbClr val="1E4383"/>
+        </a:solidFill>
+      </dgm:spPr>
+      <dgm:t>
+        <a:bodyPr/>
+        <a:lstStyle/>
+        <a:p>
+          <a:r>
+            <a:rPr lang="en-US" b="1" dirty="0"/>
+            <a:t>Arithmetic Filler Task</a:t>
+          </a:r>
+        </a:p>
+      </dgm:t>
+    </dgm:pt>
+    <dgm:pt modelId="{2D753BD0-E5F7-41E7-939C-744594957707}" type="parTrans" cxnId="{B9F748BF-5219-4684-BD00-5714556626AC}">
+      <dgm:prSet/>
+      <dgm:spPr/>
+      <dgm:t>
+        <a:bodyPr/>
+        <a:lstStyle/>
+        <a:p>
+          <a:endParaRPr lang="en-US"/>
+        </a:p>
+      </dgm:t>
+    </dgm:pt>
+    <dgm:pt modelId="{E6BD1D8A-0CA8-4AB7-8445-AE3B4F3B67C8}" type="sibTrans" cxnId="{B9F748BF-5219-4684-BD00-5714556626AC}">
+      <dgm:prSet/>
+      <dgm:spPr>
+        <a:solidFill>
+          <a:srgbClr val="00B0F0"/>
+        </a:solidFill>
+      </dgm:spPr>
+      <dgm:t>
+        <a:bodyPr/>
+        <a:lstStyle/>
+        <a:p>
+          <a:endParaRPr lang="en-US"/>
+        </a:p>
+      </dgm:t>
+    </dgm:pt>
+    <dgm:pt modelId="{7B6DCE51-2C1F-4469-8447-712988C0E6B2}">
+      <dgm:prSet phldrT="[Text]"/>
+      <dgm:spPr>
+        <a:solidFill>
+          <a:srgbClr val="1E4383"/>
+        </a:solidFill>
+      </dgm:spPr>
+      <dgm:t>
+        <a:bodyPr/>
+        <a:lstStyle/>
+        <a:p>
+          <a:r>
+            <a:rPr lang="en-US" b="1" dirty="0"/>
+            <a:t>Recall</a:t>
+          </a:r>
+        </a:p>
+      </dgm:t>
+    </dgm:pt>
+    <dgm:pt modelId="{ECCC4349-B894-4E67-8E41-FFC45FA9B356}" type="parTrans" cxnId="{4F6D3259-1FBD-48DF-B6FF-4E6970949A45}">
+      <dgm:prSet/>
+      <dgm:spPr/>
+      <dgm:t>
+        <a:bodyPr/>
+        <a:lstStyle/>
+        <a:p>
+          <a:endParaRPr lang="en-US"/>
+        </a:p>
+      </dgm:t>
+    </dgm:pt>
+    <dgm:pt modelId="{842F1BCF-CB4E-43C9-A8C5-76FE196A6ADB}" type="sibTrans" cxnId="{4F6D3259-1FBD-48DF-B6FF-4E6970949A45}">
+      <dgm:prSet/>
+      <dgm:spPr/>
+      <dgm:t>
+        <a:bodyPr/>
+        <a:lstStyle/>
+        <a:p>
+          <a:endParaRPr lang="en-US"/>
+        </a:p>
+      </dgm:t>
+    </dgm:pt>
+    <dgm:pt modelId="{440BEAA8-EB9A-4417-8F8E-0A77FB0F0C77}" type="pres">
+      <dgm:prSet presAssocID="{14BBB7FE-699C-481E-8EE1-FFA5FC81ECFA}" presName="Name0" presStyleCnt="0">
+        <dgm:presLayoutVars>
+          <dgm:dir/>
+          <dgm:resizeHandles val="exact"/>
+        </dgm:presLayoutVars>
+      </dgm:prSet>
+      <dgm:spPr/>
+    </dgm:pt>
+    <dgm:pt modelId="{30548DF4-F572-445E-846F-C62105D6F0D2}" type="pres">
+      <dgm:prSet presAssocID="{4782DDB9-B7EA-4119-8095-99411B5A570E}" presName="node" presStyleLbl="node1" presStyleIdx="0" presStyleCnt="3">
+        <dgm:presLayoutVars>
+          <dgm:bulletEnabled val="1"/>
+        </dgm:presLayoutVars>
+      </dgm:prSet>
+      <dgm:spPr/>
+    </dgm:pt>
+    <dgm:pt modelId="{ED072CF8-EDA6-4D43-B06C-F763F1784C6B}" type="pres">
+      <dgm:prSet presAssocID="{30736700-6595-4C44-A172-5902D195A4C5}" presName="sibTrans" presStyleLbl="sibTrans2D1" presStyleIdx="0" presStyleCnt="2"/>
+      <dgm:spPr/>
+    </dgm:pt>
+    <dgm:pt modelId="{41CC6C50-B1B1-494D-B733-C7153FA53F40}" type="pres">
+      <dgm:prSet presAssocID="{30736700-6595-4C44-A172-5902D195A4C5}" presName="connectorText" presStyleLbl="sibTrans2D1" presStyleIdx="0" presStyleCnt="2"/>
+      <dgm:spPr/>
+    </dgm:pt>
+    <dgm:pt modelId="{ADD1959A-890D-4590-BDCA-C34279896A2C}" type="pres">
+      <dgm:prSet presAssocID="{44F1E382-42DD-4EDB-BF7D-8076A174FB8B}" presName="node" presStyleLbl="node1" presStyleIdx="1" presStyleCnt="3">
+        <dgm:presLayoutVars>
+          <dgm:bulletEnabled val="1"/>
+        </dgm:presLayoutVars>
+      </dgm:prSet>
+      <dgm:spPr/>
+    </dgm:pt>
+    <dgm:pt modelId="{FC7CD236-3585-4AD2-9CC8-EF1FC6023817}" type="pres">
+      <dgm:prSet presAssocID="{E6BD1D8A-0CA8-4AB7-8445-AE3B4F3B67C8}" presName="sibTrans" presStyleLbl="sibTrans2D1" presStyleIdx="1" presStyleCnt="2"/>
+      <dgm:spPr/>
+    </dgm:pt>
+    <dgm:pt modelId="{A6E86760-0EDA-4BD5-9FDA-4CA1CE04C699}" type="pres">
+      <dgm:prSet presAssocID="{E6BD1D8A-0CA8-4AB7-8445-AE3B4F3B67C8}" presName="connectorText" presStyleLbl="sibTrans2D1" presStyleIdx="1" presStyleCnt="2"/>
+      <dgm:spPr/>
+    </dgm:pt>
+    <dgm:pt modelId="{CC0444EB-7C5C-4395-852D-4E2A5CC837D8}" type="pres">
+      <dgm:prSet presAssocID="{7B6DCE51-2C1F-4469-8447-712988C0E6B2}" presName="node" presStyleLbl="node1" presStyleIdx="2" presStyleCnt="3">
+        <dgm:presLayoutVars>
+          <dgm:bulletEnabled val="1"/>
+        </dgm:presLayoutVars>
+      </dgm:prSet>
+      <dgm:spPr/>
+    </dgm:pt>
+  </dgm:ptLst>
+  <dgm:cxnLst>
+    <dgm:cxn modelId="{66698207-958F-4F81-8A80-A5FDF763C9EE}" type="presOf" srcId="{44F1E382-42DD-4EDB-BF7D-8076A174FB8B}" destId="{ADD1959A-890D-4590-BDCA-C34279896A2C}" srcOrd="0" destOrd="0" presId="urn:microsoft.com/office/officeart/2005/8/layout/process1"/>
+    <dgm:cxn modelId="{CEC9896C-B656-4925-A6F0-61204A2E2F98}" type="presOf" srcId="{4782DDB9-B7EA-4119-8095-99411B5A570E}" destId="{30548DF4-F572-445E-846F-C62105D6F0D2}" srcOrd="0" destOrd="0" presId="urn:microsoft.com/office/officeart/2005/8/layout/process1"/>
+    <dgm:cxn modelId="{E3286B6D-E9BE-41F4-A6E4-21FED3D1653C}" type="presOf" srcId="{7B6DCE51-2C1F-4469-8447-712988C0E6B2}" destId="{CC0444EB-7C5C-4395-852D-4E2A5CC837D8}" srcOrd="0" destOrd="0" presId="urn:microsoft.com/office/officeart/2005/8/layout/process1"/>
+    <dgm:cxn modelId="{FA240B6F-42C2-43C3-BAD7-9DAB33F0CBC4}" type="presOf" srcId="{E6BD1D8A-0CA8-4AB7-8445-AE3B4F3B67C8}" destId="{FC7CD236-3585-4AD2-9CC8-EF1FC6023817}" srcOrd="0" destOrd="0" presId="urn:microsoft.com/office/officeart/2005/8/layout/process1"/>
+    <dgm:cxn modelId="{3B73F357-C697-495C-8734-44413C3DE581}" type="presOf" srcId="{30736700-6595-4C44-A172-5902D195A4C5}" destId="{41CC6C50-B1B1-494D-B733-C7153FA53F40}" srcOrd="1" destOrd="0" presId="urn:microsoft.com/office/officeart/2005/8/layout/process1"/>
+    <dgm:cxn modelId="{4F6D3259-1FBD-48DF-B6FF-4E6970949A45}" srcId="{14BBB7FE-699C-481E-8EE1-FFA5FC81ECFA}" destId="{7B6DCE51-2C1F-4469-8447-712988C0E6B2}" srcOrd="2" destOrd="0" parTransId="{ECCC4349-B894-4E67-8E41-FFC45FA9B356}" sibTransId="{842F1BCF-CB4E-43C9-A8C5-76FE196A6ADB}"/>
+    <dgm:cxn modelId="{72CFD784-5F14-4033-83DB-D26C7640D4DC}" type="presOf" srcId="{30736700-6595-4C44-A172-5902D195A4C5}" destId="{ED072CF8-EDA6-4D43-B06C-F763F1784C6B}" srcOrd="0" destOrd="0" presId="urn:microsoft.com/office/officeart/2005/8/layout/process1"/>
+    <dgm:cxn modelId="{1192FFA6-F9DA-4664-A02A-051FE2A060BF}" type="presOf" srcId="{E6BD1D8A-0CA8-4AB7-8445-AE3B4F3B67C8}" destId="{A6E86760-0EDA-4BD5-9FDA-4CA1CE04C699}" srcOrd="1" destOrd="0" presId="urn:microsoft.com/office/officeart/2005/8/layout/process1"/>
+    <dgm:cxn modelId="{B9F748BF-5219-4684-BD00-5714556626AC}" srcId="{14BBB7FE-699C-481E-8EE1-FFA5FC81ECFA}" destId="{44F1E382-42DD-4EDB-BF7D-8076A174FB8B}" srcOrd="1" destOrd="0" parTransId="{2D753BD0-E5F7-41E7-939C-744594957707}" sibTransId="{E6BD1D8A-0CA8-4AB7-8445-AE3B4F3B67C8}"/>
+    <dgm:cxn modelId="{F56404D8-32D8-435E-A1B0-A993E012F3F5}" type="presOf" srcId="{14BBB7FE-699C-481E-8EE1-FFA5FC81ECFA}" destId="{440BEAA8-EB9A-4417-8F8E-0A77FB0F0C77}" srcOrd="0" destOrd="0" presId="urn:microsoft.com/office/officeart/2005/8/layout/process1"/>
+    <dgm:cxn modelId="{0E3247DF-9A83-4A8B-9FB1-AF8D01C3311C}" srcId="{14BBB7FE-699C-481E-8EE1-FFA5FC81ECFA}" destId="{4782DDB9-B7EA-4119-8095-99411B5A570E}" srcOrd="0" destOrd="0" parTransId="{222C0E44-7D94-4D50-A7BB-5243753FBA62}" sibTransId="{30736700-6595-4C44-A172-5902D195A4C5}"/>
+    <dgm:cxn modelId="{6E62C7B2-D8CB-48B0-B064-1F993DECD3A6}" type="presParOf" srcId="{440BEAA8-EB9A-4417-8F8E-0A77FB0F0C77}" destId="{30548DF4-F572-445E-846F-C62105D6F0D2}" srcOrd="0" destOrd="0" presId="urn:microsoft.com/office/officeart/2005/8/layout/process1"/>
+    <dgm:cxn modelId="{5BB1E658-D34D-48F9-9771-05F747CF2AFE}" type="presParOf" srcId="{440BEAA8-EB9A-4417-8F8E-0A77FB0F0C77}" destId="{ED072CF8-EDA6-4D43-B06C-F763F1784C6B}" srcOrd="1" destOrd="0" presId="urn:microsoft.com/office/officeart/2005/8/layout/process1"/>
+    <dgm:cxn modelId="{2D5D1612-82AB-405A-8B4C-F1070B793533}" type="presParOf" srcId="{ED072CF8-EDA6-4D43-B06C-F763F1784C6B}" destId="{41CC6C50-B1B1-494D-B733-C7153FA53F40}" srcOrd="0" destOrd="0" presId="urn:microsoft.com/office/officeart/2005/8/layout/process1"/>
+    <dgm:cxn modelId="{CFF23A3E-39DC-4D06-B541-08CD8E552387}" type="presParOf" srcId="{440BEAA8-EB9A-4417-8F8E-0A77FB0F0C77}" destId="{ADD1959A-890D-4590-BDCA-C34279896A2C}" srcOrd="2" destOrd="0" presId="urn:microsoft.com/office/officeart/2005/8/layout/process1"/>
+    <dgm:cxn modelId="{1C85C80B-4595-414F-88EF-C53C1C0BEDB8}" type="presParOf" srcId="{440BEAA8-EB9A-4417-8F8E-0A77FB0F0C77}" destId="{FC7CD236-3585-4AD2-9CC8-EF1FC6023817}" srcOrd="3" destOrd="0" presId="urn:microsoft.com/office/officeart/2005/8/layout/process1"/>
+    <dgm:cxn modelId="{4DE971E0-543D-4F74-B482-DFDE10BFCA83}" type="presParOf" srcId="{FC7CD236-3585-4AD2-9CC8-EF1FC6023817}" destId="{A6E86760-0EDA-4BD5-9FDA-4CA1CE04C699}" srcOrd="0" destOrd="0" presId="urn:microsoft.com/office/officeart/2005/8/layout/process1"/>
+    <dgm:cxn modelId="{050124D6-9A2D-44AF-870B-798FB523FD75}" type="presParOf" srcId="{440BEAA8-EB9A-4417-8F8E-0A77FB0F0C77}" destId="{CC0444EB-7C5C-4395-852D-4E2A5CC837D8}" srcOrd="4" destOrd="0" presId="urn:microsoft.com/office/officeart/2005/8/layout/process1"/>
+  </dgm:cxnLst>
+  <dgm:bg/>
+  <dgm:whole/>
+  <dgm:extLst>
+    <a:ext uri="http://schemas.microsoft.com/office/drawing/2008/diagram">
+      <dsp:dataModelExt xmlns:dsp="http://schemas.microsoft.com/office/drawing/2008/diagram" relId="rId6" minVer="http://schemas.openxmlformats.org/drawingml/2006/diagram"/>
+    </a:ext>
+  </dgm:extLst>
+</dgm:dataModel>
+</file>
+
+<file path=ppt/diagrams/drawing1.xml><?xml version="1.0" encoding="utf-8"?>
+<dsp:drawing xmlns:dgm="http://schemas.openxmlformats.org/drawingml/2006/diagram" xmlns:dsp="http://schemas.microsoft.com/office/drawing/2008/diagram" xmlns:a="http://schemas.openxmlformats.org/drawingml/2006/main">
+  <dsp:spTree>
+    <dsp:nvGrpSpPr>
+      <dsp:cNvPr id="0" name=""/>
+      <dsp:cNvGrpSpPr/>
+    </dsp:nvGrpSpPr>
+    <dsp:grpSpPr/>
+    <dsp:sp modelId="{30548DF4-F572-445E-846F-C62105D6F0D2}">
+      <dsp:nvSpPr>
+        <dsp:cNvPr id="0" name=""/>
+        <dsp:cNvSpPr/>
+      </dsp:nvSpPr>
+      <dsp:spPr>
+        <a:xfrm>
+          <a:off x="6346" y="788313"/>
+          <a:ext cx="1896853" cy="1138112"/>
+        </a:xfrm>
+        <a:prstGeom prst="roundRect">
+          <a:avLst>
+            <a:gd name="adj" fmla="val 10000"/>
+          </a:avLst>
+        </a:prstGeom>
+        <a:solidFill>
+          <a:srgbClr val="1E4383"/>
+        </a:solidFill>
+        <a:ln w="12700" cap="flat" cmpd="sng" algn="ctr">
+          <a:solidFill>
+            <a:schemeClr val="lt1">
+              <a:hueOff val="0"/>
+              <a:satOff val="0"/>
+              <a:lumOff val="0"/>
+              <a:alphaOff val="0"/>
+            </a:schemeClr>
+          </a:solidFill>
+          <a:prstDash val="solid"/>
+          <a:miter lim="800000"/>
+        </a:ln>
+        <a:effectLst/>
+      </dsp:spPr>
+      <dsp:style>
+        <a:lnRef idx="2">
+          <a:scrgbClr r="0" g="0" b="0"/>
+        </a:lnRef>
+        <a:fillRef idx="1">
+          <a:scrgbClr r="0" g="0" b="0"/>
+        </a:fillRef>
+        <a:effectRef idx="0">
+          <a:scrgbClr r="0" g="0" b="0"/>
+        </a:effectRef>
+        <a:fontRef idx="minor">
+          <a:schemeClr val="lt1"/>
+        </a:fontRef>
+      </dsp:style>
+      <dsp:txBody>
+        <a:bodyPr spcFirstLastPara="0" vert="horz" wrap="square" lIns="106680" tIns="106680" rIns="106680" bIns="106680" numCol="1" spcCol="1270" anchor="ctr" anchorCtr="0">
+          <a:noAutofit/>
+        </a:bodyPr>
+        <a:lstStyle/>
+        <a:p>
+          <a:pPr marL="0" lvl="0" indent="0" algn="ctr" defTabSz="1244600">
+            <a:lnSpc>
+              <a:spcPct val="90000"/>
+            </a:lnSpc>
+            <a:spcBef>
+              <a:spcPct val="0"/>
+            </a:spcBef>
+            <a:spcAft>
+              <a:spcPct val="35000"/>
+            </a:spcAft>
+            <a:buNone/>
+          </a:pPr>
+          <a:r>
+            <a:rPr lang="en-US" sz="2800" b="1" kern="1200" dirty="0"/>
+            <a:t>Study</a:t>
+          </a:r>
+        </a:p>
+      </dsp:txBody>
+      <dsp:txXfrm>
+        <a:off x="39680" y="821647"/>
+        <a:ext cx="1830185" cy="1071444"/>
+      </dsp:txXfrm>
+    </dsp:sp>
+    <dsp:sp modelId="{ED072CF8-EDA6-4D43-B06C-F763F1784C6B}">
+      <dsp:nvSpPr>
+        <dsp:cNvPr id="0" name=""/>
+        <dsp:cNvSpPr/>
+      </dsp:nvSpPr>
+      <dsp:spPr>
+        <a:xfrm>
+          <a:off x="2092885" y="1122160"/>
+          <a:ext cx="402132" cy="470419"/>
+        </a:xfrm>
+        <a:prstGeom prst="rightArrow">
+          <a:avLst>
+            <a:gd name="adj1" fmla="val 60000"/>
+            <a:gd name="adj2" fmla="val 50000"/>
+          </a:avLst>
+        </a:prstGeom>
+        <a:solidFill>
+          <a:srgbClr val="00B0F0"/>
+        </a:solidFill>
+        <a:ln>
+          <a:noFill/>
+        </a:ln>
+        <a:effectLst/>
+      </dsp:spPr>
+      <dsp:style>
+        <a:lnRef idx="0">
+          <a:scrgbClr r="0" g="0" b="0"/>
+        </a:lnRef>
+        <a:fillRef idx="1">
+          <a:scrgbClr r="0" g="0" b="0"/>
+        </a:fillRef>
+        <a:effectRef idx="0">
+          <a:scrgbClr r="0" g="0" b="0"/>
+        </a:effectRef>
+        <a:fontRef idx="minor">
+          <a:schemeClr val="lt1"/>
+        </a:fontRef>
+      </dsp:style>
+      <dsp:txBody>
+        <a:bodyPr spcFirstLastPara="0" vert="horz" wrap="square" lIns="0" tIns="0" rIns="0" bIns="0" numCol="1" spcCol="1270" anchor="ctr" anchorCtr="0">
+          <a:noAutofit/>
+        </a:bodyPr>
+        <a:lstStyle/>
+        <a:p>
+          <a:pPr marL="0" lvl="0" indent="0" algn="ctr" defTabSz="889000">
+            <a:lnSpc>
+              <a:spcPct val="90000"/>
+            </a:lnSpc>
+            <a:spcBef>
+              <a:spcPct val="0"/>
+            </a:spcBef>
+            <a:spcAft>
+              <a:spcPct val="35000"/>
+            </a:spcAft>
+            <a:buNone/>
+          </a:pPr>
+          <a:endParaRPr lang="en-US" sz="2000" kern="1200"/>
+        </a:p>
+      </dsp:txBody>
+      <dsp:txXfrm>
+        <a:off x="2092885" y="1216244"/>
+        <a:ext cx="281492" cy="282251"/>
+      </dsp:txXfrm>
+    </dsp:sp>
+    <dsp:sp modelId="{ADD1959A-890D-4590-BDCA-C34279896A2C}">
+      <dsp:nvSpPr>
+        <dsp:cNvPr id="0" name=""/>
+        <dsp:cNvSpPr/>
+      </dsp:nvSpPr>
+      <dsp:spPr>
+        <a:xfrm>
+          <a:off x="2661941" y="788313"/>
+          <a:ext cx="1896853" cy="1138112"/>
+        </a:xfrm>
+        <a:prstGeom prst="roundRect">
+          <a:avLst>
+            <a:gd name="adj" fmla="val 10000"/>
+          </a:avLst>
+        </a:prstGeom>
+        <a:solidFill>
+          <a:srgbClr val="1E4383"/>
+        </a:solidFill>
+        <a:ln w="12700" cap="flat" cmpd="sng" algn="ctr">
+          <a:solidFill>
+            <a:schemeClr val="lt1">
+              <a:hueOff val="0"/>
+              <a:satOff val="0"/>
+              <a:lumOff val="0"/>
+              <a:alphaOff val="0"/>
+            </a:schemeClr>
+          </a:solidFill>
+          <a:prstDash val="solid"/>
+          <a:miter lim="800000"/>
+        </a:ln>
+        <a:effectLst/>
+      </dsp:spPr>
+      <dsp:style>
+        <a:lnRef idx="2">
+          <a:scrgbClr r="0" g="0" b="0"/>
+        </a:lnRef>
+        <a:fillRef idx="1">
+          <a:scrgbClr r="0" g="0" b="0"/>
+        </a:fillRef>
+        <a:effectRef idx="0">
+          <a:scrgbClr r="0" g="0" b="0"/>
+        </a:effectRef>
+        <a:fontRef idx="minor">
+          <a:schemeClr val="lt1"/>
+        </a:fontRef>
+      </dsp:style>
+      <dsp:txBody>
+        <a:bodyPr spcFirstLastPara="0" vert="horz" wrap="square" lIns="106680" tIns="106680" rIns="106680" bIns="106680" numCol="1" spcCol="1270" anchor="ctr" anchorCtr="0">
+          <a:noAutofit/>
+        </a:bodyPr>
+        <a:lstStyle/>
+        <a:p>
+          <a:pPr marL="0" lvl="0" indent="0" algn="ctr" defTabSz="1244600">
+            <a:lnSpc>
+              <a:spcPct val="90000"/>
+            </a:lnSpc>
+            <a:spcBef>
+              <a:spcPct val="0"/>
+            </a:spcBef>
+            <a:spcAft>
+              <a:spcPct val="35000"/>
+            </a:spcAft>
+            <a:buNone/>
+          </a:pPr>
+          <a:r>
+            <a:rPr lang="en-US" sz="2800" b="1" kern="1200" dirty="0"/>
+            <a:t>Arithmetic Filler Task</a:t>
+          </a:r>
+        </a:p>
+      </dsp:txBody>
+      <dsp:txXfrm>
+        <a:off x="2695275" y="821647"/>
+        <a:ext cx="1830185" cy="1071444"/>
+      </dsp:txXfrm>
+    </dsp:sp>
+    <dsp:sp modelId="{FC7CD236-3585-4AD2-9CC8-EF1FC6023817}">
+      <dsp:nvSpPr>
+        <dsp:cNvPr id="0" name=""/>
+        <dsp:cNvSpPr/>
+      </dsp:nvSpPr>
+      <dsp:spPr>
+        <a:xfrm>
+          <a:off x="4748480" y="1122160"/>
+          <a:ext cx="402132" cy="470419"/>
+        </a:xfrm>
+        <a:prstGeom prst="rightArrow">
+          <a:avLst>
+            <a:gd name="adj1" fmla="val 60000"/>
+            <a:gd name="adj2" fmla="val 50000"/>
+          </a:avLst>
+        </a:prstGeom>
+        <a:solidFill>
+          <a:srgbClr val="00B0F0"/>
+        </a:solidFill>
+        <a:ln>
+          <a:noFill/>
+        </a:ln>
+        <a:effectLst/>
+      </dsp:spPr>
+      <dsp:style>
+        <a:lnRef idx="0">
+          <a:scrgbClr r="0" g="0" b="0"/>
+        </a:lnRef>
+        <a:fillRef idx="1">
+          <a:scrgbClr r="0" g="0" b="0"/>
+        </a:fillRef>
+        <a:effectRef idx="0">
+          <a:scrgbClr r="0" g="0" b="0"/>
+        </a:effectRef>
+        <a:fontRef idx="minor">
+          <a:schemeClr val="lt1"/>
+        </a:fontRef>
+      </dsp:style>
+      <dsp:txBody>
+        <a:bodyPr spcFirstLastPara="0" vert="horz" wrap="square" lIns="0" tIns="0" rIns="0" bIns="0" numCol="1" spcCol="1270" anchor="ctr" anchorCtr="0">
+          <a:noAutofit/>
+        </a:bodyPr>
+        <a:lstStyle/>
+        <a:p>
+          <a:pPr marL="0" lvl="0" indent="0" algn="ctr" defTabSz="889000">
+            <a:lnSpc>
+              <a:spcPct val="90000"/>
+            </a:lnSpc>
+            <a:spcBef>
+              <a:spcPct val="0"/>
+            </a:spcBef>
+            <a:spcAft>
+              <a:spcPct val="35000"/>
+            </a:spcAft>
+            <a:buNone/>
+          </a:pPr>
+          <a:endParaRPr lang="en-US" sz="2000" kern="1200"/>
+        </a:p>
+      </dsp:txBody>
+      <dsp:txXfrm>
+        <a:off x="4748480" y="1216244"/>
+        <a:ext cx="281492" cy="282251"/>
+      </dsp:txXfrm>
+    </dsp:sp>
+    <dsp:sp modelId="{CC0444EB-7C5C-4395-852D-4E2A5CC837D8}">
+      <dsp:nvSpPr>
+        <dsp:cNvPr id="0" name=""/>
+        <dsp:cNvSpPr/>
+      </dsp:nvSpPr>
+      <dsp:spPr>
+        <a:xfrm>
+          <a:off x="5317536" y="788313"/>
+          <a:ext cx="1896853" cy="1138112"/>
+        </a:xfrm>
+        <a:prstGeom prst="roundRect">
+          <a:avLst>
+            <a:gd name="adj" fmla="val 10000"/>
+          </a:avLst>
+        </a:prstGeom>
+        <a:solidFill>
+          <a:srgbClr val="1E4383"/>
+        </a:solidFill>
+        <a:ln w="12700" cap="flat" cmpd="sng" algn="ctr">
+          <a:solidFill>
+            <a:schemeClr val="lt1">
+              <a:hueOff val="0"/>
+              <a:satOff val="0"/>
+              <a:lumOff val="0"/>
+              <a:alphaOff val="0"/>
+            </a:schemeClr>
+          </a:solidFill>
+          <a:prstDash val="solid"/>
+          <a:miter lim="800000"/>
+        </a:ln>
+        <a:effectLst/>
+      </dsp:spPr>
+      <dsp:style>
+        <a:lnRef idx="2">
+          <a:scrgbClr r="0" g="0" b="0"/>
+        </a:lnRef>
+        <a:fillRef idx="1">
+          <a:scrgbClr r="0" g="0" b="0"/>
+        </a:fillRef>
+        <a:effectRef idx="0">
+          <a:scrgbClr r="0" g="0" b="0"/>
+        </a:effectRef>
+        <a:fontRef idx="minor">
+          <a:schemeClr val="lt1"/>
+        </a:fontRef>
+      </dsp:style>
+      <dsp:txBody>
+        <a:bodyPr spcFirstLastPara="0" vert="horz" wrap="square" lIns="106680" tIns="106680" rIns="106680" bIns="106680" numCol="1" spcCol="1270" anchor="ctr" anchorCtr="0">
+          <a:noAutofit/>
+        </a:bodyPr>
+        <a:lstStyle/>
+        <a:p>
+          <a:pPr marL="0" lvl="0" indent="0" algn="ctr" defTabSz="1244600">
+            <a:lnSpc>
+              <a:spcPct val="90000"/>
+            </a:lnSpc>
+            <a:spcBef>
+              <a:spcPct val="0"/>
+            </a:spcBef>
+            <a:spcAft>
+              <a:spcPct val="35000"/>
+            </a:spcAft>
+            <a:buNone/>
+          </a:pPr>
+          <a:r>
+            <a:rPr lang="en-US" sz="2800" b="1" kern="1200" dirty="0"/>
+            <a:t>Recall</a:t>
+          </a:r>
+        </a:p>
+      </dsp:txBody>
+      <dsp:txXfrm>
+        <a:off x="5350870" y="821647"/>
+        <a:ext cx="1830185" cy="1071444"/>
+      </dsp:txXfrm>
+    </dsp:sp>
+  </dsp:spTree>
+</dsp:drawing>
+</file>
+
+<file path=ppt/diagrams/layout1.xml><?xml version="1.0" encoding="utf-8"?>
+<dgm:layoutDef xmlns:dgm="http://schemas.openxmlformats.org/drawingml/2006/diagram" xmlns:a="http://schemas.openxmlformats.org/drawingml/2006/main" uniqueId="urn:microsoft.com/office/officeart/2005/8/layout/process1">
+  <dgm:title val=""/>
+  <dgm:desc val=""/>
+  <dgm:catLst>
+    <dgm:cat type="process" pri="1000"/>
+    <dgm:cat type="convert" pri="15000"/>
+  </dgm:catLst>
+  <dgm:sampData useDef="1">
+    <dgm:dataModel>
+      <dgm:ptLst/>
+      <dgm:bg/>
+      <dgm:whole/>
+    </dgm:dataModel>
+  </dgm:sampData>
+  <dgm:styleData>
+    <dgm:dataModel>
+      <dgm:ptLst>
+        <dgm:pt modelId="0" type="doc"/>
+        <dgm:pt modelId="1"/>
+        <dgm:pt modelId="2"/>
+      </dgm:ptLst>
+      <dgm:cxnLst>
+        <dgm:cxn modelId="3" srcId="0" destId="1" srcOrd="0" destOrd="0"/>
+        <dgm:cxn modelId="4" srcId="0" destId="2" srcOrd="1" destOrd="0"/>
+      </dgm:cxnLst>
+      <dgm:bg/>
+      <dgm:whole/>
+    </dgm:dataModel>
+  </dgm:styleData>
+  <dgm:clrData>
+    <dgm:dataModel>
+      <dgm:ptLst>
+        <dgm:pt modelId="0" type="doc"/>
+        <dgm:pt modelId="1"/>
+        <dgm:pt modelId="2"/>
+        <dgm:pt modelId="3"/>
+        <dgm:pt modelId="4"/>
+      </dgm:ptLst>
+      <dgm:cxnLst>
+        <dgm:cxn modelId="5" srcId="0" destId="1" srcOrd="0" destOrd="0"/>
+        <dgm:cxn modelId="6" srcId="0" destId="2" srcOrd="1" destOrd="0"/>
+        <dgm:cxn modelId="7" srcId="0" destId="3" srcOrd="2" destOrd="0"/>
+        <dgm:cxn modelId="8" srcId="0" destId="4" srcOrd="3" destOrd="0"/>
+      </dgm:cxnLst>
+      <dgm:bg/>
+      <dgm:whole/>
+    </dgm:dataModel>
+  </dgm:clrData>
+  <dgm:layoutNode name="Name0">
+    <dgm:varLst>
+      <dgm:dir/>
+      <dgm:resizeHandles val="exact"/>
+    </dgm:varLst>
+    <dgm:choose name="Name1">
+      <dgm:if name="Name2" func="var" arg="dir" op="equ" val="norm">
+        <dgm:alg type="lin"/>
+      </dgm:if>
+      <dgm:else name="Name3">
+        <dgm:alg type="lin">
+          <dgm:param type="linDir" val="fromR"/>
+        </dgm:alg>
+      </dgm:else>
+    </dgm:choose>
+    <dgm:shape xmlns:r="http://schemas.openxmlformats.org/officeDocument/2006/relationships" r:blip="">
+      <dgm:adjLst/>
+    </dgm:shape>
+    <dgm:presOf/>
+    <dgm:constrLst>
+      <dgm:constr type="w" for="ch" ptType="node" refType="w"/>
+      <dgm:constr type="h" for="ch" ptType="node" op="equ"/>
+      <dgm:constr type="primFontSz" for="ch" ptType="node" op="equ" val="65"/>
+      <dgm:constr type="w" for="ch" ptType="sibTrans" refType="w" refFor="ch" refPtType="node" op="equ" fact="0.4"/>
+      <dgm:constr type="h" for="ch" ptType="sibTrans" op="equ"/>
+      <dgm:constr type="primFontSz" for="des" forName="connectorText" op="equ" val="55"/>
+      <dgm:constr type="primFontSz" for="des" forName="connectorText" refType="primFontSz" refFor="ch" refPtType="node" op="lte" fact="0.8"/>
+    </dgm:constrLst>
+    <dgm:ruleLst/>
+    <dgm:forEach name="nodesForEach" axis="ch" ptType="node">
+      <dgm:layoutNode name="node">
+        <dgm:varLst>
+          <dgm:bulletEnabled val="1"/>
+        </dgm:varLst>
+        <dgm:alg type="tx"/>
+        <dgm:shape xmlns:r="http://schemas.openxmlformats.org/officeDocument/2006/relationships" type="roundRect" r:blip="">
+          <dgm:adjLst>
+            <dgm:adj idx="1" val="0.1"/>
+          </dgm:adjLst>
+        </dgm:shape>
+        <dgm:presOf axis="desOrSelf" ptType="node"/>
+        <dgm:constrLst>
+          <dgm:constr type="h" refType="w" fact="0.6"/>
+          <dgm:constr type="tMarg" refType="primFontSz" fact="0.3"/>
+          <dgm:constr type="bMarg" refType="primFontSz" fact="0.3"/>
+          <dgm:constr type="lMarg" refType="primFontSz" fact="0.3"/>
+          <dgm:constr type="rMarg" refType="primFontSz" fact="0.3"/>
+        </dgm:constrLst>
+        <dgm:ruleLst>
+          <dgm:rule type="primFontSz" val="18" fact="NaN" max="NaN"/>
+          <dgm:rule type="h" val="NaN" fact="1.5" max="NaN"/>
+          <dgm:rule type="primFontSz" val="5" fact="NaN" max="NaN"/>
+          <dgm:rule type="h" val="INF" fact="NaN" max="NaN"/>
+        </dgm:ruleLst>
+      </dgm:layoutNode>
+      <dgm:forEach name="sibTransForEach" axis="followSib" ptType="sibTrans" cnt="1">
+        <dgm:layoutNode name="sibTrans">
+          <dgm:alg type="conn">
+            <dgm:param type="begPts" val="auto"/>
+            <dgm:param type="endPts" val="auto"/>
+          </dgm:alg>
+          <dgm:shape xmlns:r="http://schemas.openxmlformats.org/officeDocument/2006/relationships" type="conn" r:blip="">
+            <dgm:adjLst/>
+          </dgm:shape>
+          <dgm:presOf axis="self"/>
+          <dgm:constrLst>
+            <dgm:constr type="h" refType="w" fact="0.62"/>
+            <dgm:constr type="connDist"/>
+            <dgm:constr type="begPad" refType="connDist" fact="0.25"/>
+            <dgm:constr type="endPad" refType="connDist" fact="0.22"/>
+          </dgm:constrLst>
+          <dgm:ruleLst/>
+          <dgm:layoutNode name="connectorText">
+            <dgm:alg type="tx">
+              <dgm:param type="autoTxRot" val="grav"/>
+            </dgm:alg>
+            <dgm:shape xmlns:r="http://schemas.openxmlformats.org/officeDocument/2006/relationships" type="conn" r:blip="" hideGeom="1">
+              <dgm:adjLst/>
+            </dgm:shape>
+            <dgm:presOf axis="self"/>
+            <dgm:constrLst>
+              <dgm:constr type="lMarg"/>
+              <dgm:constr type="rMarg"/>
+              <dgm:constr type="tMarg"/>
+              <dgm:constr type="bMarg"/>
+            </dgm:constrLst>
+            <dgm:ruleLst>
+              <dgm:rule type="primFontSz" val="5" fact="NaN" max="NaN"/>
+            </dgm:ruleLst>
+          </dgm:layoutNode>
+        </dgm:layoutNode>
+      </dgm:forEach>
+    </dgm:forEach>
+  </dgm:layoutNode>
+</dgm:layoutDef>
+</file>
+
+<file path=ppt/diagrams/quickStyle1.xml><?xml version="1.0" encoding="utf-8"?>
+<dgm:styleDef xmlns:dgm="http://schemas.openxmlformats.org/drawingml/2006/diagram" xmlns:a="http://schemas.openxmlformats.org/drawingml/2006/main" uniqueId="urn:microsoft.com/office/officeart/2005/8/quickstyle/simple1">
+  <dgm:title val=""/>
+  <dgm:desc val=""/>
+  <dgm:catLst>
+    <dgm:cat type="simple" pri="10100"/>
+  </dgm:catLst>
+  <dgm:scene3d>
+    <a:camera prst="orthographicFront"/>
+    <a:lightRig rig="threePt" dir="t"/>
+  </dgm:scene3d>
+  <dgm:styleLbl name="node0">
+    <dgm:scene3d>
+      <a:camera prst="orthographicFront"/>
+      <a:lightRig rig="threePt" dir="t"/>
+    </dgm:scene3d>
+    <dgm:sp3d/>
+    <dgm:txPr/>
+    <dgm:style>
+      <a:lnRef idx="2">
+        <a:scrgbClr r="0" g="0" b="0"/>
+      </a:lnRef>
+      <a:fillRef idx="1">
+        <a:scrgbClr r="0" g="0" b="0"/>
+      </a:fillRef>
+      <a:effectRef idx="0">
+        <a:scrgbClr r="0" g="0" b="0"/>
+      </a:effectRef>
+      <a:fontRef idx="minor">
+        <a:schemeClr val="lt1"/>
+      </a:fontRef>
+    </dgm:style>
+  </dgm:styleLbl>
+  <dgm:styleLbl name="lnNode1">
+    <dgm:scene3d>
+      <a:camera prst="orthographicFront"/>
+      <a:lightRig rig="threePt" dir="t"/>
+    </dgm:scene3d>
+    <dgm:sp3d/>
+    <dgm:txPr/>
+    <dgm:style>
+      <a:lnRef idx="2">
+        <a:scrgbClr r="0" g="0" b="0"/>
+      </a:lnRef>
+      <a:fillRef idx="1">
+        <a:scrgbClr r="0" g="0" b="0"/>
+      </a:fillRef>
+      <a:effectRef idx="0">
+        <a:scrgbClr r="0" g="0" b="0"/>
+      </a:effectRef>
+      <a:fontRef idx="minor">
+        <a:schemeClr val="lt1"/>
+      </a:fontRef>
+    </dgm:style>
+  </dgm:styleLbl>
+  <dgm:styleLbl name="vennNode1">
+    <dgm:scene3d>
+      <a:camera prst="orthographicFront"/>
+      <a:lightRig rig="threePt" dir="t"/>
+    </dgm:scene3d>
+    <dgm:sp3d/>
+    <dgm:txPr/>
+    <dgm:style>
+      <a:lnRef idx="2">
+        <a:scrgbClr r="0" g="0" b="0"/>
+      </a:lnRef>
+      <a:fillRef idx="1">
+        <a:scrgbClr r="0" g="0" b="0"/>
+      </a:fillRef>
+      <a:effectRef idx="0">
+        <a:scrgbClr r="0" g="0" b="0"/>
+      </a:effectRef>
+      <a:fontRef idx="minor">
+        <a:schemeClr val="tx1"/>
+      </a:fontRef>
+    </dgm:style>
+  </dgm:styleLbl>
+  <dgm:styleLbl name="alignNode1">
+    <dgm:scene3d>
+      <a:camera prst="orthographicFront"/>
+      <a:lightRig rig="threePt" dir="t"/>
+    </dgm:scene3d>
+    <dgm:sp3d/>
+    <dgm:txPr/>
+    <dgm:style>
+      <a:lnRef idx="2">
+        <a:scrgbClr r="0" g="0" b="0"/>
+      </a:lnRef>
+      <a:fillRef idx="1">
+        <a:scrgbClr r="0" g="0" b="0"/>
+      </a:fillRef>
+      <a:effectRef idx="0">
+        <a:scrgbClr r="0" g="0" b="0"/>
+      </a:effectRef>
+      <a:fontRef idx="minor">
+        <a:schemeClr val="lt1"/>
+      </a:fontRef>
+    </dgm:style>
+  </dgm:styleLbl>
+  <dgm:styleLbl name="node1">
+    <dgm:scene3d>
+      <a:camera prst="orthographicFront"/>
+      <a:lightRig rig="threePt" dir="t"/>
+    </dgm:scene3d>
+    <dgm:sp3d/>
+    <dgm:txPr/>
+    <dgm:style>
+      <a:lnRef idx="2">
+        <a:scrgbClr r="0" g="0" b="0"/>
+      </a:lnRef>
+      <a:fillRef idx="1">
+        <a:scrgbClr r="0" g="0" b="0"/>
+      </a:fillRef>
+      <a:effectRef idx="0">
+        <a:scrgbClr r="0" g="0" b="0"/>
+      </a:effectRef>
+      <a:fontRef idx="minor">
+        <a:schemeClr val="lt1"/>
+      </a:fontRef>
+    </dgm:style>
+  </dgm:styleLbl>
+  <dgm:styleLbl name="node2">
+    <dgm:scene3d>
+      <a:camera prst="orthographicFront"/>
+      <a:lightRig rig="threePt" dir="t"/>
+    </dgm:scene3d>
+    <dgm:sp3d/>
+    <dgm:txPr/>
+    <dgm:style>
+      <a:lnRef idx="2">
+        <a:scrgbClr r="0" g="0" b="0"/>
+      </a:lnRef>
+      <a:fillRef idx="1">
+        <a:scrgbClr r="0" g="0" b="0"/>
+      </a:fillRef>
+      <a:effectRef idx="0">
+        <a:scrgbClr r="0" g="0" b="0"/>
+      </a:effectRef>
+      <a:fontRef idx="minor">
+        <a:schemeClr val="lt1"/>
+      </a:fontRef>
+    </dgm:style>
+  </dgm:styleLbl>
+  <dgm:styleLbl name="node3">
+    <dgm:scene3d>
+      <a:camera prst="orthographicFront"/>
+      <a:lightRig rig="threePt" dir="t"/>
+    </dgm:scene3d>
+    <dgm:sp3d/>
+    <dgm:txPr/>
+    <dgm:style>
+      <a:lnRef idx="2">
+        <a:scrgbClr r="0" g="0" b="0"/>
+      </a:lnRef>
+      <a:fillRef idx="1">
+        <a:scrgbClr r="0" g="0" b="0"/>
+      </a:fillRef>
+      <a:effectRef idx="0">
+        <a:scrgbClr r="0" g="0" b="0"/>
+      </a:effectRef>
+      <a:fontRef idx="minor">
+        <a:schemeClr val="lt1"/>
+      </a:fontRef>
+    </dgm:style>
+  </dgm:styleLbl>
+  <dgm:styleLbl name="node4">
+    <dgm:scene3d>
+      <a:camera prst="orthographicFront"/>
+      <a:lightRig rig="threePt" dir="t"/>
+    </dgm:scene3d>
+    <dgm:sp3d/>
+    <dgm:txPr/>
+    <dgm:style>
+      <a:lnRef idx="2">
+        <a:scrgbClr r="0" g="0" b="0"/>
+      </a:lnRef>
+      <a:fillRef idx="1">
+        <a:scrgbClr r="0" g="0" b="0"/>
+      </a:fillRef>
+      <a:effectRef idx="0">
+        <a:scrgbClr r="0" g="0" b="0"/>
+      </a:effectRef>
+      <a:fontRef idx="minor">
+        <a:schemeClr val="lt1"/>
+      </a:fontRef>
+    </dgm:style>
+  </dgm:styleLbl>
+  <dgm:styleLbl name="fgImgPlace1">
+    <dgm:scene3d>
+      <a:camera prst="orthographicFront"/>
+      <a:lightRig rig="threePt" dir="t"/>
+    </dgm:scene3d>
+    <dgm:sp3d/>
+    <dgm:txPr/>
+    <dgm:style>
+      <a:lnRef idx="2">
+        <a:scrgbClr r="0" g="0" b="0"/>
+      </a:lnRef>
+      <a:fillRef idx="1">
+        <a:scrgbClr r="0" g="0" b="0"/>
+      </a:fillRef>
+      <a:effectRef idx="0">
+        <a:scrgbClr r="0" g="0" b="0"/>
+      </a:effectRef>
+      <a:fontRef idx="minor"/>
+    </dgm:style>
+  </dgm:styleLbl>
+  <dgm:styleLbl name="alignImgPlace1">
+    <dgm:scene3d>
+      <a:camera prst="orthographicFront"/>
+      <a:lightRig rig="threePt" dir="t"/>
+    </dgm:scene3d>
+    <dgm:sp3d/>
+    <dgm:txPr/>
+    <dgm:style>
+      <a:lnRef idx="2">
+        <a:scrgbClr r="0" g="0" b="0"/>
+      </a:lnRef>
+      <a:fillRef idx="1">
+        <a:scrgbClr r="0" g="0" b="0"/>
+      </a:fillRef>
+      <a:effectRef idx="0">
+        <a:scrgbClr r="0" g="0" b="0"/>
+      </a:effectRef>
+      <a:fontRef idx="minor"/>
+    </dgm:style>
+  </dgm:styleLbl>
+  <dgm:styleLbl name="bgImgPlace1">
+    <dgm:scene3d>
+      <a:camera prst="orthographicFront"/>
+      <a:lightRig rig="threePt" dir="t"/>
+    </dgm:scene3d>
+    <dgm:sp3d/>
+    <dgm:txPr/>
+    <dgm:style>
+      <a:lnRef idx="2">
+        <a:scrgbClr r="0" g="0" b="0"/>
+      </a:lnRef>
+      <a:fillRef idx="1">
+        <a:scrgbClr r="0" g="0" b="0"/>
+      </a:fillRef>
+      <a:effectRef idx="0">
+        <a:scrgbClr r="0" g="0" b="0"/>
+      </a:effectRef>
+      <a:fontRef idx="minor"/>
+    </dgm:style>
+  </dgm:styleLbl>
+  <dgm:styleLbl name="sibTrans2D1">
+    <dgm:scene3d>
+      <a:camera prst="orthographicFront"/>
+      <a:lightRig rig="threePt" dir="t"/>
+    </dgm:scene3d>
+    <dgm:sp3d/>
+    <dgm:txPr/>
+    <dgm:style>
+      <a:lnRef idx="0">
+        <a:scrgbClr r="0" g="0" b="0"/>
+      </a:lnRef>
+      <a:fillRef idx="1">
+        <a:scrgbClr r="0" g="0" b="0"/>
+      </a:fillRef>
+      <a:effectRef idx="0">
+        <a:scrgbClr r="0" g="0" b="0"/>
+      </a:effectRef>
+      <a:fontRef idx="minor">
+        <a:schemeClr val="lt1"/>
+      </a:fontRef>
+    </dgm:style>
+  </dgm:styleLbl>
+  <dgm:styleLbl name="fgSibTrans2D1">
+    <dgm:scene3d>
+      <a:camera prst="orthographicFront"/>
+      <a:lightRig rig="threePt" dir="t"/>
+    </dgm:scene3d>
+    <dgm:sp3d/>
+    <dgm:txPr/>
+    <dgm:style>
+      <a:lnRef idx="0">
+        <a:scrgbClr r="0" g="0" b="0"/>
+      </a:lnRef>
+      <a:fillRef idx="1">
+        <a:scrgbClr r="0" g="0" b="0"/>
+      </a:fillRef>
+      <a:effectRef idx="0">
+        <a:scrgbClr r="0" g="0" b="0"/>
+      </a:effectRef>
+      <a:fontRef idx="minor">
+        <a:schemeClr val="lt1"/>
+      </a:fontRef>
+    </dgm:style>
+  </dgm:styleLbl>
+  <dgm:styleLbl name="bgSibTrans2D1">
+    <dgm:scene3d>
+      <a:camera prst="orthographicFront"/>
+      <a:lightRig rig="threePt" dir="t"/>
+    </dgm:scene3d>
+    <dgm:sp3d/>
+    <dgm:txPr/>
+    <dgm:style>
+      <a:lnRef idx="0">
+        <a:scrgbClr r="0" g="0" b="0"/>
+      </a:lnRef>
+      <a:fillRef idx="1">
+        <a:scrgbClr r="0" g="0" b="0"/>
+      </a:fillRef>
+      <a:effectRef idx="0">
+        <a:scrgbClr r="0" g="0" b="0"/>
+      </a:effectRef>
+      <a:fontRef idx="minor">
+        <a:schemeClr val="lt1"/>
+      </a:fontRef>
+    </dgm:style>
+  </dgm:styleLbl>
+  <dgm:styleLbl name="sibTrans1D1">
+    <dgm:scene3d>
+      <a:camera prst="orthographicFront"/>
+      <a:lightRig rig="threePt" dir="t"/>
+    </dgm:scene3d>
+    <dgm:sp3d/>
+    <dgm:txPr/>
+    <dgm:style>
+      <a:lnRef idx="1">
+        <a:scrgbClr r="0" g="0" b="0"/>
+      </a:lnRef>
+      <a:fillRef idx="0">
+        <a:scrgbClr r="0" g="0" b="0"/>
+      </a:fillRef>
+      <a:effectRef idx="0">
+        <a:scrgbClr r="0" g="0" b="0"/>
+      </a:effectRef>
+      <a:fontRef idx="minor"/>
+    </dgm:style>
+  </dgm:styleLbl>
+  <dgm:styleLbl name="callout">
+    <dgm:scene3d>
+      <a:camera prst="orthographicFront"/>
+      <a:lightRig rig="threePt" dir="t"/>
+    </dgm:scene3d>
+    <dgm:sp3d/>
+    <dgm:txPr/>
+    <dgm:style>
+      <a:lnRef idx="2">
+        <a:scrgbClr r="0" g="0" b="0"/>
+      </a:lnRef>
+      <a:fillRef idx="1">
+        <a:scrgbClr r="0" g="0" b="0"/>
+      </a:fillRef>
+      <a:effectRef idx="0">
+        <a:scrgbClr r="0" g="0" b="0"/>
+      </a:effectRef>
+      <a:fontRef idx="minor"/>
+    </dgm:style>
+  </dgm:styleLbl>
+  <dgm:styleLbl name="asst0">
+    <dgm:scene3d>
+      <a:camera prst="orthographicFront"/>
+      <a:lightRig rig="threePt" dir="t"/>
+    </dgm:scene3d>
+    <dgm:sp3d/>
+    <dgm:txPr/>
+    <dgm:style>
+      <a:lnRef idx="2">
+        <a:scrgbClr r="0" g="0" b="0"/>
+      </a:lnRef>
+      <a:fillRef idx="1">
+        <a:scrgbClr r="0" g="0" b="0"/>
+      </a:fillRef>
+      <a:effectRef idx="0">
+        <a:scrgbClr r="0" g="0" b="0"/>
+      </a:effectRef>
+      <a:fontRef idx="minor">
+        <a:schemeClr val="lt1"/>
+      </a:fontRef>
+    </dgm:style>
+  </dgm:styleLbl>
+  <dgm:styleLbl name="asst1">
+    <dgm:scene3d>
+      <a:camera prst="orthographicFront"/>
+      <a:lightRig rig="threePt" dir="t"/>
+    </dgm:scene3d>
+    <dgm:sp3d/>
+    <dgm:txPr/>
+    <dgm:style>
+      <a:lnRef idx="2">
+        <a:scrgbClr r="0" g="0" b="0"/>
+      </a:lnRef>
+      <a:fillRef idx="1">
+        <a:scrgbClr r="0" g="0" b="0"/>
+      </a:fillRef>
+      <a:effectRef idx="0">
+        <a:scrgbClr r="0" g="0" b="0"/>
+      </a:effectRef>
+      <a:fontRef idx="minor">
+        <a:schemeClr val="lt1"/>
+      </a:fontRef>
+    </dgm:style>
+  </dgm:styleLbl>
+  <dgm:styleLbl name="asst2">
+    <dgm:scene3d>
+      <a:camera prst="orthographicFront"/>
+      <a:lightRig rig="threePt" dir="t"/>
+    </dgm:scene3d>
+    <dgm:sp3d/>
+    <dgm:txPr/>
+    <dgm:style>
+      <a:lnRef idx="2">
+        <a:scrgbClr r="0" g="0" b="0"/>
+      </a:lnRef>
+      <a:fillRef idx="1">
+        <a:scrgbClr r="0" g="0" b="0"/>
+      </a:fillRef>
+      <a:effectRef idx="0">
+        <a:scrgbClr r="0" g="0" b="0"/>
+      </a:effectRef>
+      <a:fontRef idx="minor">
+        <a:schemeClr val="lt1"/>
+      </a:fontRef>
+    </dgm:style>
+  </dgm:styleLbl>
+  <dgm:styleLbl name="asst3">
+    <dgm:scene3d>
+      <a:camera prst="orthographicFront"/>
+      <a:lightRig rig="threePt" dir="t"/>
+    </dgm:scene3d>
+    <dgm:sp3d/>
+    <dgm:txPr/>
+    <dgm:style>
+      <a:lnRef idx="2">
+        <a:scrgbClr r="0" g="0" b="0"/>
+      </a:lnRef>
+      <a:fillRef idx="1">
+        <a:scrgbClr r="0" g="0" b="0"/>
+      </a:fillRef>
+      <a:effectRef idx="0">
+        <a:scrgbClr r="0" g="0" b="0"/>
+      </a:effectRef>
+      <a:fontRef idx="minor">
+        <a:schemeClr val="lt1"/>
+      </a:fontRef>
+    </dgm:style>
+  </dgm:styleLbl>
+  <dgm:styleLbl name="asst4">
+    <dgm:scene3d>
+      <a:camera prst="orthographicFront"/>
+      <a:lightRig rig="threePt" dir="t"/>
+    </dgm:scene3d>
+    <dgm:sp3d/>
+    <dgm:txPr/>
+    <dgm:style>
+      <a:lnRef idx="2">
+        <a:scrgbClr r="0" g="0" b="0"/>
+      </a:lnRef>
+      <a:fillRef idx="1">
+        <a:scrgbClr r="0" g="0" b="0"/>
+      </a:fillRef>
+      <a:effectRef idx="0">
+        <a:scrgbClr r="0" g="0" b="0"/>
+      </a:effectRef>
+      <a:fontRef idx="minor">
+        <a:schemeClr val="lt1"/>
+      </a:fontRef>
+    </dgm:style>
+  </dgm:styleLbl>
+  <dgm:styleLbl name="parChTrans2D1">
+    <dgm:scene3d>
+      <a:camera prst="orthographicFront"/>
+      <a:lightRig rig="threePt" dir="t"/>
+    </dgm:scene3d>
+    <dgm:sp3d/>
+    <dgm:txPr/>
+    <dgm:style>
+      <a:lnRef idx="2">
+        <a:scrgbClr r="0" g="0" b="0"/>
+      </a:lnRef>
+      <a:fillRef idx="1">
+        <a:scrgbClr r="0" g="0" b="0"/>
+      </a:fillRef>
+      <a:effectRef idx="0">
+        <a:scrgbClr r="0" g="0" b="0"/>
+      </a:effectRef>
+      <a:fontRef idx="minor">
+        <a:schemeClr val="lt1"/>
+      </a:fontRef>
+    </dgm:style>
+  </dgm:styleLbl>
+  <dgm:styleLbl name="parChTrans2D2">
+    <dgm:scene3d>
+      <a:camera prst="orthographicFront"/>
+      <a:lightRig rig="threePt" dir="t"/>
+    </dgm:scene3d>
+    <dgm:sp3d/>
+    <dgm:txPr/>
+    <dgm:style>
+      <a:lnRef idx="2">
+        <a:scrgbClr r="0" g="0" b="0"/>
+      </a:lnRef>
+      <a:fillRef idx="1">
+        <a:scrgbClr r="0" g="0" b="0"/>
+      </a:fillRef>
+      <a:effectRef idx="0">
+        <a:scrgbClr r="0" g="0" b="0"/>
+      </a:effectRef>
+      <a:fontRef idx="minor">
+        <a:schemeClr val="lt1"/>
+      </a:fontRef>
+    </dgm:style>
+  </dgm:styleLbl>
+  <dgm:styleLbl name="parChTrans2D3">
+    <dgm:scene3d>
+      <a:camera prst="orthographicFront"/>
+      <a:lightRig rig="threePt" dir="t"/>
+    </dgm:scene3d>
+    <dgm:sp3d/>
+    <dgm:txPr/>
+    <dgm:style>
+      <a:lnRef idx="2">
+        <a:scrgbClr r="0" g="0" b="0"/>
+      </a:lnRef>
+      <a:fillRef idx="1">
+        <a:scrgbClr r="0" g="0" b="0"/>
+      </a:fillRef>
+      <a:effectRef idx="0">
+        <a:scrgbClr r="0" g="0" b="0"/>
+      </a:effectRef>
+      <a:fontRef idx="minor">
+        <a:schemeClr val="lt1"/>
+      </a:fontRef>
+    </dgm:style>
+  </dgm:styleLbl>
+  <dgm:styleLbl name="parChTrans2D4">
+    <dgm:scene3d>
+      <a:camera prst="orthographicFront"/>
+      <a:lightRig rig="threePt" dir="t"/>
+    </dgm:scene3d>
+    <dgm:sp3d/>
+    <dgm:txPr/>
+    <dgm:style>
+      <a:lnRef idx="2">
+        <a:scrgbClr r="0" g="0" b="0"/>
+      </a:lnRef>
+      <a:fillRef idx="1">
+        <a:scrgbClr r="0" g="0" b="0"/>
+      </a:fillRef>
+      <a:effectRef idx="0">
+        <a:scrgbClr r="0" g="0" b="0"/>
+      </a:effectRef>
+      <a:fontRef idx="minor">
+        <a:schemeClr val="lt1"/>
+      </a:fontRef>
+    </dgm:style>
+  </dgm:styleLbl>
+  <dgm:styleLbl name="parChTrans1D1">
+    <dgm:scene3d>
+      <a:camera prst="orthographicFront"/>
+      <a:lightRig rig="threePt" dir="t"/>
+    </dgm:scene3d>
+    <dgm:sp3d/>
+    <dgm:txPr/>
+    <dgm:style>
+      <a:lnRef idx="2">
+        <a:scrgbClr r="0" g="0" b="0"/>
+      </a:lnRef>
+      <a:fillRef idx="0">
+        <a:scrgbClr r="0" g="0" b="0"/>
+      </a:fillRef>
+      <a:effectRef idx="0">
+        <a:scrgbClr r="0" g="0" b="0"/>
+      </a:effectRef>
+      <a:fontRef idx="minor"/>
+    </dgm:style>
+  </dgm:styleLbl>
+  <dgm:styleLbl name="parChTrans1D2">
+    <dgm:scene3d>
+      <a:camera prst="orthographicFront"/>
+      <a:lightRig rig="threePt" dir="t"/>
+    </dgm:scene3d>
+    <dgm:sp3d/>
+    <dgm:txPr/>
+    <dgm:style>
+      <a:lnRef idx="2">
+        <a:scrgbClr r="0" g="0" b="0"/>
+      </a:lnRef>
+      <a:fillRef idx="0">
+        <a:scrgbClr r="0" g="0" b="0"/>
+      </a:fillRef>
+      <a:effectRef idx="0">
+        <a:scrgbClr r="0" g="0" b="0"/>
+      </a:effectRef>
+      <a:fontRef idx="minor"/>
+    </dgm:style>
+  </dgm:styleLbl>
+  <dgm:styleLbl name="parChTrans1D3">
+    <dgm:scene3d>
+      <a:camera prst="orthographicFront"/>
+      <a:lightRig rig="threePt" dir="t"/>
+    </dgm:scene3d>
+    <dgm:sp3d/>
+    <dgm:txPr/>
+    <dgm:style>
+      <a:lnRef idx="2">
+        <a:scrgbClr r="0" g="0" b="0"/>
+      </a:lnRef>
+      <a:fillRef idx="0">
+        <a:scrgbClr r="0" g="0" b="0"/>
+      </a:fillRef>
+      <a:effectRef idx="0">
+        <a:scrgbClr r="0" g="0" b="0"/>
+      </a:effectRef>
+      <a:fontRef idx="minor"/>
+    </dgm:style>
+  </dgm:styleLbl>
+  <dgm:styleLbl name="parChTrans1D4">
+    <dgm:scene3d>
+      <a:camera prst="orthographicFront"/>
+      <a:lightRig rig="threePt" dir="t"/>
+    </dgm:scene3d>
+    <dgm:sp3d/>
+    <dgm:txPr/>
+    <dgm:style>
+      <a:lnRef idx="2">
+        <a:scrgbClr r="0" g="0" b="0"/>
+      </a:lnRef>
+      <a:fillRef idx="0">
+        <a:scrgbClr r="0" g="0" b="0"/>
+      </a:fillRef>
+      <a:effectRef idx="0">
+        <a:scrgbClr r="0" g="0" b="0"/>
+      </a:effectRef>
+      <a:fontRef idx="minor"/>
+    </dgm:style>
+  </dgm:styleLbl>
+  <dgm:styleLbl name="fgAcc1">
+    <dgm:scene3d>
+      <a:camera prst="orthographicFront"/>
+      <a:lightRig rig="threePt" dir="t"/>
+    </dgm:scene3d>
+    <dgm:sp3d/>
+    <dgm:txPr/>
+    <dgm:style>
+      <a:lnRef idx="2">
+        <a:scrgbClr r="0" g="0" b="0"/>
+      </a:lnRef>
+      <a:fillRef idx="1">
+        <a:scrgbClr r="0" g="0" b="0"/>
+      </a:fillRef>
+      <a:effectRef idx="0">
+        <a:scrgbClr r="0" g="0" b="0"/>
+      </a:effectRef>
+      <a:fontRef idx="minor"/>
+    </dgm:style>
+  </dgm:styleLbl>
+  <dgm:styleLbl name="conFgAcc1">
+    <dgm:scene3d>
+      <a:camera prst="orthographicFront"/>
+      <a:lightRig rig="threePt" dir="t"/>
+    </dgm:scene3d>
+    <dgm:sp3d/>
+    <dgm:txPr/>
+    <dgm:style>
+      <a:lnRef idx="2">
+        <a:scrgbClr r="0" g="0" b="0"/>
+      </a:lnRef>
+      <a:fillRef idx="1">
+        <a:scrgbClr r="0" g="0" b="0"/>
+      </a:fillRef>
+      <a:effectRef idx="0">
+        <a:scrgbClr r="0" g="0" b="0"/>
+      </a:effectRef>
+      <a:fontRef idx="minor"/>
+    </dgm:style>
+  </dgm:styleLbl>
+  <dgm:styleLbl name="alignAcc1">
+    <dgm:scene3d>
+      <a:camera prst="orthographicFront"/>
+      <a:lightRig rig="threePt" dir="t"/>
+    </dgm:scene3d>
+    <dgm:sp3d/>
+    <dgm:txPr/>
+    <dgm:style>
+      <a:lnRef idx="2">
+        <a:scrgbClr r="0" g="0" b="0"/>
+      </a:lnRef>
+      <a:fillRef idx="1">
+        <a:scrgbClr r="0" g="0" b="0"/>
+      </a:fillRef>
+      <a:effectRef idx="0">
+        <a:scrgbClr r="0" g="0" b="0"/>
+      </a:effectRef>
+      <a:fontRef idx="minor"/>
+    </dgm:style>
+  </dgm:styleLbl>
+  <dgm:styleLbl name="trAlignAcc1">
+    <dgm:scene3d>
+      <a:camera prst="orthographicFront"/>
+      <a:lightRig rig="threePt" dir="t"/>
+    </dgm:scene3d>
+    <dgm:sp3d/>
+    <dgm:txPr/>
+    <dgm:style>
+      <a:lnRef idx="1">
+        <a:scrgbClr r="0" g="0" b="0"/>
+      </a:lnRef>
+      <a:fillRef idx="1">
+        <a:scrgbClr r="0" g="0" b="0"/>
+      </a:fillRef>
+      <a:effectRef idx="0">
+        <a:scrgbClr r="0" g="0" b="0"/>
+      </a:effectRef>
+      <a:fontRef idx="minor"/>
+    </dgm:style>
+  </dgm:styleLbl>
+  <dgm:styleLbl name="bgAcc1">
+    <dgm:scene3d>
+      <a:camera prst="orthographicFront"/>
+      <a:lightRig rig="threePt" dir="t"/>
+    </dgm:scene3d>
+    <dgm:sp3d/>
+    <dgm:txPr/>
+    <dgm:style>
+      <a:lnRef idx="2">
+        <a:scrgbClr r="0" g="0" b="0"/>
+      </a:lnRef>
+      <a:fillRef idx="1">
+        <a:scrgbClr r="0" g="0" b="0"/>
+      </a:fillRef>
+      <a:effectRef idx="0">
+        <a:scrgbClr r="0" g="0" b="0"/>
+      </a:effectRef>
+      <a:fontRef idx="minor"/>
+    </dgm:style>
+  </dgm:styleLbl>
+  <dgm:styleLbl name="solidFgAcc1">
+    <dgm:scene3d>
+      <a:camera prst="orthographicFront"/>
+      <a:lightRig rig="threePt" dir="t"/>
+    </dgm:scene3d>
+    <dgm:sp3d/>
+    <dgm:txPr/>
+    <dgm:style>
+      <a:lnRef idx="2">
+        <a:scrgbClr r="0" g="0" b="0"/>
+      </a:lnRef>
+      <a:fillRef idx="1">
+        <a:scrgbClr r="0" g="0" b="0"/>
+      </a:fillRef>
+      <a:effectRef idx="0">
+        <a:scrgbClr r="0" g="0" b="0"/>
+      </a:effectRef>
+      <a:fontRef idx="minor"/>
+    </dgm:style>
+  </dgm:styleLbl>
+  <dgm:styleLbl name="solidAlignAcc1">
+    <dgm:scene3d>
+      <a:camera prst="orthographicFront"/>
+      <a:lightRig rig="threePt" dir="t"/>
+    </dgm:scene3d>
+    <dgm:sp3d/>
+    <dgm:txPr/>
+    <dgm:style>
+      <a:lnRef idx="2">
+        <a:scrgbClr r="0" g="0" b="0"/>
+      </a:lnRef>
+      <a:fillRef idx="1">
+        <a:scrgbClr r="0" g="0" b="0"/>
+      </a:fillRef>
+      <a:effectRef idx="0">
+        <a:scrgbClr r="0" g="0" b="0"/>
+      </a:effectRef>
+      <a:fontRef idx="minor"/>
+    </dgm:style>
+  </dgm:styleLbl>
+  <dgm:styleLbl name="solidBgAcc1">
+    <dgm:scene3d>
+      <a:camera prst="orthographicFront"/>
+      <a:lightRig rig="threePt" dir="t"/>
+    </dgm:scene3d>
+    <dgm:sp3d/>
+    <dgm:txPr/>
+    <dgm:style>
+      <a:lnRef idx="2">
+        <a:scrgbClr r="0" g="0" b="0"/>
+      </a:lnRef>
+      <a:fillRef idx="1">
+        <a:scrgbClr r="0" g="0" b="0"/>
+      </a:fillRef>
+      <a:effectRef idx="0">
+        <a:scrgbClr r="0" g="0" b="0"/>
+      </a:effectRef>
+      <a:fontRef idx="minor"/>
+    </dgm:style>
+  </dgm:styleLbl>
+  <dgm:styleLbl name="fgAccFollowNode1">
+    <dgm:scene3d>
+      <a:camera prst="orthographicFront"/>
+      <a:lightRig rig="threePt" dir="t"/>
+    </dgm:scene3d>
+    <dgm:sp3d/>
+    <dgm:txPr/>
+    <dgm:style>
+      <a:lnRef idx="2">
+        <a:scrgbClr r="0" g="0" b="0"/>
+      </a:lnRef>
+      <a:fillRef idx="1">
+        <a:scrgbClr r="0" g="0" b="0"/>
+      </a:fillRef>
+      <a:effectRef idx="0">
+        <a:scrgbClr r="0" g="0" b="0"/>
+      </a:effectRef>
+      <a:fontRef idx="minor"/>
+    </dgm:style>
+  </dgm:styleLbl>
+  <dgm:styleLbl name="alignAccFollowNode1">
+    <dgm:scene3d>
+      <a:camera prst="orthographicFront"/>
+      <a:lightRig rig="threePt" dir="t"/>
+    </dgm:scene3d>
+    <dgm:sp3d/>
+    <dgm:txPr/>
+    <dgm:style>
+      <a:lnRef idx="2">
+        <a:scrgbClr r="0" g="0" b="0"/>
+      </a:lnRef>
+      <a:fillRef idx="1">
+        <a:scrgbClr r="0" g="0" b="0"/>
+      </a:fillRef>
+      <a:effectRef idx="0">
+        <a:scrgbClr r="0" g="0" b="0"/>
+      </a:effectRef>
+      <a:fontRef idx="minor"/>
+    </dgm:style>
+  </dgm:styleLbl>
+  <dgm:styleLbl name="bgAccFollowNode1">
+    <dgm:scene3d>
+      <a:camera prst="orthographicFront"/>
+      <a:lightRig rig="threePt" dir="t"/>
+    </dgm:scene3d>
+    <dgm:sp3d/>
+    <dgm:txPr/>
+    <dgm:style>
+      <a:lnRef idx="2">
+        <a:scrgbClr r="0" g="0" b="0"/>
+      </a:lnRef>
+      <a:fillRef idx="1">
+        <a:scrgbClr r="0" g="0" b="0"/>
+      </a:fillRef>
+      <a:effectRef idx="0">
+        <a:scrgbClr r="0" g="0" b="0"/>
+      </a:effectRef>
+      <a:fontRef idx="minor"/>
+    </dgm:style>
+  </dgm:styleLbl>
+  <dgm:styleLbl name="fgAcc0">
+    <dgm:scene3d>
+      <a:camera prst="orthographicFront"/>
+      <a:lightRig rig="threePt" dir="t"/>
+    </dgm:scene3d>
+    <dgm:sp3d/>
+    <dgm:txPr/>
+    <dgm:style>
+      <a:lnRef idx="2">
+        <a:scrgbClr r="0" g="0" b="0"/>
+      </a:lnRef>
+      <a:fillRef idx="1">
+        <a:scrgbClr r="0" g="0" b="0"/>
+      </a:fillRef>
+      <a:effectRef idx="0">
+        <a:scrgbClr r="0" g="0" b="0"/>
+      </a:effectRef>
+      <a:fontRef idx="minor"/>
+    </dgm:style>
+  </dgm:styleLbl>
+  <dgm:styleLbl name="fgAcc2">
+    <dgm:scene3d>
+      <a:camera prst="orthographicFront"/>
+      <a:lightRig rig="threePt" dir="t"/>
+    </dgm:scene3d>
+    <dgm:sp3d/>
+    <dgm:txPr/>
+    <dgm:style>
+      <a:lnRef idx="2">
+        <a:scrgbClr r="0" g="0" b="0"/>
+      </a:lnRef>
+      <a:fillRef idx="1">
+        <a:scrgbClr r="0" g="0" b="0"/>
+      </a:fillRef>
+      <a:effectRef idx="0">
+        <a:scrgbClr r="0" g="0" b="0"/>
+      </a:effectRef>
+      <a:fontRef idx="minor"/>
+    </dgm:style>
+  </dgm:styleLbl>
+  <dgm:styleLbl name="fgAcc3">
+    <dgm:scene3d>
+      <a:camera prst="orthographicFront"/>
+      <a:lightRig rig="threePt" dir="t"/>
+    </dgm:scene3d>
+    <dgm:sp3d/>
+    <dgm:txPr/>
+    <dgm:style>
+      <a:lnRef idx="2">
+        <a:scrgbClr r="0" g="0" b="0"/>
+      </a:lnRef>
+      <a:fillRef idx="1">
+        <a:scrgbClr r="0" g="0" b="0"/>
+      </a:fillRef>
+      <a:effectRef idx="0">
+        <a:scrgbClr r="0" g="0" b="0"/>
+      </a:effectRef>
+      <a:fontRef idx="minor"/>
+    </dgm:style>
+  </dgm:styleLbl>
+  <dgm:styleLbl name="fgAcc4">
+    <dgm:scene3d>
+      <a:camera prst="orthographicFront"/>
+      <a:lightRig rig="threePt" dir="t"/>
+    </dgm:scene3d>
+    <dgm:sp3d/>
+    <dgm:txPr/>
+    <dgm:style>
+      <a:lnRef idx="2">
+        <a:scrgbClr r="0" g="0" b="0"/>
+      </a:lnRef>
+      <a:fillRef idx="1">
+        <a:scrgbClr r="0" g="0" b="0"/>
+      </a:fillRef>
+      <a:effectRef idx="0">
+        <a:scrgbClr r="0" g="0" b="0"/>
+      </a:effectRef>
+      <a:fontRef idx="minor"/>
+    </dgm:style>
+  </dgm:styleLbl>
+  <dgm:styleLbl name="bgShp">
+    <dgm:scene3d>
+      <a:camera prst="orthographicFront"/>
+      <a:lightRig rig="threePt" dir="t"/>
+    </dgm:scene3d>
+    <dgm:sp3d/>
+    <dgm:txPr/>
+    <dgm:style>
+      <a:lnRef idx="0">
+        <a:scrgbClr r="0" g="0" b="0"/>
+      </a:lnRef>
+      <a:fillRef idx="1">
+        <a:scrgbClr r="0" g="0" b="0"/>
+      </a:fillRef>
+      <a:effectRef idx="0">
+        <a:scrgbClr r="0" g="0" b="0"/>
+      </a:effectRef>
+      <a:fontRef idx="minor"/>
+    </dgm:style>
+  </dgm:styleLbl>
+  <dgm:styleLbl name="dkBgShp">
+    <dgm:scene3d>
+      <a:camera prst="orthographicFront"/>
+      <a:lightRig rig="threePt" dir="t"/>
+    </dgm:scene3d>
+    <dgm:sp3d/>
+    <dgm:txPr/>
+    <dgm:style>
+      <a:lnRef idx="0">
+        <a:scrgbClr r="0" g="0" b="0"/>
+      </a:lnRef>
+      <a:fillRef idx="1">
+        <a:scrgbClr r="0" g="0" b="0"/>
+      </a:fillRef>
+      <a:effectRef idx="0">
+        <a:scrgbClr r="0" g="0" b="0"/>
+      </a:effectRef>
+      <a:fontRef idx="minor"/>
+    </dgm:style>
+  </dgm:styleLbl>
+  <dgm:styleLbl name="trBgShp">
+    <dgm:scene3d>
+      <a:camera prst="orthographicFront"/>
+      <a:lightRig rig="threePt" dir="t"/>
+    </dgm:scene3d>
+    <dgm:sp3d/>
+    <dgm:txPr/>
+    <dgm:style>
+      <a:lnRef idx="0">
+        <a:scrgbClr r="0" g="0" b="0"/>
+      </a:lnRef>
+      <a:fillRef idx="1">
+        <a:scrgbClr r="0" g="0" b="0"/>
+      </a:fillRef>
+      <a:effectRef idx="0">
+        <a:scrgbClr r="0" g="0" b="0"/>
+      </a:effectRef>
+      <a:fontRef idx="minor"/>
+    </dgm:style>
+  </dgm:styleLbl>
+  <dgm:styleLbl name="fgShp">
+    <dgm:scene3d>
+      <a:camera prst="orthographicFront"/>
+      <a:lightRig rig="threePt" dir="t"/>
+    </dgm:scene3d>
+    <dgm:sp3d/>
+    <dgm:txPr/>
+    <dgm:style>
+      <a:lnRef idx="2">
+        <a:scrgbClr r="0" g="0" b="0"/>
+      </a:lnRef>
+      <a:fillRef idx="1">
+        <a:scrgbClr r="0" g="0" b="0"/>
+      </a:fillRef>
+      <a:effectRef idx="0">
+        <a:scrgbClr r="0" g="0" b="0"/>
+      </a:effectRef>
+      <a:fontRef idx="minor"/>
+    </dgm:style>
+  </dgm:styleLbl>
+  <dgm:styleLbl name="revTx">
+    <dgm:scene3d>
+      <a:camera prst="orthographicFront"/>
+      <a:lightRig rig="threePt" dir="t"/>
+    </dgm:scene3d>
+    <dgm:sp3d/>
+    <dgm:txPr/>
+    <dgm:style>
+      <a:lnRef idx="0">
+        <a:scrgbClr r="0" g="0" b="0"/>
+      </a:lnRef>
+      <a:fillRef idx="0">
+        <a:scrgbClr r="0" g="0" b="0"/>
+      </a:fillRef>
+      <a:effectRef idx="0">
+        <a:scrgbClr r="0" g="0" b="0"/>
+      </a:effectRef>
+      <a:fontRef idx="minor"/>
+    </dgm:style>
+  </dgm:styleLbl>
+</dgm:styleDef>
 </file>
 
 <file path=ppt/slideLayouts/slideLayout1.xml><?xml version="1.0" encoding="utf-8"?>
@@ -1286,7 +3796,12 @@
             <p:ph type="ctrTitle"/>
           </p:nvPr>
         </p:nvSpPr>
-        <p:spPr/>
+        <p:spPr>
+          <a:xfrm>
+            <a:off x="1143000" y="1465405"/>
+            <a:ext cx="6858000" cy="1790700"/>
+          </a:xfrm>
+        </p:spPr>
         <p:txBody>
           <a:bodyPr>
             <a:normAutofit fontScale="90000"/>
@@ -1322,7 +3837,7 @@
         </p:nvSpPr>
         <p:spPr>
           <a:xfrm>
-            <a:off x="1082040" y="2806031"/>
+            <a:off x="1082040" y="3676082"/>
             <a:ext cx="6858000" cy="785951"/>
           </a:xfrm>
         </p:spPr>
@@ -1341,6 +3856,96 @@
           </a:p>
         </p:txBody>
       </p:sp>
+      <p:pic>
+        <p:nvPicPr>
+          <p:cNvPr id="7" name="Picture 6">
+            <a:extLst>
+              <a:ext uri="{FF2B5EF4-FFF2-40B4-BE49-F238E27FC236}">
+                <a16:creationId xmlns:a16="http://schemas.microsoft.com/office/drawing/2014/main" id="{0724013F-A773-4764-8953-40EE9421B016}"/>
+              </a:ext>
+            </a:extLst>
+          </p:cNvPr>
+          <p:cNvPicPr>
+            <a:picLocks noChangeAspect="1"/>
+          </p:cNvPicPr>
+          <p:nvPr/>
+        </p:nvPicPr>
+        <p:blipFill>
+          <a:blip r:embed="rId2"/>
+          <a:stretch>
+            <a:fillRect/>
+          </a:stretch>
+        </p:blipFill>
+        <p:spPr>
+          <a:xfrm>
+            <a:off x="19878" y="66206"/>
+            <a:ext cx="2236304" cy="1068676"/>
+          </a:xfrm>
+          <a:prstGeom prst="rect">
+            <a:avLst/>
+          </a:prstGeom>
+        </p:spPr>
+      </p:pic>
+      <p:pic>
+        <p:nvPicPr>
+          <p:cNvPr id="9" name="Picture 8">
+            <a:extLst>
+              <a:ext uri="{FF2B5EF4-FFF2-40B4-BE49-F238E27FC236}">
+                <a16:creationId xmlns:a16="http://schemas.microsoft.com/office/drawing/2014/main" id="{F9FA497E-C1B6-412E-BF2A-220C8EF7472F}"/>
+              </a:ext>
+            </a:extLst>
+          </p:cNvPr>
+          <p:cNvPicPr>
+            <a:picLocks noChangeAspect="1"/>
+          </p:cNvPicPr>
+          <p:nvPr/>
+        </p:nvPicPr>
+        <p:blipFill>
+          <a:blip r:embed="rId3"/>
+          <a:stretch>
+            <a:fillRect/>
+          </a:stretch>
+        </p:blipFill>
+        <p:spPr>
+          <a:xfrm>
+            <a:off x="3619862" y="66205"/>
+            <a:ext cx="2509715" cy="1068677"/>
+          </a:xfrm>
+          <a:prstGeom prst="rect">
+            <a:avLst/>
+          </a:prstGeom>
+        </p:spPr>
+      </p:pic>
+      <p:pic>
+        <p:nvPicPr>
+          <p:cNvPr id="11" name="Picture 10">
+            <a:extLst>
+              <a:ext uri="{FF2B5EF4-FFF2-40B4-BE49-F238E27FC236}">
+                <a16:creationId xmlns:a16="http://schemas.microsoft.com/office/drawing/2014/main" id="{54DEA873-B683-42E2-AA49-5C6D4FA4014A}"/>
+              </a:ext>
+            </a:extLst>
+          </p:cNvPr>
+          <p:cNvPicPr>
+            <a:picLocks noChangeAspect="1"/>
+          </p:cNvPicPr>
+          <p:nvPr/>
+        </p:nvPicPr>
+        <p:blipFill>
+          <a:blip r:embed="rId4"/>
+          <a:stretch>
+            <a:fillRect/>
+          </a:stretch>
+        </p:blipFill>
+        <p:spPr>
+          <a:xfrm>
+            <a:off x="7881430" y="66204"/>
+            <a:ext cx="1222814" cy="1068677"/>
+          </a:xfrm>
+          <a:prstGeom prst="rect">
+            <a:avLst/>
+          </a:prstGeom>
+        </p:spPr>
+      </p:pic>
     </p:spTree>
     <p:extLst>
       <p:ext uri="{BB962C8B-B14F-4D97-AF65-F5344CB8AC3E}">
@@ -1395,7 +4000,12 @@
             <p:ph type="title"/>
           </p:nvPr>
         </p:nvSpPr>
-        <p:spPr/>
+        <p:spPr>
+          <a:xfrm>
+            <a:off x="628650" y="202005"/>
+            <a:ext cx="7886700" cy="994172"/>
+          </a:xfrm>
+        </p:spPr>
         <p:txBody>
           <a:bodyPr/>
           <a:lstStyle/>
@@ -1423,12 +4033,163 @@
             <p:ph idx="1"/>
           </p:nvPr>
         </p:nvSpPr>
-        <p:spPr/>
+        <p:spPr>
+          <a:xfrm>
+            <a:off x="628650" y="1037152"/>
+            <a:ext cx="7886700" cy="3316188"/>
+          </a:xfrm>
+        </p:spPr>
         <p:txBody>
-          <a:bodyPr/>
+          <a:bodyPr>
+            <a:normAutofit/>
+          </a:bodyPr>
           <a:lstStyle/>
           <a:p>
-            <a:endParaRPr lang="en-US"/>
+            <a:pPr>
+              <a:buClr>
+                <a:schemeClr val="tx1"/>
+              </a:buClr>
+            </a:pPr>
+            <a:r>
+              <a:rPr lang="en-US" sz="2000" b="1" dirty="0">
+                <a:solidFill>
+                  <a:srgbClr val="1E4383"/>
+                </a:solidFill>
+              </a:rPr>
+              <a:t>Metacognitive judgments </a:t>
+            </a:r>
+            <a:r>
+              <a:rPr lang="en-US" sz="2000" dirty="0">
+                <a:solidFill>
+                  <a:schemeClr val="tx1"/>
+                </a:solidFill>
+              </a:rPr>
+              <a:t>are commonly used to obtain information about the learning process</a:t>
+            </a:r>
+          </a:p>
+          <a:p>
+            <a:pPr lvl="1">
+              <a:buClr>
+                <a:schemeClr val="tx1"/>
+              </a:buClr>
+            </a:pPr>
+            <a:r>
+              <a:rPr lang="en-US" sz="1700" b="1" dirty="0">
+                <a:solidFill>
+                  <a:srgbClr val="1E4383"/>
+                </a:solidFill>
+              </a:rPr>
+              <a:t>Judgments of Learning (JOL) </a:t>
+            </a:r>
+            <a:r>
+              <a:rPr lang="en-US" sz="1700" dirty="0"/>
+              <a:t>– How likely to respond w/ cue if shown only target at test</a:t>
+            </a:r>
+          </a:p>
+          <a:p>
+            <a:r>
+              <a:rPr lang="en-US" sz="2000" dirty="0">
+                <a:solidFill>
+                  <a:schemeClr val="tx1"/>
+                </a:solidFill>
+              </a:rPr>
+              <a:t>JOLs may be </a:t>
+            </a:r>
+            <a:r>
+              <a:rPr lang="en-US" sz="2000" b="1" dirty="0">
+                <a:solidFill>
+                  <a:srgbClr val="1E4383"/>
+                </a:solidFill>
+              </a:rPr>
+              <a:t>reactive</a:t>
+            </a:r>
+          </a:p>
+          <a:p>
+            <a:pPr lvl="1">
+              <a:buClr>
+                <a:schemeClr val="tx1"/>
+              </a:buClr>
+            </a:pPr>
+            <a:r>
+              <a:rPr lang="en-US" sz="1700" b="1" dirty="0">
+                <a:solidFill>
+                  <a:srgbClr val="1E4383"/>
+                </a:solidFill>
+              </a:rPr>
+              <a:t>Positive Reactivity </a:t>
+            </a:r>
+            <a:r>
+              <a:rPr lang="en-US" sz="1700" dirty="0"/>
+              <a:t>– Increases in memory performance</a:t>
+            </a:r>
+          </a:p>
+          <a:p>
+            <a:pPr lvl="1">
+              <a:buClr>
+                <a:schemeClr val="tx1"/>
+              </a:buClr>
+            </a:pPr>
+            <a:r>
+              <a:rPr lang="en-US" sz="1700" b="1" dirty="0">
+                <a:solidFill>
+                  <a:srgbClr val="1E4383"/>
+                </a:solidFill>
+              </a:rPr>
+              <a:t>Negative Reactivity </a:t>
+            </a:r>
+            <a:r>
+              <a:rPr lang="en-US" sz="1700" dirty="0"/>
+              <a:t>– Costs to memory performance</a:t>
+            </a:r>
+          </a:p>
+          <a:p>
+            <a:pPr>
+              <a:buClr>
+                <a:schemeClr val="tx1"/>
+              </a:buClr>
+            </a:pPr>
+            <a:r>
+              <a:rPr lang="en-US" sz="2000" b="1" dirty="0">
+                <a:solidFill>
+                  <a:srgbClr val="1E4383"/>
+                </a:solidFill>
+              </a:rPr>
+              <a:t>Changed-Goal Hypothesis </a:t>
+            </a:r>
+            <a:r>
+              <a:rPr lang="en-US" sz="2000" dirty="0"/>
+              <a:t>vs</a:t>
+            </a:r>
+            <a:r>
+              <a:rPr lang="en-US" sz="2000" b="1" dirty="0">
+                <a:solidFill>
+                  <a:srgbClr val="1E4383"/>
+                </a:solidFill>
+              </a:rPr>
+              <a:t> Strategic Relational Encoding</a:t>
+            </a:r>
+          </a:p>
+          <a:p>
+            <a:pPr lvl="1">
+              <a:buClr>
+                <a:schemeClr val="tx1"/>
+              </a:buClr>
+            </a:pPr>
+            <a:r>
+              <a:rPr lang="en-US" sz="1700" dirty="0"/>
+              <a:t>Changed-goal – participants focus on mastering easy study items</a:t>
+            </a:r>
+          </a:p>
+          <a:p>
+            <a:pPr lvl="1">
+              <a:buClr>
+                <a:schemeClr val="tx1"/>
+              </a:buClr>
+            </a:pPr>
+            <a:r>
+              <a:rPr lang="en-US" sz="1700" dirty="0"/>
+              <a:t>Strategic relational encoding – JOLs cause participants to engage in relational encoding for related study pairs</a:t>
+            </a:r>
           </a:p>
         </p:txBody>
       </p:sp>
@@ -1442,6 +4203,379 @@
   <p:clrMapOvr>
     <a:masterClrMapping/>
   </p:clrMapOvr>
+  <p:timing>
+    <p:tnLst>
+      <p:par>
+        <p:cTn id="1" dur="indefinite" restart="never" nodeType="tmRoot">
+          <p:childTnLst>
+            <p:seq concurrent="1" nextAc="seek">
+              <p:cTn id="2" dur="indefinite" nodeType="mainSeq">
+                <p:childTnLst>
+                  <p:par>
+                    <p:cTn id="3" fill="hold">
+                      <p:stCondLst>
+                        <p:cond delay="indefinite"/>
+                      </p:stCondLst>
+                      <p:childTnLst>
+                        <p:par>
+                          <p:cTn id="4" fill="hold">
+                            <p:stCondLst>
+                              <p:cond delay="0"/>
+                            </p:stCondLst>
+                            <p:childTnLst>
+                              <p:par>
+                                <p:cTn id="5" presetID="1" presetClass="entr" presetSubtype="0" fill="hold" nodeType="clickEffect">
+                                  <p:stCondLst>
+                                    <p:cond delay="0"/>
+                                  </p:stCondLst>
+                                  <p:childTnLst>
+                                    <p:set>
+                                      <p:cBhvr>
+                                        <p:cTn id="6" dur="1" fill="hold">
+                                          <p:stCondLst>
+                                            <p:cond delay="0"/>
+                                          </p:stCondLst>
+                                        </p:cTn>
+                                        <p:tgtEl>
+                                          <p:spTgt spid="4">
+                                            <p:txEl>
+                                              <p:pRg st="1" end="1"/>
+                                            </p:txEl>
+                                          </p:spTgt>
+                                        </p:tgtEl>
+                                        <p:attrNameLst>
+                                          <p:attrName>style.visibility</p:attrName>
+                                        </p:attrNameLst>
+                                      </p:cBhvr>
+                                      <p:to>
+                                        <p:strVal val="visible"/>
+                                      </p:to>
+                                    </p:set>
+                                  </p:childTnLst>
+                                </p:cTn>
+                              </p:par>
+                            </p:childTnLst>
+                          </p:cTn>
+                        </p:par>
+                      </p:childTnLst>
+                    </p:cTn>
+                  </p:par>
+                  <p:par>
+                    <p:cTn id="7" fill="hold">
+                      <p:stCondLst>
+                        <p:cond delay="indefinite"/>
+                      </p:stCondLst>
+                      <p:childTnLst>
+                        <p:par>
+                          <p:cTn id="8" fill="hold">
+                            <p:stCondLst>
+                              <p:cond delay="0"/>
+                            </p:stCondLst>
+                            <p:childTnLst>
+                              <p:par>
+                                <p:cTn id="9" presetID="1" presetClass="entr" presetSubtype="0" fill="hold" nodeType="clickEffect">
+                                  <p:stCondLst>
+                                    <p:cond delay="0"/>
+                                  </p:stCondLst>
+                                  <p:childTnLst>
+                                    <p:set>
+                                      <p:cBhvr>
+                                        <p:cTn id="10" dur="1" fill="hold">
+                                          <p:stCondLst>
+                                            <p:cond delay="0"/>
+                                          </p:stCondLst>
+                                        </p:cTn>
+                                        <p:tgtEl>
+                                          <p:spTgt spid="4">
+                                            <p:txEl>
+                                              <p:pRg st="2" end="2"/>
+                                            </p:txEl>
+                                          </p:spTgt>
+                                        </p:tgtEl>
+                                        <p:attrNameLst>
+                                          <p:attrName>style.visibility</p:attrName>
+                                        </p:attrNameLst>
+                                      </p:cBhvr>
+                                      <p:to>
+                                        <p:strVal val="visible"/>
+                                      </p:to>
+                                    </p:set>
+                                  </p:childTnLst>
+                                </p:cTn>
+                              </p:par>
+                            </p:childTnLst>
+                          </p:cTn>
+                        </p:par>
+                      </p:childTnLst>
+                    </p:cTn>
+                  </p:par>
+                  <p:par>
+                    <p:cTn id="11" fill="hold">
+                      <p:stCondLst>
+                        <p:cond delay="indefinite"/>
+                      </p:stCondLst>
+                      <p:childTnLst>
+                        <p:par>
+                          <p:cTn id="12" fill="hold">
+                            <p:stCondLst>
+                              <p:cond delay="0"/>
+                            </p:stCondLst>
+                            <p:childTnLst>
+                              <p:par>
+                                <p:cTn id="13" presetID="1" presetClass="entr" presetSubtype="0" fill="hold" nodeType="clickEffect">
+                                  <p:stCondLst>
+                                    <p:cond delay="0"/>
+                                  </p:stCondLst>
+                                  <p:childTnLst>
+                                    <p:set>
+                                      <p:cBhvr>
+                                        <p:cTn id="14" dur="1" fill="hold">
+                                          <p:stCondLst>
+                                            <p:cond delay="0"/>
+                                          </p:stCondLst>
+                                        </p:cTn>
+                                        <p:tgtEl>
+                                          <p:spTgt spid="4">
+                                            <p:txEl>
+                                              <p:pRg st="3" end="3"/>
+                                            </p:txEl>
+                                          </p:spTgt>
+                                        </p:tgtEl>
+                                        <p:attrNameLst>
+                                          <p:attrName>style.visibility</p:attrName>
+                                        </p:attrNameLst>
+                                      </p:cBhvr>
+                                      <p:to>
+                                        <p:strVal val="visible"/>
+                                      </p:to>
+                                    </p:set>
+                                  </p:childTnLst>
+                                </p:cTn>
+                              </p:par>
+                            </p:childTnLst>
+                          </p:cTn>
+                        </p:par>
+                      </p:childTnLst>
+                    </p:cTn>
+                  </p:par>
+                  <p:par>
+                    <p:cTn id="15" fill="hold">
+                      <p:stCondLst>
+                        <p:cond delay="indefinite"/>
+                      </p:stCondLst>
+                      <p:childTnLst>
+                        <p:par>
+                          <p:cTn id="16" fill="hold">
+                            <p:stCondLst>
+                              <p:cond delay="0"/>
+                            </p:stCondLst>
+                            <p:childTnLst>
+                              <p:par>
+                                <p:cTn id="17" presetID="1" presetClass="entr" presetSubtype="0" fill="hold" nodeType="clickEffect">
+                                  <p:stCondLst>
+                                    <p:cond delay="0"/>
+                                  </p:stCondLst>
+                                  <p:childTnLst>
+                                    <p:set>
+                                      <p:cBhvr>
+                                        <p:cTn id="18" dur="1" fill="hold">
+                                          <p:stCondLst>
+                                            <p:cond delay="0"/>
+                                          </p:stCondLst>
+                                        </p:cTn>
+                                        <p:tgtEl>
+                                          <p:spTgt spid="4">
+                                            <p:txEl>
+                                              <p:pRg st="4" end="4"/>
+                                            </p:txEl>
+                                          </p:spTgt>
+                                        </p:tgtEl>
+                                        <p:attrNameLst>
+                                          <p:attrName>style.visibility</p:attrName>
+                                        </p:attrNameLst>
+                                      </p:cBhvr>
+                                      <p:to>
+                                        <p:strVal val="visible"/>
+                                      </p:to>
+                                    </p:set>
+                                  </p:childTnLst>
+                                </p:cTn>
+                              </p:par>
+                            </p:childTnLst>
+                          </p:cTn>
+                        </p:par>
+                      </p:childTnLst>
+                    </p:cTn>
+                  </p:par>
+                  <p:par>
+                    <p:cTn id="19" fill="hold">
+                      <p:stCondLst>
+                        <p:cond delay="indefinite"/>
+                      </p:stCondLst>
+                      <p:childTnLst>
+                        <p:par>
+                          <p:cTn id="20" fill="hold">
+                            <p:stCondLst>
+                              <p:cond delay="0"/>
+                            </p:stCondLst>
+                            <p:childTnLst>
+                              <p:par>
+                                <p:cTn id="21" presetID="1" presetClass="entr" presetSubtype="0" fill="hold" nodeType="clickEffect">
+                                  <p:stCondLst>
+                                    <p:cond delay="0"/>
+                                  </p:stCondLst>
+                                  <p:childTnLst>
+                                    <p:set>
+                                      <p:cBhvr>
+                                        <p:cTn id="22" dur="1" fill="hold">
+                                          <p:stCondLst>
+                                            <p:cond delay="0"/>
+                                          </p:stCondLst>
+                                        </p:cTn>
+                                        <p:tgtEl>
+                                          <p:spTgt spid="4">
+                                            <p:txEl>
+                                              <p:pRg st="5" end="5"/>
+                                            </p:txEl>
+                                          </p:spTgt>
+                                        </p:tgtEl>
+                                        <p:attrNameLst>
+                                          <p:attrName>style.visibility</p:attrName>
+                                        </p:attrNameLst>
+                                      </p:cBhvr>
+                                      <p:to>
+                                        <p:strVal val="visible"/>
+                                      </p:to>
+                                    </p:set>
+                                  </p:childTnLst>
+                                </p:cTn>
+                              </p:par>
+                            </p:childTnLst>
+                          </p:cTn>
+                        </p:par>
+                      </p:childTnLst>
+                    </p:cTn>
+                  </p:par>
+                  <p:par>
+                    <p:cTn id="23" fill="hold">
+                      <p:stCondLst>
+                        <p:cond delay="indefinite"/>
+                      </p:stCondLst>
+                      <p:childTnLst>
+                        <p:par>
+                          <p:cTn id="24" fill="hold">
+                            <p:stCondLst>
+                              <p:cond delay="0"/>
+                            </p:stCondLst>
+                            <p:childTnLst>
+                              <p:par>
+                                <p:cTn id="25" presetID="1" presetClass="entr" presetSubtype="0" fill="hold" nodeType="clickEffect">
+                                  <p:stCondLst>
+                                    <p:cond delay="0"/>
+                                  </p:stCondLst>
+                                  <p:childTnLst>
+                                    <p:set>
+                                      <p:cBhvr>
+                                        <p:cTn id="26" dur="1" fill="hold">
+                                          <p:stCondLst>
+                                            <p:cond delay="0"/>
+                                          </p:stCondLst>
+                                        </p:cTn>
+                                        <p:tgtEl>
+                                          <p:spTgt spid="4">
+                                            <p:txEl>
+                                              <p:pRg st="6" end="6"/>
+                                            </p:txEl>
+                                          </p:spTgt>
+                                        </p:tgtEl>
+                                        <p:attrNameLst>
+                                          <p:attrName>style.visibility</p:attrName>
+                                        </p:attrNameLst>
+                                      </p:cBhvr>
+                                      <p:to>
+                                        <p:strVal val="visible"/>
+                                      </p:to>
+                                    </p:set>
+                                  </p:childTnLst>
+                                </p:cTn>
+                              </p:par>
+                            </p:childTnLst>
+                          </p:cTn>
+                        </p:par>
+                      </p:childTnLst>
+                    </p:cTn>
+                  </p:par>
+                  <p:par>
+                    <p:cTn id="27" fill="hold">
+                      <p:stCondLst>
+                        <p:cond delay="indefinite"/>
+                      </p:stCondLst>
+                      <p:childTnLst>
+                        <p:par>
+                          <p:cTn id="28" fill="hold">
+                            <p:stCondLst>
+                              <p:cond delay="0"/>
+                            </p:stCondLst>
+                            <p:childTnLst>
+                              <p:par>
+                                <p:cTn id="29" presetID="1" presetClass="entr" presetSubtype="0" fill="hold" nodeType="clickEffect">
+                                  <p:stCondLst>
+                                    <p:cond delay="0"/>
+                                  </p:stCondLst>
+                                  <p:childTnLst>
+                                    <p:set>
+                                      <p:cBhvr>
+                                        <p:cTn id="30" dur="1" fill="hold">
+                                          <p:stCondLst>
+                                            <p:cond delay="0"/>
+                                          </p:stCondLst>
+                                        </p:cTn>
+                                        <p:tgtEl>
+                                          <p:spTgt spid="4">
+                                            <p:txEl>
+                                              <p:pRg st="7" end="7"/>
+                                            </p:txEl>
+                                          </p:spTgt>
+                                        </p:tgtEl>
+                                        <p:attrNameLst>
+                                          <p:attrName>style.visibility</p:attrName>
+                                        </p:attrNameLst>
+                                      </p:cBhvr>
+                                      <p:to>
+                                        <p:strVal val="visible"/>
+                                      </p:to>
+                                    </p:set>
+                                  </p:childTnLst>
+                                </p:cTn>
+                              </p:par>
+                            </p:childTnLst>
+                          </p:cTn>
+                        </p:par>
+                      </p:childTnLst>
+                    </p:cTn>
+                  </p:par>
+                </p:childTnLst>
+              </p:cTn>
+              <p:prevCondLst>
+                <p:cond evt="onPrev" delay="0">
+                  <p:tgtEl>
+                    <p:sldTgt/>
+                  </p:tgtEl>
+                </p:cond>
+              </p:prevCondLst>
+              <p:nextCondLst>
+                <p:cond evt="onNext" delay="0">
+                  <p:tgtEl>
+                    <p:sldTgt/>
+                  </p:tgtEl>
+                </p:cond>
+              </p:nextCondLst>
+            </p:seq>
+          </p:childTnLst>
+        </p:cTn>
+      </p:par>
+    </p:tnLst>
+  </p:timing>
 </p:sld>
 </file>
 
@@ -1493,7 +4627,7 @@
           <a:p>
             <a:r>
               <a:rPr lang="en-US" dirty="0"/>
-              <a:t>Methods &amp; Procedure</a:t>
+              <a:t>Overview of Experiments</a:t>
             </a:r>
           </a:p>
         </p:txBody>
@@ -1514,15 +4648,567 @@
             <p:ph idx="1"/>
           </p:nvPr>
         </p:nvSpPr>
-        <p:spPr/>
+        <p:spPr>
+          <a:xfrm>
+            <a:off x="628649" y="1034155"/>
+            <a:ext cx="8276811" cy="3075190"/>
+          </a:xfrm>
+        </p:spPr>
         <p:txBody>
           <a:bodyPr/>
           <a:lstStyle/>
           <a:p>
-            <a:endParaRPr lang="en-US" dirty="0"/>
+            <a:pPr lvl="1"/>
+            <a:endParaRPr lang="en-US" sz="1700" dirty="0">
+              <a:solidFill>
+                <a:schemeClr val="tx1"/>
+              </a:solidFill>
+            </a:endParaRPr>
+          </a:p>
+          <a:p>
+            <a:r>
+              <a:rPr lang="en-US" b="1" dirty="0">
+                <a:solidFill>
+                  <a:srgbClr val="1E4383"/>
+                </a:solidFill>
+              </a:rPr>
+              <a:t>Experiment 1</a:t>
+            </a:r>
+            <a:r>
+              <a:rPr lang="en-US" dirty="0"/>
+              <a:t> – JOLs vs No-JOLs</a:t>
+            </a:r>
+          </a:p>
+          <a:p>
+            <a:pPr lvl="1"/>
+            <a:r>
+              <a:rPr lang="en-US" dirty="0"/>
+              <a:t>H1: Positive reactivity for related pairs, no reactivity for unrelated pairs</a:t>
+            </a:r>
+          </a:p>
+          <a:p>
+            <a:r>
+              <a:rPr lang="en-US" b="1" dirty="0">
+                <a:solidFill>
+                  <a:srgbClr val="1E4383"/>
+                </a:solidFill>
+              </a:rPr>
+              <a:t>Experiment 2 </a:t>
+            </a:r>
+            <a:r>
+              <a:rPr lang="en-US" dirty="0"/>
+              <a:t>– JOLs vs Relational Encoding vs Vowel Counting vs No-JOL</a:t>
+            </a:r>
+          </a:p>
+          <a:p>
+            <a:pPr lvl="1"/>
+            <a:r>
+              <a:rPr lang="en-US" dirty="0"/>
+              <a:t>H1: Relational encoding should mimic JOL reactivity for related pairs and should also boost recall of unrelated pairs</a:t>
+            </a:r>
+          </a:p>
+          <a:p>
+            <a:r>
+              <a:rPr lang="en-US" b="1" dirty="0">
+                <a:solidFill>
+                  <a:srgbClr val="1E4383"/>
+                </a:solidFill>
+              </a:rPr>
+              <a:t>Experiment 3 </a:t>
+            </a:r>
+            <a:r>
+              <a:rPr lang="en-US" dirty="0"/>
+              <a:t>– JOLs vs Frequency Judgments vs No-JOLs</a:t>
+            </a:r>
+          </a:p>
+          <a:p>
+            <a:pPr lvl="1"/>
+            <a:r>
+              <a:rPr lang="en-US" dirty="0"/>
+              <a:t>H1: Frequency judgments should display the same reactivity pattern as JOLs</a:t>
+            </a:r>
           </a:p>
         </p:txBody>
       </p:sp>
+    </p:spTree>
+    <p:extLst>
+      <p:ext uri="{BB962C8B-B14F-4D97-AF65-F5344CB8AC3E}">
+        <p14:creationId xmlns:p14="http://schemas.microsoft.com/office/powerpoint/2010/main" val="3201895043"/>
+      </p:ext>
+    </p:extLst>
+  </p:cSld>
+  <p:clrMapOvr>
+    <a:masterClrMapping/>
+  </p:clrMapOvr>
+  <p:timing>
+    <p:tnLst>
+      <p:par>
+        <p:cTn id="1" dur="indefinite" restart="never" nodeType="tmRoot">
+          <p:childTnLst>
+            <p:seq concurrent="1" nextAc="seek">
+              <p:cTn id="2" dur="indefinite" nodeType="mainSeq">
+                <p:childTnLst>
+                  <p:par>
+                    <p:cTn id="3" fill="hold">
+                      <p:stCondLst>
+                        <p:cond delay="indefinite"/>
+                      </p:stCondLst>
+                      <p:childTnLst>
+                        <p:par>
+                          <p:cTn id="4" fill="hold">
+                            <p:stCondLst>
+                              <p:cond delay="0"/>
+                            </p:stCondLst>
+                            <p:childTnLst>
+                              <p:par>
+                                <p:cTn id="5" presetID="1" presetClass="entr" presetSubtype="0" fill="hold" nodeType="clickEffect">
+                                  <p:stCondLst>
+                                    <p:cond delay="0"/>
+                                  </p:stCondLst>
+                                  <p:childTnLst>
+                                    <p:set>
+                                      <p:cBhvr>
+                                        <p:cTn id="6" dur="1" fill="hold">
+                                          <p:stCondLst>
+                                            <p:cond delay="0"/>
+                                          </p:stCondLst>
+                                        </p:cTn>
+                                        <p:tgtEl>
+                                          <p:spTgt spid="4">
+                                            <p:txEl>
+                                              <p:pRg st="1" end="1"/>
+                                            </p:txEl>
+                                          </p:spTgt>
+                                        </p:tgtEl>
+                                        <p:attrNameLst>
+                                          <p:attrName>style.visibility</p:attrName>
+                                        </p:attrNameLst>
+                                      </p:cBhvr>
+                                      <p:to>
+                                        <p:strVal val="visible"/>
+                                      </p:to>
+                                    </p:set>
+                                  </p:childTnLst>
+                                </p:cTn>
+                              </p:par>
+                              <p:par>
+                                <p:cTn id="7" presetID="1" presetClass="entr" presetSubtype="0" fill="hold" nodeType="withEffect">
+                                  <p:stCondLst>
+                                    <p:cond delay="0"/>
+                                  </p:stCondLst>
+                                  <p:childTnLst>
+                                    <p:set>
+                                      <p:cBhvr>
+                                        <p:cTn id="8" dur="1" fill="hold">
+                                          <p:stCondLst>
+                                            <p:cond delay="0"/>
+                                          </p:stCondLst>
+                                        </p:cTn>
+                                        <p:tgtEl>
+                                          <p:spTgt spid="4">
+                                            <p:txEl>
+                                              <p:pRg st="2" end="2"/>
+                                            </p:txEl>
+                                          </p:spTgt>
+                                        </p:tgtEl>
+                                        <p:attrNameLst>
+                                          <p:attrName>style.visibility</p:attrName>
+                                        </p:attrNameLst>
+                                      </p:cBhvr>
+                                      <p:to>
+                                        <p:strVal val="visible"/>
+                                      </p:to>
+                                    </p:set>
+                                  </p:childTnLst>
+                                </p:cTn>
+                              </p:par>
+                            </p:childTnLst>
+                          </p:cTn>
+                        </p:par>
+                      </p:childTnLst>
+                    </p:cTn>
+                  </p:par>
+                  <p:par>
+                    <p:cTn id="9" fill="hold">
+                      <p:stCondLst>
+                        <p:cond delay="indefinite"/>
+                      </p:stCondLst>
+                      <p:childTnLst>
+                        <p:par>
+                          <p:cTn id="10" fill="hold">
+                            <p:stCondLst>
+                              <p:cond delay="0"/>
+                            </p:stCondLst>
+                            <p:childTnLst>
+                              <p:par>
+                                <p:cTn id="11" presetID="1" presetClass="entr" presetSubtype="0" fill="hold" nodeType="clickEffect">
+                                  <p:stCondLst>
+                                    <p:cond delay="0"/>
+                                  </p:stCondLst>
+                                  <p:childTnLst>
+                                    <p:set>
+                                      <p:cBhvr>
+                                        <p:cTn id="12" dur="1" fill="hold">
+                                          <p:stCondLst>
+                                            <p:cond delay="0"/>
+                                          </p:stCondLst>
+                                        </p:cTn>
+                                        <p:tgtEl>
+                                          <p:spTgt spid="4">
+                                            <p:txEl>
+                                              <p:pRg st="3" end="3"/>
+                                            </p:txEl>
+                                          </p:spTgt>
+                                        </p:tgtEl>
+                                        <p:attrNameLst>
+                                          <p:attrName>style.visibility</p:attrName>
+                                        </p:attrNameLst>
+                                      </p:cBhvr>
+                                      <p:to>
+                                        <p:strVal val="visible"/>
+                                      </p:to>
+                                    </p:set>
+                                  </p:childTnLst>
+                                </p:cTn>
+                              </p:par>
+                              <p:par>
+                                <p:cTn id="13" presetID="1" presetClass="entr" presetSubtype="0" fill="hold" nodeType="withEffect">
+                                  <p:stCondLst>
+                                    <p:cond delay="0"/>
+                                  </p:stCondLst>
+                                  <p:childTnLst>
+                                    <p:set>
+                                      <p:cBhvr>
+                                        <p:cTn id="14" dur="1" fill="hold">
+                                          <p:stCondLst>
+                                            <p:cond delay="0"/>
+                                          </p:stCondLst>
+                                        </p:cTn>
+                                        <p:tgtEl>
+                                          <p:spTgt spid="4">
+                                            <p:txEl>
+                                              <p:pRg st="4" end="4"/>
+                                            </p:txEl>
+                                          </p:spTgt>
+                                        </p:tgtEl>
+                                        <p:attrNameLst>
+                                          <p:attrName>style.visibility</p:attrName>
+                                        </p:attrNameLst>
+                                      </p:cBhvr>
+                                      <p:to>
+                                        <p:strVal val="visible"/>
+                                      </p:to>
+                                    </p:set>
+                                  </p:childTnLst>
+                                </p:cTn>
+                              </p:par>
+                            </p:childTnLst>
+                          </p:cTn>
+                        </p:par>
+                      </p:childTnLst>
+                    </p:cTn>
+                  </p:par>
+                  <p:par>
+                    <p:cTn id="15" fill="hold">
+                      <p:stCondLst>
+                        <p:cond delay="indefinite"/>
+                      </p:stCondLst>
+                      <p:childTnLst>
+                        <p:par>
+                          <p:cTn id="16" fill="hold">
+                            <p:stCondLst>
+                              <p:cond delay="0"/>
+                            </p:stCondLst>
+                            <p:childTnLst>
+                              <p:par>
+                                <p:cTn id="17" presetID="1" presetClass="entr" presetSubtype="0" fill="hold" nodeType="clickEffect">
+                                  <p:stCondLst>
+                                    <p:cond delay="0"/>
+                                  </p:stCondLst>
+                                  <p:childTnLst>
+                                    <p:set>
+                                      <p:cBhvr>
+                                        <p:cTn id="18" dur="1" fill="hold">
+                                          <p:stCondLst>
+                                            <p:cond delay="0"/>
+                                          </p:stCondLst>
+                                        </p:cTn>
+                                        <p:tgtEl>
+                                          <p:spTgt spid="4">
+                                            <p:txEl>
+                                              <p:pRg st="5" end="5"/>
+                                            </p:txEl>
+                                          </p:spTgt>
+                                        </p:tgtEl>
+                                        <p:attrNameLst>
+                                          <p:attrName>style.visibility</p:attrName>
+                                        </p:attrNameLst>
+                                      </p:cBhvr>
+                                      <p:to>
+                                        <p:strVal val="visible"/>
+                                      </p:to>
+                                    </p:set>
+                                  </p:childTnLst>
+                                </p:cTn>
+                              </p:par>
+                              <p:par>
+                                <p:cTn id="19" presetID="1" presetClass="entr" presetSubtype="0" fill="hold" nodeType="withEffect">
+                                  <p:stCondLst>
+                                    <p:cond delay="0"/>
+                                  </p:stCondLst>
+                                  <p:childTnLst>
+                                    <p:set>
+                                      <p:cBhvr>
+                                        <p:cTn id="20" dur="1" fill="hold">
+                                          <p:stCondLst>
+                                            <p:cond delay="0"/>
+                                          </p:stCondLst>
+                                        </p:cTn>
+                                        <p:tgtEl>
+                                          <p:spTgt spid="4">
+                                            <p:txEl>
+                                              <p:pRg st="6" end="6"/>
+                                            </p:txEl>
+                                          </p:spTgt>
+                                        </p:tgtEl>
+                                        <p:attrNameLst>
+                                          <p:attrName>style.visibility</p:attrName>
+                                        </p:attrNameLst>
+                                      </p:cBhvr>
+                                      <p:to>
+                                        <p:strVal val="visible"/>
+                                      </p:to>
+                                    </p:set>
+                                  </p:childTnLst>
+                                </p:cTn>
+                              </p:par>
+                            </p:childTnLst>
+                          </p:cTn>
+                        </p:par>
+                      </p:childTnLst>
+                    </p:cTn>
+                  </p:par>
+                </p:childTnLst>
+              </p:cTn>
+              <p:prevCondLst>
+                <p:cond evt="onPrev" delay="0">
+                  <p:tgtEl>
+                    <p:sldTgt/>
+                  </p:tgtEl>
+                </p:cond>
+              </p:prevCondLst>
+              <p:nextCondLst>
+                <p:cond evt="onNext" delay="0">
+                  <p:tgtEl>
+                    <p:sldTgt/>
+                  </p:tgtEl>
+                </p:cond>
+              </p:nextCondLst>
+            </p:seq>
+          </p:childTnLst>
+        </p:cTn>
+      </p:par>
+    </p:tnLst>
+  </p:timing>
+</p:sld>
+</file>
+
+<file path=ppt/slides/slide4.xml><?xml version="1.0" encoding="utf-8"?>
+<p:sld xmlns:a="http://schemas.openxmlformats.org/drawingml/2006/main" xmlns:r="http://schemas.openxmlformats.org/officeDocument/2006/relationships" xmlns:p="http://schemas.openxmlformats.org/presentationml/2006/main">
+  <p:cSld>
+    <p:bg>
+      <p:bgPr>
+        <a:solidFill>
+          <a:schemeClr val="bg1"/>
+        </a:solidFill>
+        <a:effectLst/>
+      </p:bgPr>
+    </p:bg>
+    <p:spTree>
+      <p:nvGrpSpPr>
+        <p:cNvPr id="1" name=""/>
+        <p:cNvGrpSpPr/>
+        <p:nvPr/>
+      </p:nvGrpSpPr>
+      <p:grpSpPr>
+        <a:xfrm>
+          <a:off x="0" y="0"/>
+          <a:ext cx="0" cy="0"/>
+          <a:chOff x="0" y="0"/>
+          <a:chExt cx="0" cy="0"/>
+        </a:xfrm>
+      </p:grpSpPr>
+      <p:sp>
+        <p:nvSpPr>
+          <p:cNvPr id="3" name="Title 2">
+            <a:extLst>
+              <a:ext uri="{FF2B5EF4-FFF2-40B4-BE49-F238E27FC236}">
+                <a16:creationId xmlns:a16="http://schemas.microsoft.com/office/drawing/2014/main" id="{4080914B-34C0-4448-BA37-486062B5B1B7}"/>
+              </a:ext>
+            </a:extLst>
+          </p:cNvPr>
+          <p:cNvSpPr>
+            <a:spLocks noGrp="1"/>
+          </p:cNvSpPr>
+          <p:nvPr>
+            <p:ph type="title"/>
+          </p:nvPr>
+        </p:nvSpPr>
+        <p:spPr>
+          <a:xfrm>
+            <a:off x="511844" y="249258"/>
+            <a:ext cx="7886700" cy="994172"/>
+          </a:xfrm>
+        </p:spPr>
+        <p:txBody>
+          <a:bodyPr/>
+          <a:lstStyle/>
+          <a:p>
+            <a:r>
+              <a:rPr lang="en-US" dirty="0"/>
+              <a:t>Materials and General Procedure</a:t>
+            </a:r>
+          </a:p>
+        </p:txBody>
+      </p:sp>
+      <p:sp>
+        <p:nvSpPr>
+          <p:cNvPr id="12" name="TextBox 11">
+            <a:extLst>
+              <a:ext uri="{FF2B5EF4-FFF2-40B4-BE49-F238E27FC236}">
+                <a16:creationId xmlns:a16="http://schemas.microsoft.com/office/drawing/2014/main" id="{6E80169B-1F3D-467F-8AE3-3C66332ACC4E}"/>
+              </a:ext>
+            </a:extLst>
+          </p:cNvPr>
+          <p:cNvSpPr txBox="1"/>
+          <p:nvPr/>
+        </p:nvSpPr>
+        <p:spPr>
+          <a:xfrm>
+            <a:off x="499442" y="1031298"/>
+            <a:ext cx="8097906" cy="1200329"/>
+          </a:xfrm>
+          <a:prstGeom prst="rect">
+            <a:avLst/>
+          </a:prstGeom>
+          <a:noFill/>
+        </p:spPr>
+        <p:txBody>
+          <a:bodyPr wrap="square" rtlCol="0">
+            <a:spAutoFit/>
+          </a:bodyPr>
+          <a:lstStyle/>
+          <a:p>
+            <a:pPr marL="285750" indent="-285750">
+              <a:buFont typeface="Arial" panose="020B0604020202020204" pitchFamily="34" charset="0"/>
+              <a:buChar char="•"/>
+            </a:pPr>
+            <a:r>
+              <a:rPr lang="en-US" dirty="0"/>
+              <a:t>180 pairs were created using the Nelson et al. (2004) free association norms.</a:t>
+            </a:r>
+          </a:p>
+          <a:p>
+            <a:pPr marL="742950" lvl="1" indent="-285750">
+              <a:buFont typeface="Arial" panose="020B0604020202020204" pitchFamily="34" charset="0"/>
+              <a:buChar char="•"/>
+            </a:pPr>
+            <a:r>
+              <a:rPr lang="en-US" dirty="0"/>
+              <a:t>40 Forward </a:t>
+            </a:r>
+            <a:r>
+              <a:rPr lang="en-US" b="1" dirty="0">
+                <a:solidFill>
+                  <a:srgbClr val="1E4383"/>
+                </a:solidFill>
+              </a:rPr>
+              <a:t>(e.g., Credit-Card)</a:t>
+            </a:r>
+            <a:r>
+              <a:rPr lang="en-US" dirty="0"/>
+              <a:t>, Backward </a:t>
+            </a:r>
+            <a:r>
+              <a:rPr lang="en-US" b="1" dirty="0">
+                <a:solidFill>
+                  <a:srgbClr val="1E4383"/>
+                </a:solidFill>
+              </a:rPr>
+              <a:t>(e.g., Card-Credit)</a:t>
+            </a:r>
+            <a:r>
+              <a:rPr lang="en-US" dirty="0"/>
+              <a:t>, Symmetrical </a:t>
+            </a:r>
+            <a:r>
+              <a:rPr lang="en-US" b="1" dirty="0">
+                <a:solidFill>
+                  <a:srgbClr val="1E4383"/>
+                </a:solidFill>
+              </a:rPr>
+              <a:t>(e.g., King-Queen)</a:t>
+            </a:r>
+            <a:r>
+              <a:rPr lang="en-US" dirty="0"/>
+              <a:t>, and Unrelated </a:t>
+            </a:r>
+            <a:r>
+              <a:rPr lang="en-US" b="1" dirty="0">
+                <a:solidFill>
+                  <a:srgbClr val="1E4383"/>
+                </a:solidFill>
+              </a:rPr>
+              <a:t>(e.g., Artery-Bronze) </a:t>
+            </a:r>
+            <a:r>
+              <a:rPr lang="en-US" dirty="0"/>
+              <a:t>study pairs</a:t>
+            </a:r>
+          </a:p>
+          <a:p>
+            <a:pPr marL="285750" indent="-285750">
+              <a:buFont typeface="Arial" panose="020B0604020202020204" pitchFamily="34" charset="0"/>
+              <a:buChar char="•"/>
+            </a:pPr>
+            <a:r>
+              <a:rPr lang="en-US" dirty="0"/>
+              <a:t>All study lists were matched on FSG, length, concreteness, and frequency.</a:t>
+            </a:r>
+          </a:p>
+        </p:txBody>
+      </p:sp>
+      <p:graphicFrame>
+        <p:nvGraphicFramePr>
+          <p:cNvPr id="17" name="Content Placeholder 4">
+            <a:extLst>
+              <a:ext uri="{FF2B5EF4-FFF2-40B4-BE49-F238E27FC236}">
+                <a16:creationId xmlns:a16="http://schemas.microsoft.com/office/drawing/2014/main" id="{89D219EB-A89F-4B65-A37D-89E15E972678}"/>
+              </a:ext>
+            </a:extLst>
+          </p:cNvPr>
+          <p:cNvGraphicFramePr>
+            <a:graphicFrameLocks noGrp="1"/>
+          </p:cNvGraphicFramePr>
+          <p:nvPr>
+            <p:ph idx="1"/>
+            <p:extLst>
+              <p:ext uri="{D42A27DB-BD31-4B8C-83A1-F6EECF244321}">
+                <p14:modId xmlns:p14="http://schemas.microsoft.com/office/powerpoint/2010/main" val="320660913"/>
+              </p:ext>
+            </p:extLst>
+          </p:nvPr>
+        </p:nvGraphicFramePr>
+        <p:xfrm>
+          <a:off x="844826" y="1831503"/>
+          <a:ext cx="7220736" cy="2714740"/>
+        </p:xfrm>
+        <a:graphic>
+          <a:graphicData uri="http://schemas.openxmlformats.org/drawingml/2006/diagram">
+            <dgm:relIds xmlns:dgm="http://schemas.openxmlformats.org/drawingml/2006/diagram" xmlns:r="http://schemas.openxmlformats.org/officeDocument/2006/relationships" r:dm="rId2" r:lo="rId3" r:qs="rId4" r:cs="rId5"/>
+          </a:graphicData>
+        </a:graphic>
+      </p:graphicFrame>
     </p:spTree>
     <p:extLst>
       <p:ext uri="{BB962C8B-B14F-4D97-AF65-F5344CB8AC3E}">
@@ -1533,10 +5219,423 @@
   <p:clrMapOvr>
     <a:masterClrMapping/>
   </p:clrMapOvr>
+  <p:timing>
+    <p:tnLst>
+      <p:par>
+        <p:cTn id="1" dur="indefinite" restart="never" nodeType="tmRoot">
+          <p:childTnLst>
+            <p:seq concurrent="1" nextAc="seek">
+              <p:cTn id="2" dur="indefinite" nodeType="mainSeq">
+                <p:childTnLst>
+                  <p:par>
+                    <p:cTn id="3" fill="hold">
+                      <p:stCondLst>
+                        <p:cond delay="indefinite"/>
+                      </p:stCondLst>
+                      <p:childTnLst>
+                        <p:par>
+                          <p:cTn id="4" fill="hold">
+                            <p:stCondLst>
+                              <p:cond delay="0"/>
+                            </p:stCondLst>
+                            <p:childTnLst>
+                              <p:par>
+                                <p:cTn id="5" presetID="1" presetClass="entr" presetSubtype="0" fill="hold" grpId="0" nodeType="clickEffect">
+                                  <p:stCondLst>
+                                    <p:cond delay="0"/>
+                                  </p:stCondLst>
+                                  <p:childTnLst>
+                                    <p:set>
+                                      <p:cBhvr>
+                                        <p:cTn id="6" dur="1" fill="hold">
+                                          <p:stCondLst>
+                                            <p:cond delay="0"/>
+                                          </p:stCondLst>
+                                        </p:cTn>
+                                        <p:tgtEl>
+                                          <p:spTgt spid="17"/>
+                                        </p:tgtEl>
+                                        <p:attrNameLst>
+                                          <p:attrName>style.visibility</p:attrName>
+                                        </p:attrNameLst>
+                                      </p:cBhvr>
+                                      <p:to>
+                                        <p:strVal val="visible"/>
+                                      </p:to>
+                                    </p:set>
+                                  </p:childTnLst>
+                                </p:cTn>
+                              </p:par>
+                            </p:childTnLst>
+                          </p:cTn>
+                        </p:par>
+                      </p:childTnLst>
+                    </p:cTn>
+                  </p:par>
+                </p:childTnLst>
+              </p:cTn>
+              <p:prevCondLst>
+                <p:cond evt="onPrev" delay="0">
+                  <p:tgtEl>
+                    <p:sldTgt/>
+                  </p:tgtEl>
+                </p:cond>
+              </p:prevCondLst>
+              <p:nextCondLst>
+                <p:cond evt="onNext" delay="0">
+                  <p:tgtEl>
+                    <p:sldTgt/>
+                  </p:tgtEl>
+                </p:cond>
+              </p:nextCondLst>
+            </p:seq>
+          </p:childTnLst>
+        </p:cTn>
+      </p:par>
+    </p:tnLst>
+    <p:bldLst>
+      <p:bldGraphic spid="17" grpId="0">
+        <p:bldAsOne/>
+      </p:bldGraphic>
+    </p:bldLst>
+  </p:timing>
 </p:sld>
 </file>
 
-<file path=ppt/slides/slide4.xml><?xml version="1.0" encoding="utf-8"?>
+<file path=ppt/slides/slide5.xml><?xml version="1.0" encoding="utf-8"?>
+<p:sld xmlns:a="http://schemas.openxmlformats.org/drawingml/2006/main" xmlns:r="http://schemas.openxmlformats.org/officeDocument/2006/relationships" xmlns:p="http://schemas.openxmlformats.org/presentationml/2006/main">
+  <p:cSld>
+    <p:bg>
+      <p:bgPr>
+        <a:solidFill>
+          <a:schemeClr val="bg1"/>
+        </a:solidFill>
+        <a:effectLst/>
+      </p:bgPr>
+    </p:bg>
+    <p:spTree>
+      <p:nvGrpSpPr>
+        <p:cNvPr id="1" name=""/>
+        <p:cNvGrpSpPr/>
+        <p:nvPr/>
+      </p:nvGrpSpPr>
+      <p:grpSpPr>
+        <a:xfrm>
+          <a:off x="0" y="0"/>
+          <a:ext cx="0" cy="0"/>
+          <a:chOff x="0" y="0"/>
+          <a:chExt cx="0" cy="0"/>
+        </a:xfrm>
+      </p:grpSpPr>
+      <p:pic>
+        <p:nvPicPr>
+          <p:cNvPr id="5" name="Content Placeholder 4">
+            <a:extLst>
+              <a:ext uri="{FF2B5EF4-FFF2-40B4-BE49-F238E27FC236}">
+                <a16:creationId xmlns:a16="http://schemas.microsoft.com/office/drawing/2014/main" id="{5F1030F4-ADB0-45BD-B110-625FD9191670}"/>
+              </a:ext>
+            </a:extLst>
+          </p:cNvPr>
+          <p:cNvPicPr>
+            <a:picLocks noGrp="1"/>
+          </p:cNvPicPr>
+          <p:nvPr>
+            <p:ph idx="1"/>
+          </p:nvPr>
+        </p:nvPicPr>
+        <p:blipFill rotWithShape="1">
+          <a:blip r:embed="rId2">
+            <a:extLst>
+              <a:ext uri="{BEBA8EAE-BF5A-486C-A8C5-ECC9F3942E4B}">
+                <a14:imgProps xmlns:a14="http://schemas.microsoft.com/office/drawing/2010/main">
+                  <a14:imgLayer r:embed="rId3">
+                    <a14:imgEffect>
+                      <a14:sharpenSoften amount="25000"/>
+                    </a14:imgEffect>
+                  </a14:imgLayer>
+                </a14:imgProps>
+              </a:ext>
+              <a:ext uri="{28A0092B-C50C-407E-A947-70E740481C1C}">
+                <a14:useLocalDpi xmlns:a14="http://schemas.microsoft.com/office/drawing/2010/main" val="0"/>
+              </a:ext>
+            </a:extLst>
+          </a:blip>
+          <a:srcRect t="50574" b="7319"/>
+          <a:stretch/>
+        </p:blipFill>
+        <p:spPr bwMode="auto">
+          <a:xfrm>
+            <a:off x="1011847" y="606287"/>
+            <a:ext cx="7503503" cy="4154040"/>
+          </a:xfrm>
+          <a:prstGeom prst="rect">
+            <a:avLst/>
+          </a:prstGeom>
+          <a:noFill/>
+          <a:ln>
+            <a:noFill/>
+          </a:ln>
+          <a:extLst>
+            <a:ext uri="{53640926-AAD7-44D8-BBD7-CCE9431645EC}">
+              <a14:shadowObscured xmlns:a14="http://schemas.microsoft.com/office/drawing/2010/main"/>
+            </a:ext>
+          </a:extLst>
+        </p:spPr>
+      </p:pic>
+      <p:sp>
+        <p:nvSpPr>
+          <p:cNvPr id="3" name="Title 2">
+            <a:extLst>
+              <a:ext uri="{FF2B5EF4-FFF2-40B4-BE49-F238E27FC236}">
+                <a16:creationId xmlns:a16="http://schemas.microsoft.com/office/drawing/2014/main" id="{4080914B-34C0-4448-BA37-486062B5B1B7}"/>
+              </a:ext>
+            </a:extLst>
+          </p:cNvPr>
+          <p:cNvSpPr>
+            <a:spLocks noGrp="1"/>
+          </p:cNvSpPr>
+          <p:nvPr>
+            <p:ph type="title"/>
+          </p:nvPr>
+        </p:nvSpPr>
+        <p:spPr/>
+        <p:txBody>
+          <a:bodyPr/>
+          <a:lstStyle/>
+          <a:p>
+            <a:r>
+              <a:rPr lang="en-US" dirty="0"/>
+              <a:t>Results</a:t>
+            </a:r>
+          </a:p>
+        </p:txBody>
+      </p:sp>
+    </p:spTree>
+    <p:extLst>
+      <p:ext uri="{BB962C8B-B14F-4D97-AF65-F5344CB8AC3E}">
+        <p14:creationId xmlns:p14="http://schemas.microsoft.com/office/powerpoint/2010/main" val="4290022558"/>
+      </p:ext>
+    </p:extLst>
+  </p:cSld>
+  <p:clrMapOvr>
+    <a:masterClrMapping/>
+  </p:clrMapOvr>
+</p:sld>
+</file>
+
+<file path=ppt/slides/slide6.xml><?xml version="1.0" encoding="utf-8"?>
+<p:sld xmlns:a="http://schemas.openxmlformats.org/drawingml/2006/main" xmlns:r="http://schemas.openxmlformats.org/officeDocument/2006/relationships" xmlns:p="http://schemas.openxmlformats.org/presentationml/2006/main">
+  <p:cSld>
+    <p:bg>
+      <p:bgPr>
+        <a:solidFill>
+          <a:schemeClr val="bg1"/>
+        </a:solidFill>
+        <a:effectLst/>
+      </p:bgPr>
+    </p:bg>
+    <p:spTree>
+      <p:nvGrpSpPr>
+        <p:cNvPr id="1" name=""/>
+        <p:cNvGrpSpPr/>
+        <p:nvPr/>
+      </p:nvGrpSpPr>
+      <p:grpSpPr>
+        <a:xfrm>
+          <a:off x="0" y="0"/>
+          <a:ext cx="0" cy="0"/>
+          <a:chOff x="0" y="0"/>
+          <a:chExt cx="0" cy="0"/>
+        </a:xfrm>
+      </p:grpSpPr>
+      <p:pic>
+        <p:nvPicPr>
+          <p:cNvPr id="5" name="Content Placeholder 4">
+            <a:extLst>
+              <a:ext uri="{FF2B5EF4-FFF2-40B4-BE49-F238E27FC236}">
+                <a16:creationId xmlns:a16="http://schemas.microsoft.com/office/drawing/2014/main" id="{5F1030F4-ADB0-45BD-B110-625FD9191670}"/>
+              </a:ext>
+            </a:extLst>
+          </p:cNvPr>
+          <p:cNvPicPr>
+            <a:picLocks noGrp="1"/>
+          </p:cNvPicPr>
+          <p:nvPr>
+            <p:ph idx="1"/>
+          </p:nvPr>
+        </p:nvPicPr>
+        <p:blipFill rotWithShape="1">
+          <a:blip r:embed="rId2"/>
+          <a:srcRect/>
+          <a:stretch/>
+        </p:blipFill>
+        <p:spPr bwMode="auto">
+          <a:xfrm>
+            <a:off x="1011847" y="720210"/>
+            <a:ext cx="7503503" cy="4089812"/>
+          </a:xfrm>
+          <a:prstGeom prst="rect">
+            <a:avLst/>
+          </a:prstGeom>
+          <a:noFill/>
+          <a:ln>
+            <a:noFill/>
+          </a:ln>
+          <a:extLst>
+            <a:ext uri="{53640926-AAD7-44D8-BBD7-CCE9431645EC}">
+              <a14:shadowObscured xmlns:a14="http://schemas.microsoft.com/office/drawing/2010/main"/>
+            </a:ext>
+          </a:extLst>
+        </p:spPr>
+      </p:pic>
+      <p:sp>
+        <p:nvSpPr>
+          <p:cNvPr id="3" name="Title 2">
+            <a:extLst>
+              <a:ext uri="{FF2B5EF4-FFF2-40B4-BE49-F238E27FC236}">
+                <a16:creationId xmlns:a16="http://schemas.microsoft.com/office/drawing/2014/main" id="{4080914B-34C0-4448-BA37-486062B5B1B7}"/>
+              </a:ext>
+            </a:extLst>
+          </p:cNvPr>
+          <p:cNvSpPr>
+            <a:spLocks noGrp="1"/>
+          </p:cNvSpPr>
+          <p:nvPr>
+            <p:ph type="title"/>
+          </p:nvPr>
+        </p:nvSpPr>
+        <p:spPr/>
+        <p:txBody>
+          <a:bodyPr/>
+          <a:lstStyle/>
+          <a:p>
+            <a:r>
+              <a:rPr lang="en-US" dirty="0"/>
+              <a:t>Results</a:t>
+            </a:r>
+          </a:p>
+        </p:txBody>
+      </p:sp>
+    </p:spTree>
+    <p:extLst>
+      <p:ext uri="{BB962C8B-B14F-4D97-AF65-F5344CB8AC3E}">
+        <p14:creationId xmlns:p14="http://schemas.microsoft.com/office/powerpoint/2010/main" val="673086086"/>
+      </p:ext>
+    </p:extLst>
+  </p:cSld>
+  <p:clrMapOvr>
+    <a:masterClrMapping/>
+  </p:clrMapOvr>
+</p:sld>
+</file>
+
+<file path=ppt/slides/slide7.xml><?xml version="1.0" encoding="utf-8"?>
+<p:sld xmlns:a="http://schemas.openxmlformats.org/drawingml/2006/main" xmlns:r="http://schemas.openxmlformats.org/officeDocument/2006/relationships" xmlns:p="http://schemas.openxmlformats.org/presentationml/2006/main">
+  <p:cSld>
+    <p:bg>
+      <p:bgPr>
+        <a:solidFill>
+          <a:schemeClr val="bg1"/>
+        </a:solidFill>
+        <a:effectLst/>
+      </p:bgPr>
+    </p:bg>
+    <p:spTree>
+      <p:nvGrpSpPr>
+        <p:cNvPr id="1" name=""/>
+        <p:cNvGrpSpPr/>
+        <p:nvPr/>
+      </p:nvGrpSpPr>
+      <p:grpSpPr>
+        <a:xfrm>
+          <a:off x="0" y="0"/>
+          <a:ext cx="0" cy="0"/>
+          <a:chOff x="0" y="0"/>
+          <a:chExt cx="0" cy="0"/>
+        </a:xfrm>
+      </p:grpSpPr>
+      <p:pic>
+        <p:nvPicPr>
+          <p:cNvPr id="5" name="Content Placeholder 4">
+            <a:extLst>
+              <a:ext uri="{FF2B5EF4-FFF2-40B4-BE49-F238E27FC236}">
+                <a16:creationId xmlns:a16="http://schemas.microsoft.com/office/drawing/2014/main" id="{5F1030F4-ADB0-45BD-B110-625FD9191670}"/>
+              </a:ext>
+            </a:extLst>
+          </p:cNvPr>
+          <p:cNvPicPr>
+            <a:picLocks noGrp="1"/>
+          </p:cNvPicPr>
+          <p:nvPr>
+            <p:ph idx="1"/>
+          </p:nvPr>
+        </p:nvPicPr>
+        <p:blipFill rotWithShape="1">
+          <a:blip r:embed="rId2"/>
+          <a:srcRect/>
+          <a:stretch/>
+        </p:blipFill>
+        <p:spPr bwMode="auto">
+          <a:xfrm>
+            <a:off x="1011847" y="646043"/>
+            <a:ext cx="7503503" cy="4012039"/>
+          </a:xfrm>
+          <a:prstGeom prst="rect">
+            <a:avLst/>
+          </a:prstGeom>
+          <a:noFill/>
+          <a:ln>
+            <a:noFill/>
+          </a:ln>
+          <a:extLst>
+            <a:ext uri="{53640926-AAD7-44D8-BBD7-CCE9431645EC}">
+              <a14:shadowObscured xmlns:a14="http://schemas.microsoft.com/office/drawing/2010/main"/>
+            </a:ext>
+          </a:extLst>
+        </p:spPr>
+      </p:pic>
+      <p:sp>
+        <p:nvSpPr>
+          <p:cNvPr id="3" name="Title 2">
+            <a:extLst>
+              <a:ext uri="{FF2B5EF4-FFF2-40B4-BE49-F238E27FC236}">
+                <a16:creationId xmlns:a16="http://schemas.microsoft.com/office/drawing/2014/main" id="{4080914B-34C0-4448-BA37-486062B5B1B7}"/>
+              </a:ext>
+            </a:extLst>
+          </p:cNvPr>
+          <p:cNvSpPr>
+            <a:spLocks noGrp="1"/>
+          </p:cNvSpPr>
+          <p:nvPr>
+            <p:ph type="title"/>
+          </p:nvPr>
+        </p:nvSpPr>
+        <p:spPr/>
+        <p:txBody>
+          <a:bodyPr/>
+          <a:lstStyle/>
+          <a:p>
+            <a:r>
+              <a:rPr lang="en-US" dirty="0"/>
+              <a:t>Results</a:t>
+            </a:r>
+          </a:p>
+        </p:txBody>
+      </p:sp>
+    </p:spTree>
+    <p:extLst>
+      <p:ext uri="{BB962C8B-B14F-4D97-AF65-F5344CB8AC3E}">
+        <p14:creationId xmlns:p14="http://schemas.microsoft.com/office/powerpoint/2010/main" val="3183494675"/>
+      </p:ext>
+    </p:extLst>
+  </p:cSld>
+  <p:clrMapOvr>
+    <a:masterClrMapping/>
+  </p:clrMapOvr>
+</p:sld>
+</file>
+
+<file path=ppt/slides/slide8.xml><?xml version="1.0" encoding="utf-8"?>
 <p:sld xmlns:a="http://schemas.openxmlformats.org/drawingml/2006/main" xmlns:r="http://schemas.openxmlformats.org/officeDocument/2006/relationships" xmlns:p="http://schemas.openxmlformats.org/presentationml/2006/main">
   <p:cSld>
     <p:bg>
@@ -1584,7 +5683,7 @@
           <a:p>
             <a:r>
               <a:rPr lang="en-US" dirty="0"/>
-              <a:t>Results</a:t>
+              <a:t>Conclusion</a:t>
             </a:r>
           </a:p>
         </p:txBody>
@@ -1610,98 +5709,54 @@
           <a:bodyPr/>
           <a:lstStyle/>
           <a:p>
+            <a:r>
+              <a:rPr lang="en-US" sz="2000" dirty="0">
+                <a:solidFill>
+                  <a:schemeClr val="tx1"/>
+                </a:solidFill>
+                <a:effectLst/>
+                <a:latin typeface="+mj-lt"/>
+                <a:ea typeface="Calibri" panose="020F0502020204030204" pitchFamily="34" charset="0"/>
+              </a:rPr>
+              <a:t>Strategic relational encoding provides a better explanation of JOL reactivity than the changed-goal hypothesis or testing cues.</a:t>
+            </a:r>
+          </a:p>
+          <a:p>
+            <a:pPr lvl="1"/>
+            <a:r>
+              <a:rPr lang="en-US" sz="2000" dirty="0">
+                <a:solidFill>
+                  <a:schemeClr val="tx1"/>
+                </a:solidFill>
+                <a:latin typeface="+mj-lt"/>
+              </a:rPr>
+              <a:t>It’s not the act of making a JOL that results in reactivity, but the relational encoding that occurs as a byproduct</a:t>
+            </a:r>
+          </a:p>
+          <a:p>
+            <a:pPr lvl="1"/>
+            <a:r>
+              <a:rPr lang="en-US" sz="2000" dirty="0">
+                <a:solidFill>
+                  <a:schemeClr val="tx1"/>
+                </a:solidFill>
+                <a:latin typeface="+mj-lt"/>
+              </a:rPr>
+              <a:t>JOLs aren’t a requirement for JOL reactivity!</a:t>
+            </a:r>
+          </a:p>
+          <a:p>
+            <a:endParaRPr lang="en-US" sz="2000" dirty="0">
+              <a:solidFill>
+                <a:schemeClr val="tx1"/>
+              </a:solidFill>
+              <a:effectLst/>
+              <a:latin typeface="+mj-lt"/>
+              <a:ea typeface="Calibri" panose="020F0502020204030204" pitchFamily="34" charset="0"/>
+            </a:endParaRPr>
+          </a:p>
+          <a:p>
             <a:endParaRPr lang="en-US" dirty="0"/>
-          </a:p>
-        </p:txBody>
-      </p:sp>
-    </p:spTree>
-    <p:extLst>
-      <p:ext uri="{BB962C8B-B14F-4D97-AF65-F5344CB8AC3E}">
-        <p14:creationId xmlns:p14="http://schemas.microsoft.com/office/powerpoint/2010/main" val="4290022558"/>
-      </p:ext>
-    </p:extLst>
-  </p:cSld>
-  <p:clrMapOvr>
-    <a:masterClrMapping/>
-  </p:clrMapOvr>
-</p:sld>
-</file>
-
-<file path=ppt/slides/slide5.xml><?xml version="1.0" encoding="utf-8"?>
-<p:sld xmlns:a="http://schemas.openxmlformats.org/drawingml/2006/main" xmlns:r="http://schemas.openxmlformats.org/officeDocument/2006/relationships" xmlns:p="http://schemas.openxmlformats.org/presentationml/2006/main">
-  <p:cSld>
-    <p:bg>
-      <p:bgPr>
-        <a:solidFill>
-          <a:schemeClr val="bg1"/>
-        </a:solidFill>
-        <a:effectLst/>
-      </p:bgPr>
-    </p:bg>
-    <p:spTree>
-      <p:nvGrpSpPr>
-        <p:cNvPr id="1" name=""/>
-        <p:cNvGrpSpPr/>
-        <p:nvPr/>
-      </p:nvGrpSpPr>
-      <p:grpSpPr>
-        <a:xfrm>
-          <a:off x="0" y="0"/>
-          <a:ext cx="0" cy="0"/>
-          <a:chOff x="0" y="0"/>
-          <a:chExt cx="0" cy="0"/>
-        </a:xfrm>
-      </p:grpSpPr>
-      <p:sp>
-        <p:nvSpPr>
-          <p:cNvPr id="3" name="Title 2">
-            <a:extLst>
-              <a:ext uri="{FF2B5EF4-FFF2-40B4-BE49-F238E27FC236}">
-                <a16:creationId xmlns:a16="http://schemas.microsoft.com/office/drawing/2014/main" id="{4080914B-34C0-4448-BA37-486062B5B1B7}"/>
-              </a:ext>
-            </a:extLst>
-          </p:cNvPr>
-          <p:cNvSpPr>
-            <a:spLocks noGrp="1"/>
-          </p:cNvSpPr>
-          <p:nvPr>
-            <p:ph type="title"/>
-          </p:nvPr>
-        </p:nvSpPr>
-        <p:spPr/>
-        <p:txBody>
-          <a:bodyPr/>
-          <a:lstStyle/>
-          <a:p>
-            <a:r>
-              <a:rPr lang="en-US" dirty="0"/>
-              <a:t>Conclusion</a:t>
-            </a:r>
-          </a:p>
-        </p:txBody>
-      </p:sp>
-      <p:sp>
-        <p:nvSpPr>
-          <p:cNvPr id="4" name="Content Placeholder 3">
-            <a:extLst>
-              <a:ext uri="{FF2B5EF4-FFF2-40B4-BE49-F238E27FC236}">
-                <a16:creationId xmlns:a16="http://schemas.microsoft.com/office/drawing/2014/main" id="{0A7B5501-50B5-A44D-8494-E61C5F019586}"/>
-              </a:ext>
-            </a:extLst>
-          </p:cNvPr>
-          <p:cNvSpPr>
-            <a:spLocks noGrp="1"/>
-          </p:cNvSpPr>
-          <p:nvPr>
-            <p:ph idx="1"/>
-          </p:nvPr>
-        </p:nvSpPr>
-        <p:spPr/>
-        <p:txBody>
-          <a:bodyPr/>
-          <a:lstStyle/>
-          <a:p>
-            <a:endParaRPr lang="en-US"/>
           </a:p>
         </p:txBody>
       </p:sp>

--- a/6 Presentations/JOL Reactivity.pptx
+++ b/6 Presentations/JOL Reactivity.pptx
@@ -7,8 +7,8 @@
   <p:sldIdLst>
     <p:sldId id="257" r:id="rId2"/>
     <p:sldId id="256" r:id="rId3"/>
-    <p:sldId id="261" r:id="rId4"/>
-    <p:sldId id="258" r:id="rId5"/>
+    <p:sldId id="264" r:id="rId4"/>
+    <p:sldId id="261" r:id="rId5"/>
     <p:sldId id="259" r:id="rId6"/>
     <p:sldId id="262" r:id="rId7"/>
     <p:sldId id="263" r:id="rId8"/>
@@ -1096,8 +1096,8 @@
       </dsp:nvSpPr>
       <dsp:spPr>
         <a:xfrm>
-          <a:off x="6346" y="788313"/>
-          <a:ext cx="1896853" cy="1138112"/>
+          <a:off x="4359" y="173072"/>
+          <a:ext cx="1302870" cy="781722"/>
         </a:xfrm>
         <a:prstGeom prst="roundRect">
           <a:avLst>
@@ -1136,12 +1136,12 @@
         </a:fontRef>
       </dsp:style>
       <dsp:txBody>
-        <a:bodyPr spcFirstLastPara="0" vert="horz" wrap="square" lIns="106680" tIns="106680" rIns="106680" bIns="106680" numCol="1" spcCol="1270" anchor="ctr" anchorCtr="0">
+        <a:bodyPr spcFirstLastPara="0" vert="horz" wrap="square" lIns="72390" tIns="72390" rIns="72390" bIns="72390" numCol="1" spcCol="1270" anchor="ctr" anchorCtr="0">
           <a:noAutofit/>
         </a:bodyPr>
         <a:lstStyle/>
         <a:p>
-          <a:pPr marL="0" lvl="0" indent="0" algn="ctr" defTabSz="1244600">
+          <a:pPr marL="0" lvl="0" indent="0" algn="ctr" defTabSz="844550">
             <a:lnSpc>
               <a:spcPct val="90000"/>
             </a:lnSpc>
@@ -1154,14 +1154,14 @@
             <a:buNone/>
           </a:pPr>
           <a:r>
-            <a:rPr lang="en-US" sz="2800" b="1" kern="1200" dirty="0"/>
+            <a:rPr lang="en-US" sz="1900" b="1" kern="1200" dirty="0"/>
             <a:t>Study</a:t>
           </a:r>
         </a:p>
       </dsp:txBody>
       <dsp:txXfrm>
-        <a:off x="39680" y="821647"/>
-        <a:ext cx="1830185" cy="1071444"/>
+        <a:off x="27255" y="195968"/>
+        <a:ext cx="1257078" cy="735930"/>
       </dsp:txXfrm>
     </dsp:sp>
     <dsp:sp modelId="{ED072CF8-EDA6-4D43-B06C-F763F1784C6B}">
@@ -1171,8 +1171,8 @@
       </dsp:nvSpPr>
       <dsp:spPr>
         <a:xfrm>
-          <a:off x="2092885" y="1122160"/>
-          <a:ext cx="402132" cy="470419"/>
+          <a:off x="1437516" y="402377"/>
+          <a:ext cx="276208" cy="323111"/>
         </a:xfrm>
         <a:prstGeom prst="rightArrow">
           <a:avLst>
@@ -1208,7 +1208,7 @@
         </a:bodyPr>
         <a:lstStyle/>
         <a:p>
-          <a:pPr marL="0" lvl="0" indent="0" algn="ctr" defTabSz="889000">
+          <a:pPr marL="0" lvl="0" indent="0" algn="ctr" defTabSz="577850">
             <a:lnSpc>
               <a:spcPct val="90000"/>
             </a:lnSpc>
@@ -1220,12 +1220,12 @@
             </a:spcAft>
             <a:buNone/>
           </a:pPr>
-          <a:endParaRPr lang="en-US" sz="2000" kern="1200"/>
+          <a:endParaRPr lang="en-US" sz="1300" kern="1200"/>
         </a:p>
       </dsp:txBody>
       <dsp:txXfrm>
-        <a:off x="2092885" y="1216244"/>
-        <a:ext cx="281492" cy="282251"/>
+        <a:off x="1437516" y="466999"/>
+        <a:ext cx="193346" cy="193867"/>
       </dsp:txXfrm>
     </dsp:sp>
     <dsp:sp modelId="{ADD1959A-890D-4590-BDCA-C34279896A2C}">
@@ -1235,8 +1235,8 @@
       </dsp:nvSpPr>
       <dsp:spPr>
         <a:xfrm>
-          <a:off x="2661941" y="788313"/>
-          <a:ext cx="1896853" cy="1138112"/>
+          <a:off x="1828378" y="173072"/>
+          <a:ext cx="1302870" cy="781722"/>
         </a:xfrm>
         <a:prstGeom prst="roundRect">
           <a:avLst>
@@ -1275,12 +1275,12 @@
         </a:fontRef>
       </dsp:style>
       <dsp:txBody>
-        <a:bodyPr spcFirstLastPara="0" vert="horz" wrap="square" lIns="106680" tIns="106680" rIns="106680" bIns="106680" numCol="1" spcCol="1270" anchor="ctr" anchorCtr="0">
+        <a:bodyPr spcFirstLastPara="0" vert="horz" wrap="square" lIns="72390" tIns="72390" rIns="72390" bIns="72390" numCol="1" spcCol="1270" anchor="ctr" anchorCtr="0">
           <a:noAutofit/>
         </a:bodyPr>
         <a:lstStyle/>
         <a:p>
-          <a:pPr marL="0" lvl="0" indent="0" algn="ctr" defTabSz="1244600">
+          <a:pPr marL="0" lvl="0" indent="0" algn="ctr" defTabSz="844550">
             <a:lnSpc>
               <a:spcPct val="90000"/>
             </a:lnSpc>
@@ -1293,14 +1293,14 @@
             <a:buNone/>
           </a:pPr>
           <a:r>
-            <a:rPr lang="en-US" sz="2800" b="1" kern="1200" dirty="0"/>
+            <a:rPr lang="en-US" sz="1900" b="1" kern="1200" dirty="0"/>
             <a:t>Arithmetic Filler Task</a:t>
           </a:r>
         </a:p>
       </dsp:txBody>
       <dsp:txXfrm>
-        <a:off x="2695275" y="821647"/>
-        <a:ext cx="1830185" cy="1071444"/>
+        <a:off x="1851274" y="195968"/>
+        <a:ext cx="1257078" cy="735930"/>
       </dsp:txXfrm>
     </dsp:sp>
     <dsp:sp modelId="{FC7CD236-3585-4AD2-9CC8-EF1FC6023817}">
@@ -1310,8 +1310,8 @@
       </dsp:nvSpPr>
       <dsp:spPr>
         <a:xfrm>
-          <a:off x="4748480" y="1122160"/>
-          <a:ext cx="402132" cy="470419"/>
+          <a:off x="3261535" y="402377"/>
+          <a:ext cx="276208" cy="323111"/>
         </a:xfrm>
         <a:prstGeom prst="rightArrow">
           <a:avLst>
@@ -1347,7 +1347,7 @@
         </a:bodyPr>
         <a:lstStyle/>
         <a:p>
-          <a:pPr marL="0" lvl="0" indent="0" algn="ctr" defTabSz="889000">
+          <a:pPr marL="0" lvl="0" indent="0" algn="ctr" defTabSz="577850">
             <a:lnSpc>
               <a:spcPct val="90000"/>
             </a:lnSpc>
@@ -1359,12 +1359,12 @@
             </a:spcAft>
             <a:buNone/>
           </a:pPr>
-          <a:endParaRPr lang="en-US" sz="2000" kern="1200"/>
+          <a:endParaRPr lang="en-US" sz="1300" kern="1200"/>
         </a:p>
       </dsp:txBody>
       <dsp:txXfrm>
-        <a:off x="4748480" y="1216244"/>
-        <a:ext cx="281492" cy="282251"/>
+        <a:off x="3261535" y="466999"/>
+        <a:ext cx="193346" cy="193867"/>
       </dsp:txXfrm>
     </dsp:sp>
     <dsp:sp modelId="{CC0444EB-7C5C-4395-852D-4E2A5CC837D8}">
@@ -1374,8 +1374,8 @@
       </dsp:nvSpPr>
       <dsp:spPr>
         <a:xfrm>
-          <a:off x="5317536" y="788313"/>
-          <a:ext cx="1896853" cy="1138112"/>
+          <a:off x="3652397" y="173072"/>
+          <a:ext cx="1302870" cy="781722"/>
         </a:xfrm>
         <a:prstGeom prst="roundRect">
           <a:avLst>
@@ -1414,12 +1414,12 @@
         </a:fontRef>
       </dsp:style>
       <dsp:txBody>
-        <a:bodyPr spcFirstLastPara="0" vert="horz" wrap="square" lIns="106680" tIns="106680" rIns="106680" bIns="106680" numCol="1" spcCol="1270" anchor="ctr" anchorCtr="0">
+        <a:bodyPr spcFirstLastPara="0" vert="horz" wrap="square" lIns="72390" tIns="72390" rIns="72390" bIns="72390" numCol="1" spcCol="1270" anchor="ctr" anchorCtr="0">
           <a:noAutofit/>
         </a:bodyPr>
         <a:lstStyle/>
         <a:p>
-          <a:pPr marL="0" lvl="0" indent="0" algn="ctr" defTabSz="1244600">
+          <a:pPr marL="0" lvl="0" indent="0" algn="ctr" defTabSz="844550">
             <a:lnSpc>
               <a:spcPct val="90000"/>
             </a:lnSpc>
@@ -1432,14 +1432,14 @@
             <a:buNone/>
           </a:pPr>
           <a:r>
-            <a:rPr lang="en-US" sz="2800" b="1" kern="1200" dirty="0"/>
+            <a:rPr lang="en-US" sz="1900" b="1" kern="1200" dirty="0"/>
             <a:t>Recall</a:t>
           </a:r>
         </a:p>
       </dsp:txBody>
       <dsp:txXfrm>
-        <a:off x="5350870" y="821647"/>
-        <a:ext cx="1830185" cy="1071444"/>
+        <a:off x="3675293" y="195968"/>
+        <a:ext cx="1257078" cy="735930"/>
       </dsp:txXfrm>
     </dsp:sp>
   </dsp:spTree>
@@ -4142,55 +4142,6 @@
               <a:t>– Costs to memory performance</a:t>
             </a:r>
           </a:p>
-          <a:p>
-            <a:pPr>
-              <a:buClr>
-                <a:schemeClr val="tx1"/>
-              </a:buClr>
-            </a:pPr>
-            <a:r>
-              <a:rPr lang="en-US" sz="2000" b="1" dirty="0">
-                <a:solidFill>
-                  <a:srgbClr val="1E4383"/>
-                </a:solidFill>
-              </a:rPr>
-              <a:t>Changed-Goal Hypothesis </a:t>
-            </a:r>
-            <a:r>
-              <a:rPr lang="en-US" sz="2000" dirty="0"/>
-              <a:t>vs</a:t>
-            </a:r>
-            <a:r>
-              <a:rPr lang="en-US" sz="2000" b="1" dirty="0">
-                <a:solidFill>
-                  <a:srgbClr val="1E4383"/>
-                </a:solidFill>
-              </a:rPr>
-              <a:t> Strategic Relational Encoding</a:t>
-            </a:r>
-          </a:p>
-          <a:p>
-            <a:pPr lvl="1">
-              <a:buClr>
-                <a:schemeClr val="tx1"/>
-              </a:buClr>
-            </a:pPr>
-            <a:r>
-              <a:rPr lang="en-US" sz="1700" dirty="0"/>
-              <a:t>Changed-goal – participants focus on mastering easy study items</a:t>
-            </a:r>
-          </a:p>
-          <a:p>
-            <a:pPr lvl="1">
-              <a:buClr>
-                <a:schemeClr val="tx1"/>
-              </a:buClr>
-            </a:pPr>
-            <a:r>
-              <a:rPr lang="en-US" sz="1700" dirty="0"/>
-              <a:t>Strategic relational encoding – JOLs cause participants to engage in relational encoding for related study pairs</a:t>
-            </a:r>
-          </a:p>
         </p:txBody>
       </p:sp>
     </p:spTree>
@@ -4407,153 +4358,6 @@
                       </p:childTnLst>
                     </p:cTn>
                   </p:par>
-                  <p:par>
-                    <p:cTn id="19" fill="hold">
-                      <p:stCondLst>
-                        <p:cond delay="indefinite"/>
-                      </p:stCondLst>
-                      <p:childTnLst>
-                        <p:par>
-                          <p:cTn id="20" fill="hold">
-                            <p:stCondLst>
-                              <p:cond delay="0"/>
-                            </p:stCondLst>
-                            <p:childTnLst>
-                              <p:par>
-                                <p:cTn id="21" presetID="1" presetClass="entr" presetSubtype="0" fill="hold" nodeType="clickEffect">
-                                  <p:stCondLst>
-                                    <p:cond delay="0"/>
-                                  </p:stCondLst>
-                                  <p:childTnLst>
-                                    <p:set>
-                                      <p:cBhvr>
-                                        <p:cTn id="22" dur="1" fill="hold">
-                                          <p:stCondLst>
-                                            <p:cond delay="0"/>
-                                          </p:stCondLst>
-                                        </p:cTn>
-                                        <p:tgtEl>
-                                          <p:spTgt spid="4">
-                                            <p:txEl>
-                                              <p:pRg st="5" end="5"/>
-                                            </p:txEl>
-                                          </p:spTgt>
-                                        </p:tgtEl>
-                                        <p:attrNameLst>
-                                          <p:attrName>style.visibility</p:attrName>
-                                        </p:attrNameLst>
-                                      </p:cBhvr>
-                                      <p:to>
-                                        <p:strVal val="visible"/>
-                                      </p:to>
-                                    </p:set>
-                                  </p:childTnLst>
-                                </p:cTn>
-                              </p:par>
-                            </p:childTnLst>
-                          </p:cTn>
-                        </p:par>
-                      </p:childTnLst>
-                    </p:cTn>
-                  </p:par>
-                  <p:par>
-                    <p:cTn id="23" fill="hold">
-                      <p:stCondLst>
-                        <p:cond delay="indefinite"/>
-                      </p:stCondLst>
-                      <p:childTnLst>
-                        <p:par>
-                          <p:cTn id="24" fill="hold">
-                            <p:stCondLst>
-                              <p:cond delay="0"/>
-                            </p:stCondLst>
-                            <p:childTnLst>
-                              <p:par>
-                                <p:cTn id="25" presetID="1" presetClass="entr" presetSubtype="0" fill="hold" nodeType="clickEffect">
-                                  <p:stCondLst>
-                                    <p:cond delay="0"/>
-                                  </p:stCondLst>
-                                  <p:childTnLst>
-                                    <p:set>
-                                      <p:cBhvr>
-                                        <p:cTn id="26" dur="1" fill="hold">
-                                          <p:stCondLst>
-                                            <p:cond delay="0"/>
-                                          </p:stCondLst>
-                                        </p:cTn>
-                                        <p:tgtEl>
-                                          <p:spTgt spid="4">
-                                            <p:txEl>
-                                              <p:pRg st="6" end="6"/>
-                                            </p:txEl>
-                                          </p:spTgt>
-                                        </p:tgtEl>
-                                        <p:attrNameLst>
-                                          <p:attrName>style.visibility</p:attrName>
-                                        </p:attrNameLst>
-                                      </p:cBhvr>
-                                      <p:to>
-                                        <p:strVal val="visible"/>
-                                      </p:to>
-                                    </p:set>
-                                  </p:childTnLst>
-                                </p:cTn>
-                              </p:par>
-                            </p:childTnLst>
-                          </p:cTn>
-                        </p:par>
-                      </p:childTnLst>
-                    </p:cTn>
-                  </p:par>
-                  <p:par>
-                    <p:cTn id="27" fill="hold">
-                      <p:stCondLst>
-                        <p:cond delay="indefinite"/>
-                      </p:stCondLst>
-                      <p:childTnLst>
-                        <p:par>
-                          <p:cTn id="28" fill="hold">
-                            <p:stCondLst>
-                              <p:cond delay="0"/>
-                            </p:stCondLst>
-                            <p:childTnLst>
-                              <p:par>
-                                <p:cTn id="29" presetID="1" presetClass="entr" presetSubtype="0" fill="hold" nodeType="clickEffect">
-                                  <p:stCondLst>
-                                    <p:cond delay="0"/>
-                                  </p:stCondLst>
-                                  <p:childTnLst>
-                                    <p:set>
-                                      <p:cBhvr>
-                                        <p:cTn id="30" dur="1" fill="hold">
-                                          <p:stCondLst>
-                                            <p:cond delay="0"/>
-                                          </p:stCondLst>
-                                        </p:cTn>
-                                        <p:tgtEl>
-                                          <p:spTgt spid="4">
-                                            <p:txEl>
-                                              <p:pRg st="7" end="7"/>
-                                            </p:txEl>
-                                          </p:spTgt>
-                                        </p:tgtEl>
-                                        <p:attrNameLst>
-                                          <p:attrName>style.visibility</p:attrName>
-                                        </p:attrNameLst>
-                                      </p:cBhvr>
-                                      <p:to>
-                                        <p:strVal val="visible"/>
-                                      </p:to>
-                                    </p:set>
-                                  </p:childTnLst>
-                                </p:cTn>
-                              </p:par>
-                            </p:childTnLst>
-                          </p:cTn>
-                        </p:par>
-                      </p:childTnLst>
-                    </p:cTn>
-                  </p:par>
                 </p:childTnLst>
               </p:cTn>
               <p:prevCondLst>
@@ -4620,14 +4424,19 @@
             <p:ph type="title"/>
           </p:nvPr>
         </p:nvSpPr>
-        <p:spPr/>
+        <p:spPr>
+          <a:xfrm>
+            <a:off x="628650" y="202005"/>
+            <a:ext cx="7886700" cy="994172"/>
+          </a:xfrm>
+        </p:spPr>
         <p:txBody>
           <a:bodyPr/>
           <a:lstStyle/>
           <a:p>
             <a:r>
               <a:rPr lang="en-US" dirty="0"/>
-              <a:t>Overview of Experiments</a:t>
+              <a:t>Introduction</a:t>
             </a:r>
           </a:p>
         </p:txBody>
@@ -4650,7 +4459,500 @@
         </p:nvSpPr>
         <p:spPr>
           <a:xfrm>
-            <a:off x="628649" y="1034155"/>
+            <a:off x="628650" y="1037152"/>
+            <a:ext cx="7886700" cy="3316188"/>
+          </a:xfrm>
+        </p:spPr>
+        <p:txBody>
+          <a:bodyPr>
+            <a:normAutofit/>
+          </a:bodyPr>
+          <a:lstStyle/>
+          <a:p>
+            <a:pPr>
+              <a:buClr>
+                <a:schemeClr val="tx1"/>
+              </a:buClr>
+            </a:pPr>
+            <a:r>
+              <a:rPr lang="en-US" sz="2000" b="1" dirty="0">
+                <a:solidFill>
+                  <a:srgbClr val="1E4383"/>
+                </a:solidFill>
+              </a:rPr>
+              <a:t>Changed-Goal Hypothesis </a:t>
+            </a:r>
+            <a:r>
+              <a:rPr lang="en-US" sz="2000" dirty="0"/>
+              <a:t>vs</a:t>
+            </a:r>
+            <a:r>
+              <a:rPr lang="en-US" sz="2000" b="1" dirty="0">
+                <a:solidFill>
+                  <a:srgbClr val="1E4383"/>
+                </a:solidFill>
+              </a:rPr>
+              <a:t> Strategic Relational Encoding</a:t>
+            </a:r>
+          </a:p>
+          <a:p>
+            <a:pPr lvl="1">
+              <a:buClr>
+                <a:schemeClr val="tx1"/>
+              </a:buClr>
+            </a:pPr>
+            <a:r>
+              <a:rPr lang="en-US" sz="1700" dirty="0"/>
+              <a:t>Changed-goal – participants focus on mastering easy study items</a:t>
+            </a:r>
+          </a:p>
+          <a:p>
+            <a:pPr lvl="1">
+              <a:buClr>
+                <a:schemeClr val="tx1"/>
+              </a:buClr>
+            </a:pPr>
+            <a:r>
+              <a:rPr lang="en-US" sz="1700" dirty="0"/>
+              <a:t>Strategic relational encoding – JOLs cause participants to engage in relational encoding for related study pairs</a:t>
+            </a:r>
+          </a:p>
+          <a:p>
+            <a:pPr>
+              <a:buClr>
+                <a:schemeClr val="tx1"/>
+              </a:buClr>
+            </a:pPr>
+            <a:r>
+              <a:rPr lang="en-US" sz="2000" dirty="0"/>
+              <a:t>Changed-goal predicts </a:t>
+            </a:r>
+            <a:r>
+              <a:rPr lang="en-US" sz="2000" b="1" dirty="0">
+                <a:solidFill>
+                  <a:srgbClr val="1E4383"/>
+                </a:solidFill>
+              </a:rPr>
+              <a:t>positive reactivity </a:t>
+            </a:r>
+            <a:r>
+              <a:rPr lang="en-US" sz="2000" dirty="0"/>
+              <a:t>for </a:t>
+            </a:r>
+            <a:r>
+              <a:rPr lang="en-US" sz="2000" b="1" dirty="0">
+                <a:solidFill>
+                  <a:srgbClr val="1E4383"/>
+                </a:solidFill>
+              </a:rPr>
+              <a:t>related pairs</a:t>
+            </a:r>
+            <a:r>
+              <a:rPr lang="en-US" sz="2000" dirty="0"/>
+              <a:t>, </a:t>
+            </a:r>
+            <a:r>
+              <a:rPr lang="en-US" sz="2000" b="1" dirty="0">
+                <a:solidFill>
+                  <a:srgbClr val="00B0F0"/>
+                </a:solidFill>
+              </a:rPr>
+              <a:t>negative reactivity</a:t>
+            </a:r>
+            <a:r>
+              <a:rPr lang="en-US" sz="2000" dirty="0"/>
+              <a:t> for </a:t>
+            </a:r>
+            <a:r>
+              <a:rPr lang="en-US" sz="2000" b="1" dirty="0">
+                <a:solidFill>
+                  <a:srgbClr val="00B0F0"/>
+                </a:solidFill>
+              </a:rPr>
+              <a:t>unrelated pairs</a:t>
+            </a:r>
+            <a:r>
+              <a:rPr lang="en-US" sz="2000" dirty="0"/>
+              <a:t>.</a:t>
+            </a:r>
+          </a:p>
+          <a:p>
+            <a:pPr>
+              <a:buClr>
+                <a:schemeClr val="tx1"/>
+              </a:buClr>
+            </a:pPr>
+            <a:r>
+              <a:rPr lang="en-US" sz="2000" dirty="0"/>
+              <a:t>Strategic relational encoding predicts </a:t>
+            </a:r>
+            <a:r>
+              <a:rPr lang="en-US" sz="2000" b="1" dirty="0">
+                <a:solidFill>
+                  <a:srgbClr val="1E4383"/>
+                </a:solidFill>
+              </a:rPr>
+              <a:t>positive reactivity </a:t>
+            </a:r>
+            <a:r>
+              <a:rPr lang="en-US" sz="2000" dirty="0"/>
+              <a:t>for </a:t>
+            </a:r>
+            <a:r>
+              <a:rPr lang="en-US" sz="2000" b="1" dirty="0">
+                <a:solidFill>
+                  <a:srgbClr val="1E4383"/>
+                </a:solidFill>
+              </a:rPr>
+              <a:t>related pairs</a:t>
+            </a:r>
+            <a:r>
+              <a:rPr lang="en-US" sz="2000" dirty="0"/>
+              <a:t>, </a:t>
+            </a:r>
+            <a:r>
+              <a:rPr lang="en-US" sz="2000" b="1" dirty="0">
+                <a:solidFill>
+                  <a:srgbClr val="00B0F0"/>
+                </a:solidFill>
+              </a:rPr>
+              <a:t>no reactivity</a:t>
+            </a:r>
+            <a:r>
+              <a:rPr lang="en-US" sz="2000" dirty="0"/>
+              <a:t> for </a:t>
+            </a:r>
+            <a:r>
+              <a:rPr lang="en-US" sz="2000" b="1" dirty="0">
+                <a:solidFill>
+                  <a:srgbClr val="00B0F0"/>
+                </a:solidFill>
+              </a:rPr>
+              <a:t>unrelated pairs</a:t>
+            </a:r>
+            <a:r>
+              <a:rPr lang="en-US" sz="2000" dirty="0"/>
+              <a:t>.</a:t>
+            </a:r>
+          </a:p>
+        </p:txBody>
+      </p:sp>
+    </p:spTree>
+    <p:extLst>
+      <p:ext uri="{BB962C8B-B14F-4D97-AF65-F5344CB8AC3E}">
+        <p14:creationId xmlns:p14="http://schemas.microsoft.com/office/powerpoint/2010/main" val="2503991161"/>
+      </p:ext>
+    </p:extLst>
+  </p:cSld>
+  <p:clrMapOvr>
+    <a:masterClrMapping/>
+  </p:clrMapOvr>
+  <p:timing>
+    <p:tnLst>
+      <p:par>
+        <p:cTn id="1" dur="indefinite" restart="never" nodeType="tmRoot">
+          <p:childTnLst>
+            <p:seq concurrent="1" nextAc="seek">
+              <p:cTn id="2" dur="indefinite" nodeType="mainSeq">
+                <p:childTnLst>
+                  <p:par>
+                    <p:cTn id="3" fill="hold">
+                      <p:stCondLst>
+                        <p:cond delay="indefinite"/>
+                      </p:stCondLst>
+                      <p:childTnLst>
+                        <p:par>
+                          <p:cTn id="4" fill="hold">
+                            <p:stCondLst>
+                              <p:cond delay="0"/>
+                            </p:stCondLst>
+                            <p:childTnLst>
+                              <p:par>
+                                <p:cTn id="5" presetID="1" presetClass="entr" presetSubtype="0" fill="hold" nodeType="clickEffect">
+                                  <p:stCondLst>
+                                    <p:cond delay="0"/>
+                                  </p:stCondLst>
+                                  <p:childTnLst>
+                                    <p:set>
+                                      <p:cBhvr>
+                                        <p:cTn id="6" dur="1" fill="hold">
+                                          <p:stCondLst>
+                                            <p:cond delay="0"/>
+                                          </p:stCondLst>
+                                        </p:cTn>
+                                        <p:tgtEl>
+                                          <p:spTgt spid="4">
+                                            <p:txEl>
+                                              <p:pRg st="1" end="1"/>
+                                            </p:txEl>
+                                          </p:spTgt>
+                                        </p:tgtEl>
+                                        <p:attrNameLst>
+                                          <p:attrName>style.visibility</p:attrName>
+                                        </p:attrNameLst>
+                                      </p:cBhvr>
+                                      <p:to>
+                                        <p:strVal val="visible"/>
+                                      </p:to>
+                                    </p:set>
+                                  </p:childTnLst>
+                                </p:cTn>
+                              </p:par>
+                            </p:childTnLst>
+                          </p:cTn>
+                        </p:par>
+                      </p:childTnLst>
+                    </p:cTn>
+                  </p:par>
+                  <p:par>
+                    <p:cTn id="7" fill="hold">
+                      <p:stCondLst>
+                        <p:cond delay="indefinite"/>
+                      </p:stCondLst>
+                      <p:childTnLst>
+                        <p:par>
+                          <p:cTn id="8" fill="hold">
+                            <p:stCondLst>
+                              <p:cond delay="0"/>
+                            </p:stCondLst>
+                            <p:childTnLst>
+                              <p:par>
+                                <p:cTn id="9" presetID="1" presetClass="entr" presetSubtype="0" fill="hold" nodeType="clickEffect">
+                                  <p:stCondLst>
+                                    <p:cond delay="0"/>
+                                  </p:stCondLst>
+                                  <p:childTnLst>
+                                    <p:set>
+                                      <p:cBhvr>
+                                        <p:cTn id="10" dur="1" fill="hold">
+                                          <p:stCondLst>
+                                            <p:cond delay="0"/>
+                                          </p:stCondLst>
+                                        </p:cTn>
+                                        <p:tgtEl>
+                                          <p:spTgt spid="4">
+                                            <p:txEl>
+                                              <p:pRg st="2" end="2"/>
+                                            </p:txEl>
+                                          </p:spTgt>
+                                        </p:tgtEl>
+                                        <p:attrNameLst>
+                                          <p:attrName>style.visibility</p:attrName>
+                                        </p:attrNameLst>
+                                      </p:cBhvr>
+                                      <p:to>
+                                        <p:strVal val="visible"/>
+                                      </p:to>
+                                    </p:set>
+                                  </p:childTnLst>
+                                </p:cTn>
+                              </p:par>
+                            </p:childTnLst>
+                          </p:cTn>
+                        </p:par>
+                      </p:childTnLst>
+                    </p:cTn>
+                  </p:par>
+                  <p:par>
+                    <p:cTn id="11" fill="hold">
+                      <p:stCondLst>
+                        <p:cond delay="indefinite"/>
+                      </p:stCondLst>
+                      <p:childTnLst>
+                        <p:par>
+                          <p:cTn id="12" fill="hold">
+                            <p:stCondLst>
+                              <p:cond delay="0"/>
+                            </p:stCondLst>
+                            <p:childTnLst>
+                              <p:par>
+                                <p:cTn id="13" presetID="1" presetClass="entr" presetSubtype="0" fill="hold" nodeType="clickEffect">
+                                  <p:stCondLst>
+                                    <p:cond delay="0"/>
+                                  </p:stCondLst>
+                                  <p:childTnLst>
+                                    <p:set>
+                                      <p:cBhvr>
+                                        <p:cTn id="14" dur="1" fill="hold">
+                                          <p:stCondLst>
+                                            <p:cond delay="0"/>
+                                          </p:stCondLst>
+                                        </p:cTn>
+                                        <p:tgtEl>
+                                          <p:spTgt spid="4">
+                                            <p:txEl>
+                                              <p:pRg st="3" end="3"/>
+                                            </p:txEl>
+                                          </p:spTgt>
+                                        </p:tgtEl>
+                                        <p:attrNameLst>
+                                          <p:attrName>style.visibility</p:attrName>
+                                        </p:attrNameLst>
+                                      </p:cBhvr>
+                                      <p:to>
+                                        <p:strVal val="visible"/>
+                                      </p:to>
+                                    </p:set>
+                                  </p:childTnLst>
+                                </p:cTn>
+                              </p:par>
+                            </p:childTnLst>
+                          </p:cTn>
+                        </p:par>
+                      </p:childTnLst>
+                    </p:cTn>
+                  </p:par>
+                  <p:par>
+                    <p:cTn id="15" fill="hold">
+                      <p:stCondLst>
+                        <p:cond delay="indefinite"/>
+                      </p:stCondLst>
+                      <p:childTnLst>
+                        <p:par>
+                          <p:cTn id="16" fill="hold">
+                            <p:stCondLst>
+                              <p:cond delay="0"/>
+                            </p:stCondLst>
+                            <p:childTnLst>
+                              <p:par>
+                                <p:cTn id="17" presetID="1" presetClass="entr" presetSubtype="0" fill="hold" nodeType="clickEffect">
+                                  <p:stCondLst>
+                                    <p:cond delay="0"/>
+                                  </p:stCondLst>
+                                  <p:childTnLst>
+                                    <p:set>
+                                      <p:cBhvr>
+                                        <p:cTn id="18" dur="1" fill="hold">
+                                          <p:stCondLst>
+                                            <p:cond delay="0"/>
+                                          </p:stCondLst>
+                                        </p:cTn>
+                                        <p:tgtEl>
+                                          <p:spTgt spid="4">
+                                            <p:txEl>
+                                              <p:pRg st="4" end="4"/>
+                                            </p:txEl>
+                                          </p:spTgt>
+                                        </p:tgtEl>
+                                        <p:attrNameLst>
+                                          <p:attrName>style.visibility</p:attrName>
+                                        </p:attrNameLst>
+                                      </p:cBhvr>
+                                      <p:to>
+                                        <p:strVal val="visible"/>
+                                      </p:to>
+                                    </p:set>
+                                  </p:childTnLst>
+                                </p:cTn>
+                              </p:par>
+                            </p:childTnLst>
+                          </p:cTn>
+                        </p:par>
+                      </p:childTnLst>
+                    </p:cTn>
+                  </p:par>
+                </p:childTnLst>
+              </p:cTn>
+              <p:prevCondLst>
+                <p:cond evt="onPrev" delay="0">
+                  <p:tgtEl>
+                    <p:sldTgt/>
+                  </p:tgtEl>
+                </p:cond>
+              </p:prevCondLst>
+              <p:nextCondLst>
+                <p:cond evt="onNext" delay="0">
+                  <p:tgtEl>
+                    <p:sldTgt/>
+                  </p:tgtEl>
+                </p:cond>
+              </p:nextCondLst>
+            </p:seq>
+          </p:childTnLst>
+        </p:cTn>
+      </p:par>
+    </p:tnLst>
+  </p:timing>
+</p:sld>
+</file>
+
+<file path=ppt/slides/slide4.xml><?xml version="1.0" encoding="utf-8"?>
+<p:sld xmlns:a="http://schemas.openxmlformats.org/drawingml/2006/main" xmlns:r="http://schemas.openxmlformats.org/officeDocument/2006/relationships" xmlns:p="http://schemas.openxmlformats.org/presentationml/2006/main">
+  <p:cSld>
+    <p:bg>
+      <p:bgPr>
+        <a:solidFill>
+          <a:schemeClr val="bg1"/>
+        </a:solidFill>
+        <a:effectLst/>
+      </p:bgPr>
+    </p:bg>
+    <p:spTree>
+      <p:nvGrpSpPr>
+        <p:cNvPr id="1" name=""/>
+        <p:cNvGrpSpPr/>
+        <p:nvPr/>
+      </p:nvGrpSpPr>
+      <p:grpSpPr>
+        <a:xfrm>
+          <a:off x="0" y="0"/>
+          <a:ext cx="0" cy="0"/>
+          <a:chOff x="0" y="0"/>
+          <a:chExt cx="0" cy="0"/>
+        </a:xfrm>
+      </p:grpSpPr>
+      <p:sp>
+        <p:nvSpPr>
+          <p:cNvPr id="3" name="Title 2">
+            <a:extLst>
+              <a:ext uri="{FF2B5EF4-FFF2-40B4-BE49-F238E27FC236}">
+                <a16:creationId xmlns:a16="http://schemas.microsoft.com/office/drawing/2014/main" id="{4080914B-34C0-4448-BA37-486062B5B1B7}"/>
+              </a:ext>
+            </a:extLst>
+          </p:cNvPr>
+          <p:cNvSpPr>
+            <a:spLocks noGrp="1"/>
+          </p:cNvSpPr>
+          <p:nvPr>
+            <p:ph type="title"/>
+          </p:nvPr>
+        </p:nvSpPr>
+        <p:spPr>
+          <a:xfrm>
+            <a:off x="519320" y="39983"/>
+            <a:ext cx="7886700" cy="994172"/>
+          </a:xfrm>
+        </p:spPr>
+        <p:txBody>
+          <a:bodyPr/>
+          <a:lstStyle/>
+          <a:p>
+            <a:r>
+              <a:rPr lang="en-US" dirty="0"/>
+              <a:t>Overview of Experiments</a:t>
+            </a:r>
+          </a:p>
+        </p:txBody>
+      </p:sp>
+      <p:sp>
+        <p:nvSpPr>
+          <p:cNvPr id="4" name="Content Placeholder 3">
+            <a:extLst>
+              <a:ext uri="{FF2B5EF4-FFF2-40B4-BE49-F238E27FC236}">
+                <a16:creationId xmlns:a16="http://schemas.microsoft.com/office/drawing/2014/main" id="{0A7B5501-50B5-A44D-8494-E61C5F019586}"/>
+              </a:ext>
+            </a:extLst>
+          </p:cNvPr>
+          <p:cNvSpPr>
+            <a:spLocks noGrp="1"/>
+          </p:cNvSpPr>
+          <p:nvPr>
+            <p:ph idx="1"/>
+          </p:nvPr>
+        </p:nvSpPr>
+        <p:spPr>
+          <a:xfrm>
+            <a:off x="433594" y="497444"/>
             <a:ext cx="8276811" cy="3075190"/>
           </a:xfrm>
         </p:spPr>
@@ -4666,8 +4968,13 @@
             </a:endParaRPr>
           </a:p>
           <a:p>
-            <a:r>
-              <a:rPr lang="en-US" b="1" dirty="0">
+            <a:pPr>
+              <a:buClr>
+                <a:schemeClr val="tx1"/>
+              </a:buClr>
+            </a:pPr>
+            <a:r>
+              <a:rPr lang="en-US" sz="1600" b="1" dirty="0">
                 <a:solidFill>
                   <a:srgbClr val="1E4383"/>
                 </a:solidFill>
@@ -4675,20 +4982,29 @@
               <a:t>Experiment 1</a:t>
             </a:r>
             <a:r>
-              <a:rPr lang="en-US" dirty="0"/>
+              <a:rPr lang="en-US" sz="1600" dirty="0"/>
               <a:t> – JOLs vs No-JOLs</a:t>
             </a:r>
           </a:p>
           <a:p>
-            <a:pPr lvl="1"/>
-            <a:r>
-              <a:rPr lang="en-US" dirty="0"/>
+            <a:pPr lvl="1">
+              <a:buClr>
+                <a:schemeClr val="tx1"/>
+              </a:buClr>
+            </a:pPr>
+            <a:r>
+              <a:rPr lang="en-US" sz="1400" dirty="0"/>
               <a:t>H1: Positive reactivity for related pairs, no reactivity for unrelated pairs</a:t>
             </a:r>
           </a:p>
           <a:p>
-            <a:r>
-              <a:rPr lang="en-US" b="1" dirty="0">
+            <a:pPr>
+              <a:buClr>
+                <a:schemeClr val="tx1"/>
+              </a:buClr>
+            </a:pPr>
+            <a:r>
+              <a:rPr lang="en-US" sz="1600" b="1" dirty="0">
                 <a:solidFill>
                   <a:srgbClr val="1E4383"/>
                 </a:solidFill>
@@ -4696,20 +5012,29 @@
               <a:t>Experiment 2 </a:t>
             </a:r>
             <a:r>
-              <a:rPr lang="en-US" dirty="0"/>
+              <a:rPr lang="en-US" sz="1600" dirty="0"/>
               <a:t>– JOLs vs Relational Encoding vs Vowel Counting vs No-JOL</a:t>
             </a:r>
           </a:p>
           <a:p>
-            <a:pPr lvl="1"/>
-            <a:r>
-              <a:rPr lang="en-US" dirty="0"/>
+            <a:pPr lvl="1">
+              <a:buClr>
+                <a:schemeClr val="tx1"/>
+              </a:buClr>
+            </a:pPr>
+            <a:r>
+              <a:rPr lang="en-US" sz="1400" dirty="0"/>
               <a:t>H1: Relational encoding should mimic JOL reactivity for related pairs and should also boost recall of unrelated pairs</a:t>
             </a:r>
           </a:p>
           <a:p>
-            <a:r>
-              <a:rPr lang="en-US" b="1" dirty="0">
+            <a:pPr>
+              <a:buClr>
+                <a:schemeClr val="tx1"/>
+              </a:buClr>
+            </a:pPr>
+            <a:r>
+              <a:rPr lang="en-US" sz="1600" b="1" dirty="0">
                 <a:solidFill>
                   <a:srgbClr val="1E4383"/>
                 </a:solidFill>
@@ -4717,15 +5042,150 @@
               <a:t>Experiment 3 </a:t>
             </a:r>
             <a:r>
-              <a:rPr lang="en-US" dirty="0"/>
+              <a:rPr lang="en-US" sz="1600" dirty="0"/>
               <a:t>– JOLs vs Frequency Judgments vs No-JOLs</a:t>
             </a:r>
           </a:p>
           <a:p>
-            <a:pPr lvl="1"/>
-            <a:r>
-              <a:rPr lang="en-US" dirty="0"/>
+            <a:pPr lvl="1">
+              <a:buClr>
+                <a:schemeClr val="tx1"/>
+              </a:buClr>
+            </a:pPr>
+            <a:r>
+              <a:rPr lang="en-US" sz="1400" dirty="0"/>
               <a:t>H1: Frequency judgments should display the same reactivity pattern as JOLs</a:t>
+            </a:r>
+            <a:endParaRPr lang="en-US" sz="1600" dirty="0"/>
+          </a:p>
+        </p:txBody>
+      </p:sp>
+      <p:graphicFrame>
+        <p:nvGraphicFramePr>
+          <p:cNvPr id="5" name="Content Placeholder 4">
+            <a:extLst>
+              <a:ext uri="{FF2B5EF4-FFF2-40B4-BE49-F238E27FC236}">
+                <a16:creationId xmlns:a16="http://schemas.microsoft.com/office/drawing/2014/main" id="{764A3F86-86B3-4841-9174-D08871822AF8}"/>
+              </a:ext>
+            </a:extLst>
+          </p:cNvPr>
+          <p:cNvGraphicFramePr>
+            <a:graphicFrameLocks/>
+          </p:cNvGraphicFramePr>
+          <p:nvPr>
+            <p:extLst>
+              <p:ext uri="{D42A27DB-BD31-4B8C-83A1-F6EECF244321}">
+                <p14:modId xmlns:p14="http://schemas.microsoft.com/office/powerpoint/2010/main" val="627441278"/>
+              </p:ext>
+            </p:extLst>
+          </p:nvPr>
+        </p:nvGraphicFramePr>
+        <p:xfrm>
+          <a:off x="1908312" y="2640355"/>
+          <a:ext cx="4959627" cy="1127867"/>
+        </p:xfrm>
+        <a:graphic>
+          <a:graphicData uri="http://schemas.openxmlformats.org/drawingml/2006/diagram">
+            <dgm:relIds xmlns:dgm="http://schemas.openxmlformats.org/drawingml/2006/diagram" xmlns:r="http://schemas.openxmlformats.org/officeDocument/2006/relationships" r:dm="rId2" r:lo="rId3" r:qs="rId4" r:cs="rId5"/>
+          </a:graphicData>
+        </a:graphic>
+      </p:graphicFrame>
+      <p:sp>
+        <p:nvSpPr>
+          <p:cNvPr id="2" name="TextBox 1">
+            <a:extLst>
+              <a:ext uri="{FF2B5EF4-FFF2-40B4-BE49-F238E27FC236}">
+                <a16:creationId xmlns:a16="http://schemas.microsoft.com/office/drawing/2014/main" id="{6D09D123-FA16-4C1B-B7FF-287CEF4C5CAD}"/>
+              </a:ext>
+            </a:extLst>
+          </p:cNvPr>
+          <p:cNvSpPr txBox="1"/>
+          <p:nvPr/>
+        </p:nvSpPr>
+        <p:spPr>
+          <a:xfrm>
+            <a:off x="309354" y="3828119"/>
+            <a:ext cx="8525289" cy="738664"/>
+          </a:xfrm>
+          <a:prstGeom prst="rect">
+            <a:avLst/>
+          </a:prstGeom>
+          <a:noFill/>
+        </p:spPr>
+        <p:txBody>
+          <a:bodyPr wrap="square" rtlCol="0">
+            <a:spAutoFit/>
+          </a:bodyPr>
+          <a:lstStyle/>
+          <a:p>
+            <a:pPr marL="285750" indent="-285750">
+              <a:buClr>
+                <a:schemeClr val="tx1"/>
+              </a:buClr>
+              <a:buFont typeface="Arial" panose="020B0604020202020204" pitchFamily="34" charset="0"/>
+              <a:buChar char="•"/>
+            </a:pPr>
+            <a:r>
+              <a:rPr lang="en-US" sz="1400" dirty="0"/>
+              <a:t>40</a:t>
+            </a:r>
+            <a:r>
+              <a:rPr lang="en-US" sz="1400" b="1" dirty="0">
+                <a:solidFill>
+                  <a:srgbClr val="1E4383"/>
+                </a:solidFill>
+              </a:rPr>
+              <a:t> forward</a:t>
+            </a:r>
+            <a:r>
+              <a:rPr lang="en-US" sz="1400" dirty="0"/>
+              <a:t> (e.g., Credit-Card), </a:t>
+            </a:r>
+            <a:r>
+              <a:rPr lang="en-US" sz="1400" b="1" dirty="0">
+                <a:solidFill>
+                  <a:srgbClr val="1E4383"/>
+                </a:solidFill>
+              </a:rPr>
+              <a:t>backward</a:t>
+            </a:r>
+            <a:r>
+              <a:rPr lang="en-US" sz="1400" dirty="0"/>
+              <a:t> (e.g., Card-Credit), </a:t>
+            </a:r>
+            <a:r>
+              <a:rPr lang="en-US" sz="1400" b="1" dirty="0">
+                <a:solidFill>
+                  <a:srgbClr val="1E4383"/>
+                </a:solidFill>
+              </a:rPr>
+              <a:t>symmetrical</a:t>
+            </a:r>
+            <a:r>
+              <a:rPr lang="en-US" sz="1400" dirty="0"/>
+              <a:t> (e.g., King-Queen), and </a:t>
+            </a:r>
+            <a:r>
+              <a:rPr lang="en-US" sz="1400" b="1" dirty="0">
+                <a:solidFill>
+                  <a:srgbClr val="1E4383"/>
+                </a:solidFill>
+              </a:rPr>
+              <a:t>unrelated</a:t>
+            </a:r>
+            <a:r>
+              <a:rPr lang="en-US" sz="1400" dirty="0"/>
+              <a:t> (e.g., artery-bronze) pairs were generated using the Nelson et al. (2004) free association norms.</a:t>
+            </a:r>
+          </a:p>
+          <a:p>
+            <a:pPr marL="285750" indent="-285750">
+              <a:buFont typeface="Arial" panose="020B0604020202020204" pitchFamily="34" charset="0"/>
+              <a:buChar char="•"/>
+            </a:pPr>
+            <a:r>
+              <a:rPr lang="en-US" sz="1400" dirty="0"/>
+              <a:t>Study lists were matched on FSG, length, concreteness, and frequency.</a:t>
             </a:r>
           </a:p>
         </p:txBody>
@@ -4988,272 +5448,33 @@
                       </p:childTnLst>
                     </p:cTn>
                   </p:par>
-                </p:childTnLst>
-              </p:cTn>
-              <p:prevCondLst>
-                <p:cond evt="onPrev" delay="0">
-                  <p:tgtEl>
-                    <p:sldTgt/>
-                  </p:tgtEl>
-                </p:cond>
-              </p:prevCondLst>
-              <p:nextCondLst>
-                <p:cond evt="onNext" delay="0">
-                  <p:tgtEl>
-                    <p:sldTgt/>
-                  </p:tgtEl>
-                </p:cond>
-              </p:nextCondLst>
-            </p:seq>
-          </p:childTnLst>
-        </p:cTn>
-      </p:par>
-    </p:tnLst>
-  </p:timing>
-</p:sld>
-</file>
-
-<file path=ppt/slides/slide4.xml><?xml version="1.0" encoding="utf-8"?>
-<p:sld xmlns:a="http://schemas.openxmlformats.org/drawingml/2006/main" xmlns:r="http://schemas.openxmlformats.org/officeDocument/2006/relationships" xmlns:p="http://schemas.openxmlformats.org/presentationml/2006/main">
-  <p:cSld>
-    <p:bg>
-      <p:bgPr>
-        <a:solidFill>
-          <a:schemeClr val="bg1"/>
-        </a:solidFill>
-        <a:effectLst/>
-      </p:bgPr>
-    </p:bg>
-    <p:spTree>
-      <p:nvGrpSpPr>
-        <p:cNvPr id="1" name=""/>
-        <p:cNvGrpSpPr/>
-        <p:nvPr/>
-      </p:nvGrpSpPr>
-      <p:grpSpPr>
-        <a:xfrm>
-          <a:off x="0" y="0"/>
-          <a:ext cx="0" cy="0"/>
-          <a:chOff x="0" y="0"/>
-          <a:chExt cx="0" cy="0"/>
-        </a:xfrm>
-      </p:grpSpPr>
-      <p:sp>
-        <p:nvSpPr>
-          <p:cNvPr id="3" name="Title 2">
-            <a:extLst>
-              <a:ext uri="{FF2B5EF4-FFF2-40B4-BE49-F238E27FC236}">
-                <a16:creationId xmlns:a16="http://schemas.microsoft.com/office/drawing/2014/main" id="{4080914B-34C0-4448-BA37-486062B5B1B7}"/>
-              </a:ext>
-            </a:extLst>
-          </p:cNvPr>
-          <p:cNvSpPr>
-            <a:spLocks noGrp="1"/>
-          </p:cNvSpPr>
-          <p:nvPr>
-            <p:ph type="title"/>
-          </p:nvPr>
-        </p:nvSpPr>
-        <p:spPr>
-          <a:xfrm>
-            <a:off x="511844" y="249258"/>
-            <a:ext cx="7886700" cy="994172"/>
-          </a:xfrm>
-        </p:spPr>
-        <p:txBody>
-          <a:bodyPr/>
-          <a:lstStyle/>
-          <a:p>
-            <a:r>
-              <a:rPr lang="en-US" dirty="0"/>
-              <a:t>Materials and General Procedure</a:t>
-            </a:r>
-          </a:p>
-        </p:txBody>
-      </p:sp>
-      <p:sp>
-        <p:nvSpPr>
-          <p:cNvPr id="12" name="TextBox 11">
-            <a:extLst>
-              <a:ext uri="{FF2B5EF4-FFF2-40B4-BE49-F238E27FC236}">
-                <a16:creationId xmlns:a16="http://schemas.microsoft.com/office/drawing/2014/main" id="{6E80169B-1F3D-467F-8AE3-3C66332ACC4E}"/>
-              </a:ext>
-            </a:extLst>
-          </p:cNvPr>
-          <p:cNvSpPr txBox="1"/>
-          <p:nvPr/>
-        </p:nvSpPr>
-        <p:spPr>
-          <a:xfrm>
-            <a:off x="499442" y="1031298"/>
-            <a:ext cx="8097906" cy="1200329"/>
-          </a:xfrm>
-          <a:prstGeom prst="rect">
-            <a:avLst/>
-          </a:prstGeom>
-          <a:noFill/>
-        </p:spPr>
-        <p:txBody>
-          <a:bodyPr wrap="square" rtlCol="0">
-            <a:spAutoFit/>
-          </a:bodyPr>
-          <a:lstStyle/>
-          <a:p>
-            <a:pPr marL="285750" indent="-285750">
-              <a:buFont typeface="Arial" panose="020B0604020202020204" pitchFamily="34" charset="0"/>
-              <a:buChar char="•"/>
-            </a:pPr>
-            <a:r>
-              <a:rPr lang="en-US" dirty="0"/>
-              <a:t>180 pairs were created using the Nelson et al. (2004) free association norms.</a:t>
-            </a:r>
-          </a:p>
-          <a:p>
-            <a:pPr marL="742950" lvl="1" indent="-285750">
-              <a:buFont typeface="Arial" panose="020B0604020202020204" pitchFamily="34" charset="0"/>
-              <a:buChar char="•"/>
-            </a:pPr>
-            <a:r>
-              <a:rPr lang="en-US" dirty="0"/>
-              <a:t>40 Forward </a:t>
-            </a:r>
-            <a:r>
-              <a:rPr lang="en-US" b="1" dirty="0">
-                <a:solidFill>
-                  <a:srgbClr val="1E4383"/>
-                </a:solidFill>
-              </a:rPr>
-              <a:t>(e.g., Credit-Card)</a:t>
-            </a:r>
-            <a:r>
-              <a:rPr lang="en-US" dirty="0"/>
-              <a:t>, Backward </a:t>
-            </a:r>
-            <a:r>
-              <a:rPr lang="en-US" b="1" dirty="0">
-                <a:solidFill>
-                  <a:srgbClr val="1E4383"/>
-                </a:solidFill>
-              </a:rPr>
-              <a:t>(e.g., Card-Credit)</a:t>
-            </a:r>
-            <a:r>
-              <a:rPr lang="en-US" dirty="0"/>
-              <a:t>, Symmetrical </a:t>
-            </a:r>
-            <a:r>
-              <a:rPr lang="en-US" b="1" dirty="0">
-                <a:solidFill>
-                  <a:srgbClr val="1E4383"/>
-                </a:solidFill>
-              </a:rPr>
-              <a:t>(e.g., King-Queen)</a:t>
-            </a:r>
-            <a:r>
-              <a:rPr lang="en-US" dirty="0"/>
-              <a:t>, and Unrelated </a:t>
-            </a:r>
-            <a:r>
-              <a:rPr lang="en-US" b="1" dirty="0">
-                <a:solidFill>
-                  <a:srgbClr val="1E4383"/>
-                </a:solidFill>
-              </a:rPr>
-              <a:t>(e.g., Artery-Bronze) </a:t>
-            </a:r>
-            <a:r>
-              <a:rPr lang="en-US" dirty="0"/>
-              <a:t>study pairs</a:t>
-            </a:r>
-          </a:p>
-          <a:p>
-            <a:pPr marL="285750" indent="-285750">
-              <a:buFont typeface="Arial" panose="020B0604020202020204" pitchFamily="34" charset="0"/>
-              <a:buChar char="•"/>
-            </a:pPr>
-            <a:r>
-              <a:rPr lang="en-US" dirty="0"/>
-              <a:t>All study lists were matched on FSG, length, concreteness, and frequency.</a:t>
-            </a:r>
-          </a:p>
-        </p:txBody>
-      </p:sp>
-      <p:graphicFrame>
-        <p:nvGraphicFramePr>
-          <p:cNvPr id="17" name="Content Placeholder 4">
-            <a:extLst>
-              <a:ext uri="{FF2B5EF4-FFF2-40B4-BE49-F238E27FC236}">
-                <a16:creationId xmlns:a16="http://schemas.microsoft.com/office/drawing/2014/main" id="{89D219EB-A89F-4B65-A37D-89E15E972678}"/>
-              </a:ext>
-            </a:extLst>
-          </p:cNvPr>
-          <p:cNvGraphicFramePr>
-            <a:graphicFrameLocks noGrp="1"/>
-          </p:cNvGraphicFramePr>
-          <p:nvPr>
-            <p:ph idx="1"/>
-            <p:extLst>
-              <p:ext uri="{D42A27DB-BD31-4B8C-83A1-F6EECF244321}">
-                <p14:modId xmlns:p14="http://schemas.microsoft.com/office/powerpoint/2010/main" val="320660913"/>
-              </p:ext>
-            </p:extLst>
-          </p:nvPr>
-        </p:nvGraphicFramePr>
-        <p:xfrm>
-          <a:off x="844826" y="1831503"/>
-          <a:ext cx="7220736" cy="2714740"/>
-        </p:xfrm>
-        <a:graphic>
-          <a:graphicData uri="http://schemas.openxmlformats.org/drawingml/2006/diagram">
-            <dgm:relIds xmlns:dgm="http://schemas.openxmlformats.org/drawingml/2006/diagram" xmlns:r="http://schemas.openxmlformats.org/officeDocument/2006/relationships" r:dm="rId2" r:lo="rId3" r:qs="rId4" r:cs="rId5"/>
-          </a:graphicData>
-        </a:graphic>
-      </p:graphicFrame>
-    </p:spTree>
-    <p:extLst>
-      <p:ext uri="{BB962C8B-B14F-4D97-AF65-F5344CB8AC3E}">
-        <p14:creationId xmlns:p14="http://schemas.microsoft.com/office/powerpoint/2010/main" val="317503229"/>
-      </p:ext>
-    </p:extLst>
-  </p:cSld>
-  <p:clrMapOvr>
-    <a:masterClrMapping/>
-  </p:clrMapOvr>
-  <p:timing>
-    <p:tnLst>
-      <p:par>
-        <p:cTn id="1" dur="indefinite" restart="never" nodeType="tmRoot">
-          <p:childTnLst>
-            <p:seq concurrent="1" nextAc="seek">
-              <p:cTn id="2" dur="indefinite" nodeType="mainSeq">
-                <p:childTnLst>
                   <p:par>
-                    <p:cTn id="3" fill="hold">
+                    <p:cTn id="21" fill="hold">
                       <p:stCondLst>
                         <p:cond delay="indefinite"/>
                       </p:stCondLst>
                       <p:childTnLst>
                         <p:par>
-                          <p:cTn id="4" fill="hold">
+                          <p:cTn id="22" fill="hold">
                             <p:stCondLst>
                               <p:cond delay="0"/>
                             </p:stCondLst>
                             <p:childTnLst>
                               <p:par>
-                                <p:cTn id="5" presetID="1" presetClass="entr" presetSubtype="0" fill="hold" grpId="0" nodeType="clickEffect">
+                                <p:cTn id="23" presetID="1" presetClass="entr" presetSubtype="0" fill="hold" grpId="0" nodeType="clickEffect">
                                   <p:stCondLst>
                                     <p:cond delay="0"/>
                                   </p:stCondLst>
                                   <p:childTnLst>
                                     <p:set>
                                       <p:cBhvr>
-                                        <p:cTn id="6" dur="1" fill="hold">
+                                        <p:cTn id="24" dur="1" fill="hold">
                                           <p:stCondLst>
                                             <p:cond delay="0"/>
                                           </p:stCondLst>
                                         </p:cTn>
                                         <p:tgtEl>
-                                          <p:spTgt spid="17"/>
+                                          <p:spTgt spid="5"/>
                                         </p:tgtEl>
                                         <p:attrNameLst>
                                           <p:attrName>style.visibility</p:attrName>
@@ -5294,7 +5515,7 @@
       </p:par>
     </p:tnLst>
     <p:bldLst>
-      <p:bldGraphic spid="17" grpId="0">
+      <p:bldGraphic spid="5" grpId="0">
         <p:bldAsOne/>
       </p:bldGraphic>
     </p:bldLst>

--- a/6 Presentations/JOL Reactivity.pptx
+++ b/6 Presentations/JOL Reactivity.pptx
@@ -7,12 +7,11 @@
   <p:sldIdLst>
     <p:sldId id="257" r:id="rId2"/>
     <p:sldId id="256" r:id="rId3"/>
-    <p:sldId id="264" r:id="rId4"/>
-    <p:sldId id="261" r:id="rId5"/>
-    <p:sldId id="259" r:id="rId6"/>
-    <p:sldId id="262" r:id="rId7"/>
-    <p:sldId id="263" r:id="rId8"/>
-    <p:sldId id="260" r:id="rId9"/>
+    <p:sldId id="261" r:id="rId4"/>
+    <p:sldId id="262" r:id="rId5"/>
+    <p:sldId id="263" r:id="rId6"/>
+    <p:sldId id="260" r:id="rId7"/>
+    <p:sldId id="264" r:id="rId8"/>
   </p:sldIdLst>
   <p:sldSz cx="9144000" cy="5143500" type="screen16x9"/>
   <p:notesSz cx="6858000" cy="9144000"/>
@@ -4045,26 +4044,21 @@
           </a:bodyPr>
           <a:lstStyle/>
           <a:p>
-            <a:pPr>
-              <a:buClr>
-                <a:schemeClr val="tx1"/>
-              </a:buClr>
-            </a:pPr>
+            <a:r>
+              <a:rPr lang="en-US" sz="2000" dirty="0">
+                <a:solidFill>
+                  <a:schemeClr val="tx1"/>
+                </a:solidFill>
+              </a:rPr>
+              <a:t>JOLs may be </a:t>
+            </a:r>
             <a:r>
               <a:rPr lang="en-US" sz="2000" b="1" dirty="0">
                 <a:solidFill>
                   <a:srgbClr val="1E4383"/>
                 </a:solidFill>
               </a:rPr>
-              <a:t>Metacognitive judgments </a:t>
-            </a:r>
-            <a:r>
-              <a:rPr lang="en-US" sz="2000" dirty="0">
-                <a:solidFill>
-                  <a:schemeClr val="tx1"/>
-                </a:solidFill>
-              </a:rPr>
-              <a:t>are commonly used to obtain information about the learning process</a:t>
+              <a:t>reactive</a:t>
             </a:r>
           </a:p>
           <a:p>
@@ -4079,29 +4073,11 @@
                   <a:srgbClr val="1E4383"/>
                 </a:solidFill>
               </a:rPr>
-              <a:t>Judgments of Learning (JOL) </a:t>
+              <a:t>Positive Reactivity </a:t>
             </a:r>
             <a:r>
               <a:rPr lang="en-US" sz="1700" dirty="0"/>
-              <a:t>– How likely to respond w/ cue if shown only target at test</a:t>
-            </a:r>
-          </a:p>
-          <a:p>
-            <a:r>
-              <a:rPr lang="en-US" sz="2000" dirty="0">
-                <a:solidFill>
-                  <a:schemeClr val="tx1"/>
-                </a:solidFill>
-              </a:rPr>
-              <a:t>JOLs may be </a:t>
-            </a:r>
-            <a:r>
-              <a:rPr lang="en-US" sz="2000" b="1" dirty="0">
-                <a:solidFill>
-                  <a:srgbClr val="1E4383"/>
-                </a:solidFill>
-              </a:rPr>
-              <a:t>reactive</a:t>
+              <a:t>– Increases in memory performance</a:t>
             </a:r>
           </a:p>
           <a:p>
@@ -4116,11 +4092,19 @@
                   <a:srgbClr val="1E4383"/>
                 </a:solidFill>
               </a:rPr>
-              <a:t>Positive Reactivity </a:t>
+              <a:t>Negative Reactivity </a:t>
             </a:r>
             <a:r>
               <a:rPr lang="en-US" sz="1700" dirty="0"/>
-              <a:t>– Increases in memory performance</a:t>
+              <a:t>– Costs to memory performance</a:t>
+            </a:r>
+            <a:r>
+              <a:rPr lang="en-US" sz="1700" dirty="0">
+                <a:highlight>
+                  <a:srgbClr val="FFFF00"/>
+                </a:highlight>
+              </a:rPr>
+              <a:t>[ADD FIGURES]</a:t>
             </a:r>
           </a:p>
           <a:p>
@@ -4129,17 +4113,40 @@
                 <a:schemeClr val="tx1"/>
               </a:buClr>
             </a:pPr>
-            <a:r>
-              <a:rPr lang="en-US" sz="1700" b="1" dirty="0">
-                <a:solidFill>
-                  <a:srgbClr val="1E4383"/>
-                </a:solidFill>
+            <a:endParaRPr lang="en-US" sz="1700" dirty="0">
+              <a:highlight>
+                <a:srgbClr val="FFFF00"/>
+              </a:highlight>
+            </a:endParaRPr>
+          </a:p>
+          <a:p>
+            <a:pPr lvl="1">
+              <a:buClr>
+                <a:schemeClr val="tx1"/>
+              </a:buClr>
+            </a:pPr>
+            <a:r>
+              <a:rPr lang="en-US" dirty="0">
+                <a:highlight>
+                  <a:srgbClr val="FFFF00"/>
+                </a:highlight>
               </a:rPr>
-              <a:t>Negative Reactivity </a:t>
-            </a:r>
-            <a:r>
-              <a:rPr lang="en-US" sz="1700" dirty="0"/>
-              <a:t>– Costs to memory performance</a:t>
+              <a:t>[SHOW SODERSTROM vs Mitchum DATA] DESCRIBE PATTERN – INSERT FIGURE</a:t>
+            </a:r>
+          </a:p>
+          <a:p>
+            <a:pPr lvl="1">
+              <a:buClr>
+                <a:schemeClr val="tx1"/>
+              </a:buClr>
+            </a:pPr>
+            <a:r>
+              <a:rPr lang="en-US" sz="1700" dirty="0">
+                <a:highlight>
+                  <a:srgbClr val="FFFF00"/>
+                </a:highlight>
+              </a:rPr>
+              <a:t>Changed-Goals vs Strategic Relational Encoding</a:t>
             </a:r>
           </a:p>
         </p:txBody>
@@ -4148,6 +4155,612 @@
     <p:extLst>
       <p:ext uri="{BB962C8B-B14F-4D97-AF65-F5344CB8AC3E}">
         <p14:creationId xmlns:p14="http://schemas.microsoft.com/office/powerpoint/2010/main" val="3069644457"/>
+      </p:ext>
+    </p:extLst>
+  </p:cSld>
+  <p:clrMapOvr>
+    <a:masterClrMapping/>
+  </p:clrMapOvr>
+  <p:timing>
+    <p:tnLst>
+      <p:par>
+        <p:cTn id="1" dur="indefinite" restart="never" nodeType="tmRoot">
+          <p:childTnLst>
+            <p:seq concurrent="1" nextAc="seek">
+              <p:cTn id="2" dur="indefinite" nodeType="mainSeq">
+                <p:childTnLst>
+                  <p:par>
+                    <p:cTn id="3" fill="hold">
+                      <p:stCondLst>
+                        <p:cond delay="indefinite"/>
+                      </p:stCondLst>
+                      <p:childTnLst>
+                        <p:par>
+                          <p:cTn id="4" fill="hold">
+                            <p:stCondLst>
+                              <p:cond delay="0"/>
+                            </p:stCondLst>
+                            <p:childTnLst>
+                              <p:par>
+                                <p:cTn id="5" presetID="1" presetClass="entr" presetSubtype="0" fill="hold" nodeType="clickEffect">
+                                  <p:stCondLst>
+                                    <p:cond delay="0"/>
+                                  </p:stCondLst>
+                                  <p:childTnLst>
+                                    <p:set>
+                                      <p:cBhvr>
+                                        <p:cTn id="6" dur="1" fill="hold">
+                                          <p:stCondLst>
+                                            <p:cond delay="0"/>
+                                          </p:stCondLst>
+                                        </p:cTn>
+                                        <p:tgtEl>
+                                          <p:spTgt spid="4">
+                                            <p:txEl>
+                                              <p:pRg st="0" end="0"/>
+                                            </p:txEl>
+                                          </p:spTgt>
+                                        </p:tgtEl>
+                                        <p:attrNameLst>
+                                          <p:attrName>style.visibility</p:attrName>
+                                        </p:attrNameLst>
+                                      </p:cBhvr>
+                                      <p:to>
+                                        <p:strVal val="visible"/>
+                                      </p:to>
+                                    </p:set>
+                                  </p:childTnLst>
+                                </p:cTn>
+                              </p:par>
+                            </p:childTnLst>
+                          </p:cTn>
+                        </p:par>
+                      </p:childTnLst>
+                    </p:cTn>
+                  </p:par>
+                  <p:par>
+                    <p:cTn id="7" fill="hold">
+                      <p:stCondLst>
+                        <p:cond delay="indefinite"/>
+                      </p:stCondLst>
+                      <p:childTnLst>
+                        <p:par>
+                          <p:cTn id="8" fill="hold">
+                            <p:stCondLst>
+                              <p:cond delay="0"/>
+                            </p:stCondLst>
+                            <p:childTnLst>
+                              <p:par>
+                                <p:cTn id="9" presetID="1" presetClass="entr" presetSubtype="0" fill="hold" nodeType="clickEffect">
+                                  <p:stCondLst>
+                                    <p:cond delay="0"/>
+                                  </p:stCondLst>
+                                  <p:childTnLst>
+                                    <p:set>
+                                      <p:cBhvr>
+                                        <p:cTn id="10" dur="1" fill="hold">
+                                          <p:stCondLst>
+                                            <p:cond delay="0"/>
+                                          </p:stCondLst>
+                                        </p:cTn>
+                                        <p:tgtEl>
+                                          <p:spTgt spid="4">
+                                            <p:txEl>
+                                              <p:pRg st="1" end="1"/>
+                                            </p:txEl>
+                                          </p:spTgt>
+                                        </p:tgtEl>
+                                        <p:attrNameLst>
+                                          <p:attrName>style.visibility</p:attrName>
+                                        </p:attrNameLst>
+                                      </p:cBhvr>
+                                      <p:to>
+                                        <p:strVal val="visible"/>
+                                      </p:to>
+                                    </p:set>
+                                  </p:childTnLst>
+                                </p:cTn>
+                              </p:par>
+                            </p:childTnLst>
+                          </p:cTn>
+                        </p:par>
+                      </p:childTnLst>
+                    </p:cTn>
+                  </p:par>
+                  <p:par>
+                    <p:cTn id="11" fill="hold">
+                      <p:stCondLst>
+                        <p:cond delay="indefinite"/>
+                      </p:stCondLst>
+                      <p:childTnLst>
+                        <p:par>
+                          <p:cTn id="12" fill="hold">
+                            <p:stCondLst>
+                              <p:cond delay="0"/>
+                            </p:stCondLst>
+                            <p:childTnLst>
+                              <p:par>
+                                <p:cTn id="13" presetID="1" presetClass="entr" presetSubtype="0" fill="hold" nodeType="clickEffect">
+                                  <p:stCondLst>
+                                    <p:cond delay="0"/>
+                                  </p:stCondLst>
+                                  <p:childTnLst>
+                                    <p:set>
+                                      <p:cBhvr>
+                                        <p:cTn id="14" dur="1" fill="hold">
+                                          <p:stCondLst>
+                                            <p:cond delay="0"/>
+                                          </p:stCondLst>
+                                        </p:cTn>
+                                        <p:tgtEl>
+                                          <p:spTgt spid="4">
+                                            <p:txEl>
+                                              <p:pRg st="2" end="2"/>
+                                            </p:txEl>
+                                          </p:spTgt>
+                                        </p:tgtEl>
+                                        <p:attrNameLst>
+                                          <p:attrName>style.visibility</p:attrName>
+                                        </p:attrNameLst>
+                                      </p:cBhvr>
+                                      <p:to>
+                                        <p:strVal val="visible"/>
+                                      </p:to>
+                                    </p:set>
+                                  </p:childTnLst>
+                                </p:cTn>
+                              </p:par>
+                            </p:childTnLst>
+                          </p:cTn>
+                        </p:par>
+                      </p:childTnLst>
+                    </p:cTn>
+                  </p:par>
+                  <p:par>
+                    <p:cTn id="15" fill="hold">
+                      <p:stCondLst>
+                        <p:cond delay="indefinite"/>
+                      </p:stCondLst>
+                      <p:childTnLst>
+                        <p:par>
+                          <p:cTn id="16" fill="hold">
+                            <p:stCondLst>
+                              <p:cond delay="0"/>
+                            </p:stCondLst>
+                            <p:childTnLst>
+                              <p:par>
+                                <p:cTn id="17" presetID="1" presetClass="entr" presetSubtype="0" fill="hold" nodeType="clickEffect">
+                                  <p:stCondLst>
+                                    <p:cond delay="0"/>
+                                  </p:stCondLst>
+                                  <p:childTnLst>
+                                    <p:set>
+                                      <p:cBhvr>
+                                        <p:cTn id="18" dur="1" fill="hold">
+                                          <p:stCondLst>
+                                            <p:cond delay="0"/>
+                                          </p:stCondLst>
+                                        </p:cTn>
+                                        <p:tgtEl>
+                                          <p:spTgt spid="4">
+                                            <p:txEl>
+                                              <p:pRg st="4" end="4"/>
+                                            </p:txEl>
+                                          </p:spTgt>
+                                        </p:tgtEl>
+                                        <p:attrNameLst>
+                                          <p:attrName>style.visibility</p:attrName>
+                                        </p:attrNameLst>
+                                      </p:cBhvr>
+                                      <p:to>
+                                        <p:strVal val="visible"/>
+                                      </p:to>
+                                    </p:set>
+                                  </p:childTnLst>
+                                </p:cTn>
+                              </p:par>
+                            </p:childTnLst>
+                          </p:cTn>
+                        </p:par>
+                      </p:childTnLst>
+                    </p:cTn>
+                  </p:par>
+                  <p:par>
+                    <p:cTn id="19" fill="hold">
+                      <p:stCondLst>
+                        <p:cond delay="indefinite"/>
+                      </p:stCondLst>
+                      <p:childTnLst>
+                        <p:par>
+                          <p:cTn id="20" fill="hold">
+                            <p:stCondLst>
+                              <p:cond delay="0"/>
+                            </p:stCondLst>
+                            <p:childTnLst>
+                              <p:par>
+                                <p:cTn id="21" presetID="1" presetClass="entr" presetSubtype="0" fill="hold" nodeType="clickEffect">
+                                  <p:stCondLst>
+                                    <p:cond delay="0"/>
+                                  </p:stCondLst>
+                                  <p:childTnLst>
+                                    <p:set>
+                                      <p:cBhvr>
+                                        <p:cTn id="22" dur="1" fill="hold">
+                                          <p:stCondLst>
+                                            <p:cond delay="0"/>
+                                          </p:stCondLst>
+                                        </p:cTn>
+                                        <p:tgtEl>
+                                          <p:spTgt spid="4">
+                                            <p:txEl>
+                                              <p:pRg st="5" end="5"/>
+                                            </p:txEl>
+                                          </p:spTgt>
+                                        </p:tgtEl>
+                                        <p:attrNameLst>
+                                          <p:attrName>style.visibility</p:attrName>
+                                        </p:attrNameLst>
+                                      </p:cBhvr>
+                                      <p:to>
+                                        <p:strVal val="visible"/>
+                                      </p:to>
+                                    </p:set>
+                                  </p:childTnLst>
+                                </p:cTn>
+                              </p:par>
+                            </p:childTnLst>
+                          </p:cTn>
+                        </p:par>
+                      </p:childTnLst>
+                    </p:cTn>
+                  </p:par>
+                </p:childTnLst>
+              </p:cTn>
+              <p:prevCondLst>
+                <p:cond evt="onPrev" delay="0">
+                  <p:tgtEl>
+                    <p:sldTgt/>
+                  </p:tgtEl>
+                </p:cond>
+              </p:prevCondLst>
+              <p:nextCondLst>
+                <p:cond evt="onNext" delay="0">
+                  <p:tgtEl>
+                    <p:sldTgt/>
+                  </p:tgtEl>
+                </p:cond>
+              </p:nextCondLst>
+            </p:seq>
+          </p:childTnLst>
+        </p:cTn>
+      </p:par>
+    </p:tnLst>
+  </p:timing>
+</p:sld>
+</file>
+
+<file path=ppt/slides/slide3.xml><?xml version="1.0" encoding="utf-8"?>
+<p:sld xmlns:a="http://schemas.openxmlformats.org/drawingml/2006/main" xmlns:r="http://schemas.openxmlformats.org/officeDocument/2006/relationships" xmlns:p="http://schemas.openxmlformats.org/presentationml/2006/main">
+  <p:cSld>
+    <p:bg>
+      <p:bgPr>
+        <a:solidFill>
+          <a:schemeClr val="bg1"/>
+        </a:solidFill>
+        <a:effectLst/>
+      </p:bgPr>
+    </p:bg>
+    <p:spTree>
+      <p:nvGrpSpPr>
+        <p:cNvPr id="1" name=""/>
+        <p:cNvGrpSpPr/>
+        <p:nvPr/>
+      </p:nvGrpSpPr>
+      <p:grpSpPr>
+        <a:xfrm>
+          <a:off x="0" y="0"/>
+          <a:ext cx="0" cy="0"/>
+          <a:chOff x="0" y="0"/>
+          <a:chExt cx="0" cy="0"/>
+        </a:xfrm>
+      </p:grpSpPr>
+      <p:sp>
+        <p:nvSpPr>
+          <p:cNvPr id="3" name="Title 2">
+            <a:extLst>
+              <a:ext uri="{FF2B5EF4-FFF2-40B4-BE49-F238E27FC236}">
+                <a16:creationId xmlns:a16="http://schemas.microsoft.com/office/drawing/2014/main" id="{4080914B-34C0-4448-BA37-486062B5B1B7}"/>
+              </a:ext>
+            </a:extLst>
+          </p:cNvPr>
+          <p:cNvSpPr>
+            <a:spLocks noGrp="1"/>
+          </p:cNvSpPr>
+          <p:nvPr>
+            <p:ph type="title"/>
+          </p:nvPr>
+        </p:nvSpPr>
+        <p:spPr>
+          <a:xfrm>
+            <a:off x="519320" y="39983"/>
+            <a:ext cx="7886700" cy="994172"/>
+          </a:xfrm>
+        </p:spPr>
+        <p:txBody>
+          <a:bodyPr/>
+          <a:lstStyle/>
+          <a:p>
+            <a:r>
+              <a:rPr lang="en-US" dirty="0"/>
+              <a:t>Overview of Experiments</a:t>
+            </a:r>
+          </a:p>
+        </p:txBody>
+      </p:sp>
+      <p:sp>
+        <p:nvSpPr>
+          <p:cNvPr id="4" name="Content Placeholder 3">
+            <a:extLst>
+              <a:ext uri="{FF2B5EF4-FFF2-40B4-BE49-F238E27FC236}">
+                <a16:creationId xmlns:a16="http://schemas.microsoft.com/office/drawing/2014/main" id="{0A7B5501-50B5-A44D-8494-E61C5F019586}"/>
+              </a:ext>
+            </a:extLst>
+          </p:cNvPr>
+          <p:cNvSpPr>
+            <a:spLocks noGrp="1"/>
+          </p:cNvSpPr>
+          <p:nvPr>
+            <p:ph idx="1"/>
+          </p:nvPr>
+        </p:nvSpPr>
+        <p:spPr>
+          <a:xfrm>
+            <a:off x="324264" y="1575591"/>
+            <a:ext cx="8276811" cy="3075190"/>
+          </a:xfrm>
+        </p:spPr>
+        <p:txBody>
+          <a:bodyPr/>
+          <a:lstStyle/>
+          <a:p>
+            <a:pPr lvl="1"/>
+            <a:endParaRPr lang="en-US" sz="1700" dirty="0">
+              <a:solidFill>
+                <a:schemeClr val="tx1"/>
+              </a:solidFill>
+            </a:endParaRPr>
+          </a:p>
+          <a:p>
+            <a:pPr>
+              <a:buClr>
+                <a:schemeClr val="tx1"/>
+              </a:buClr>
+            </a:pPr>
+            <a:r>
+              <a:rPr lang="en-US" sz="1600" b="1" dirty="0">
+                <a:solidFill>
+                  <a:srgbClr val="1E4383"/>
+                </a:solidFill>
+              </a:rPr>
+              <a:t>Experiment 1</a:t>
+            </a:r>
+            <a:r>
+              <a:rPr lang="en-US" sz="1600" dirty="0"/>
+              <a:t> – JOLs vs No-JOLs</a:t>
+            </a:r>
+          </a:p>
+          <a:p>
+            <a:pPr lvl="1">
+              <a:buClr>
+                <a:schemeClr val="tx1"/>
+              </a:buClr>
+            </a:pPr>
+            <a:r>
+              <a:rPr lang="en-US" sz="1400" dirty="0">
+                <a:highlight>
+                  <a:srgbClr val="FFFF00"/>
+                </a:highlight>
+              </a:rPr>
+              <a:t>GOAL HERE</a:t>
+            </a:r>
+          </a:p>
+          <a:p>
+            <a:pPr>
+              <a:buClr>
+                <a:schemeClr val="tx1"/>
+              </a:buClr>
+            </a:pPr>
+            <a:r>
+              <a:rPr lang="en-US" sz="1600" b="1" dirty="0">
+                <a:solidFill>
+                  <a:srgbClr val="1E4383"/>
+                </a:solidFill>
+              </a:rPr>
+              <a:t>Experiment 2 </a:t>
+            </a:r>
+            <a:r>
+              <a:rPr lang="en-US" sz="1600" dirty="0"/>
+              <a:t>– JOLs vs Relational Encoding vs Vowel Counting vs No-JOL</a:t>
+            </a:r>
+          </a:p>
+          <a:p>
+            <a:pPr lvl="1">
+              <a:buClr>
+                <a:schemeClr val="tx1"/>
+              </a:buClr>
+            </a:pPr>
+            <a:r>
+              <a:rPr lang="en-US" sz="1400" dirty="0"/>
+              <a:t>H1: Relational encoding should mimic JOL reactivity for related pairs and should also boost recall of unrelated pairs</a:t>
+            </a:r>
+          </a:p>
+          <a:p>
+            <a:pPr>
+              <a:buClr>
+                <a:schemeClr val="tx1"/>
+              </a:buClr>
+            </a:pPr>
+            <a:r>
+              <a:rPr lang="en-US" sz="1600" b="1" dirty="0">
+                <a:solidFill>
+                  <a:srgbClr val="1E4383"/>
+                </a:solidFill>
+              </a:rPr>
+              <a:t>Experiment 3 </a:t>
+            </a:r>
+            <a:r>
+              <a:rPr lang="en-US" sz="1600" dirty="0"/>
+              <a:t>– JOLs vs Frequency Judgments vs No-JOLs</a:t>
+            </a:r>
+          </a:p>
+          <a:p>
+            <a:pPr lvl="1">
+              <a:buClr>
+                <a:schemeClr val="tx1"/>
+              </a:buClr>
+            </a:pPr>
+            <a:r>
+              <a:rPr lang="en-US" sz="1400" dirty="0"/>
+              <a:t>H1: Frequency judgments should display the same reactivity pattern as JOLs</a:t>
+            </a:r>
+            <a:endParaRPr lang="en-US" sz="1600" dirty="0"/>
+          </a:p>
+        </p:txBody>
+      </p:sp>
+      <p:graphicFrame>
+        <p:nvGraphicFramePr>
+          <p:cNvPr id="5" name="Content Placeholder 4">
+            <a:extLst>
+              <a:ext uri="{FF2B5EF4-FFF2-40B4-BE49-F238E27FC236}">
+                <a16:creationId xmlns:a16="http://schemas.microsoft.com/office/drawing/2014/main" id="{764A3F86-86B3-4841-9174-D08871822AF8}"/>
+              </a:ext>
+            </a:extLst>
+          </p:cNvPr>
+          <p:cNvGraphicFramePr>
+            <a:graphicFrameLocks/>
+          </p:cNvGraphicFramePr>
+          <p:nvPr>
+            <p:extLst>
+              <p:ext uri="{D42A27DB-BD31-4B8C-83A1-F6EECF244321}">
+                <p14:modId xmlns:p14="http://schemas.microsoft.com/office/powerpoint/2010/main" val="3902038237"/>
+              </p:ext>
+            </p:extLst>
+          </p:nvPr>
+        </p:nvGraphicFramePr>
+        <p:xfrm>
+          <a:off x="1749286" y="835362"/>
+          <a:ext cx="4959627" cy="1127867"/>
+        </p:xfrm>
+        <a:graphic>
+          <a:graphicData uri="http://schemas.openxmlformats.org/drawingml/2006/diagram">
+            <dgm:relIds xmlns:dgm="http://schemas.openxmlformats.org/drawingml/2006/diagram" xmlns:r="http://schemas.openxmlformats.org/officeDocument/2006/relationships" r:dm="rId2" r:lo="rId3" r:qs="rId4" r:cs="rId5"/>
+          </a:graphicData>
+        </a:graphic>
+      </p:graphicFrame>
+      <p:sp>
+        <p:nvSpPr>
+          <p:cNvPr id="2" name="TextBox 1">
+            <a:extLst>
+              <a:ext uri="{FF2B5EF4-FFF2-40B4-BE49-F238E27FC236}">
+                <a16:creationId xmlns:a16="http://schemas.microsoft.com/office/drawing/2014/main" id="{6D09D123-FA16-4C1B-B7FF-287CEF4C5CAD}"/>
+              </a:ext>
+            </a:extLst>
+          </p:cNvPr>
+          <p:cNvSpPr txBox="1"/>
+          <p:nvPr/>
+        </p:nvSpPr>
+        <p:spPr>
+          <a:xfrm>
+            <a:off x="309354" y="3877814"/>
+            <a:ext cx="8525289" cy="738664"/>
+          </a:xfrm>
+          <a:prstGeom prst="rect">
+            <a:avLst/>
+          </a:prstGeom>
+          <a:noFill/>
+        </p:spPr>
+        <p:txBody>
+          <a:bodyPr wrap="square" rtlCol="0">
+            <a:spAutoFit/>
+          </a:bodyPr>
+          <a:lstStyle/>
+          <a:p>
+            <a:pPr marL="285750" indent="-285750">
+              <a:buClr>
+                <a:schemeClr val="tx1"/>
+              </a:buClr>
+              <a:buFont typeface="Arial" panose="020B0604020202020204" pitchFamily="34" charset="0"/>
+              <a:buChar char="•"/>
+            </a:pPr>
+            <a:r>
+              <a:rPr lang="en-US" sz="1400" dirty="0"/>
+              <a:t>40</a:t>
+            </a:r>
+            <a:r>
+              <a:rPr lang="en-US" sz="1400" b="1" dirty="0">
+                <a:solidFill>
+                  <a:srgbClr val="1E4383"/>
+                </a:solidFill>
+              </a:rPr>
+              <a:t> forward</a:t>
+            </a:r>
+            <a:r>
+              <a:rPr lang="en-US" sz="1400" dirty="0"/>
+              <a:t> (e.g., Credit-Card), </a:t>
+            </a:r>
+            <a:r>
+              <a:rPr lang="en-US" sz="1400" b="1" dirty="0">
+                <a:solidFill>
+                  <a:srgbClr val="1E4383"/>
+                </a:solidFill>
+              </a:rPr>
+              <a:t>backward</a:t>
+            </a:r>
+            <a:r>
+              <a:rPr lang="en-US" sz="1400" dirty="0"/>
+              <a:t> (e.g., Card-Credit), </a:t>
+            </a:r>
+            <a:r>
+              <a:rPr lang="en-US" sz="1400" b="1" dirty="0">
+                <a:solidFill>
+                  <a:srgbClr val="1E4383"/>
+                </a:solidFill>
+              </a:rPr>
+              <a:t>symmetrical</a:t>
+            </a:r>
+            <a:r>
+              <a:rPr lang="en-US" sz="1400" dirty="0"/>
+              <a:t> (e.g., King-Queen), and </a:t>
+            </a:r>
+            <a:r>
+              <a:rPr lang="en-US" sz="1400" b="1" dirty="0">
+                <a:solidFill>
+                  <a:srgbClr val="1E4383"/>
+                </a:solidFill>
+              </a:rPr>
+              <a:t>unrelated</a:t>
+            </a:r>
+            <a:r>
+              <a:rPr lang="en-US" sz="1400" dirty="0"/>
+              <a:t> (e.g., artery-bronze) pairs were generated using the Nelson et al. (2004) free association norms.</a:t>
+            </a:r>
+          </a:p>
+          <a:p>
+            <a:pPr marL="285750" indent="-285750">
+              <a:buFont typeface="Arial" panose="020B0604020202020204" pitchFamily="34" charset="0"/>
+              <a:buChar char="•"/>
+            </a:pPr>
+            <a:r>
+              <a:rPr lang="en-US" sz="1400" dirty="0"/>
+              <a:t>Study lists were matched on FSG, length, concreteness, and frequency.</a:t>
+            </a:r>
+          </a:p>
+        </p:txBody>
+      </p:sp>
+    </p:spTree>
+    <p:extLst>
+      <p:ext uri="{BB962C8B-B14F-4D97-AF65-F5344CB8AC3E}">
+        <p14:creationId xmlns:p14="http://schemas.microsoft.com/office/powerpoint/2010/main" val="3201895043"/>
       </p:ext>
     </p:extLst>
   </p:cSld>
@@ -4303,1043 +4916,15 @@
                                   </p:childTnLst>
                                 </p:cTn>
                               </p:par>
-                            </p:childTnLst>
-                          </p:cTn>
-                        </p:par>
-                      </p:childTnLst>
-                    </p:cTn>
-                  </p:par>
-                  <p:par>
-                    <p:cTn id="15" fill="hold">
-                      <p:stCondLst>
-                        <p:cond delay="indefinite"/>
-                      </p:stCondLst>
-                      <p:childTnLst>
-                        <p:par>
-                          <p:cTn id="16" fill="hold">
-                            <p:stCondLst>
-                              <p:cond delay="0"/>
-                            </p:stCondLst>
-                            <p:childTnLst>
                               <p:par>
-                                <p:cTn id="17" presetID="1" presetClass="entr" presetSubtype="0" fill="hold" nodeType="clickEffect">
+                                <p:cTn id="15" presetID="1" presetClass="entr" presetSubtype="0" fill="hold" nodeType="withEffect">
                                   <p:stCondLst>
                                     <p:cond delay="0"/>
                                   </p:stCondLst>
                                   <p:childTnLst>
                                     <p:set>
                                       <p:cBhvr>
-                                        <p:cTn id="18" dur="1" fill="hold">
-                                          <p:stCondLst>
-                                            <p:cond delay="0"/>
-                                          </p:stCondLst>
-                                        </p:cTn>
-                                        <p:tgtEl>
-                                          <p:spTgt spid="4">
-                                            <p:txEl>
-                                              <p:pRg st="4" end="4"/>
-                                            </p:txEl>
-                                          </p:spTgt>
-                                        </p:tgtEl>
-                                        <p:attrNameLst>
-                                          <p:attrName>style.visibility</p:attrName>
-                                        </p:attrNameLst>
-                                      </p:cBhvr>
-                                      <p:to>
-                                        <p:strVal val="visible"/>
-                                      </p:to>
-                                    </p:set>
-                                  </p:childTnLst>
-                                </p:cTn>
-                              </p:par>
-                            </p:childTnLst>
-                          </p:cTn>
-                        </p:par>
-                      </p:childTnLst>
-                    </p:cTn>
-                  </p:par>
-                </p:childTnLst>
-              </p:cTn>
-              <p:prevCondLst>
-                <p:cond evt="onPrev" delay="0">
-                  <p:tgtEl>
-                    <p:sldTgt/>
-                  </p:tgtEl>
-                </p:cond>
-              </p:prevCondLst>
-              <p:nextCondLst>
-                <p:cond evt="onNext" delay="0">
-                  <p:tgtEl>
-                    <p:sldTgt/>
-                  </p:tgtEl>
-                </p:cond>
-              </p:nextCondLst>
-            </p:seq>
-          </p:childTnLst>
-        </p:cTn>
-      </p:par>
-    </p:tnLst>
-  </p:timing>
-</p:sld>
-</file>
-
-<file path=ppt/slides/slide3.xml><?xml version="1.0" encoding="utf-8"?>
-<p:sld xmlns:a="http://schemas.openxmlformats.org/drawingml/2006/main" xmlns:r="http://schemas.openxmlformats.org/officeDocument/2006/relationships" xmlns:p="http://schemas.openxmlformats.org/presentationml/2006/main">
-  <p:cSld>
-    <p:bg>
-      <p:bgPr>
-        <a:solidFill>
-          <a:schemeClr val="bg1"/>
-        </a:solidFill>
-        <a:effectLst/>
-      </p:bgPr>
-    </p:bg>
-    <p:spTree>
-      <p:nvGrpSpPr>
-        <p:cNvPr id="1" name=""/>
-        <p:cNvGrpSpPr/>
-        <p:nvPr/>
-      </p:nvGrpSpPr>
-      <p:grpSpPr>
-        <a:xfrm>
-          <a:off x="0" y="0"/>
-          <a:ext cx="0" cy="0"/>
-          <a:chOff x="0" y="0"/>
-          <a:chExt cx="0" cy="0"/>
-        </a:xfrm>
-      </p:grpSpPr>
-      <p:sp>
-        <p:nvSpPr>
-          <p:cNvPr id="3" name="Title 2">
-            <a:extLst>
-              <a:ext uri="{FF2B5EF4-FFF2-40B4-BE49-F238E27FC236}">
-                <a16:creationId xmlns:a16="http://schemas.microsoft.com/office/drawing/2014/main" id="{4080914B-34C0-4448-BA37-486062B5B1B7}"/>
-              </a:ext>
-            </a:extLst>
-          </p:cNvPr>
-          <p:cNvSpPr>
-            <a:spLocks noGrp="1"/>
-          </p:cNvSpPr>
-          <p:nvPr>
-            <p:ph type="title"/>
-          </p:nvPr>
-        </p:nvSpPr>
-        <p:spPr>
-          <a:xfrm>
-            <a:off x="628650" y="202005"/>
-            <a:ext cx="7886700" cy="994172"/>
-          </a:xfrm>
-        </p:spPr>
-        <p:txBody>
-          <a:bodyPr/>
-          <a:lstStyle/>
-          <a:p>
-            <a:r>
-              <a:rPr lang="en-US" dirty="0"/>
-              <a:t>Introduction</a:t>
-            </a:r>
-          </a:p>
-        </p:txBody>
-      </p:sp>
-      <p:sp>
-        <p:nvSpPr>
-          <p:cNvPr id="4" name="Content Placeholder 3">
-            <a:extLst>
-              <a:ext uri="{FF2B5EF4-FFF2-40B4-BE49-F238E27FC236}">
-                <a16:creationId xmlns:a16="http://schemas.microsoft.com/office/drawing/2014/main" id="{0A7B5501-50B5-A44D-8494-E61C5F019586}"/>
-              </a:ext>
-            </a:extLst>
-          </p:cNvPr>
-          <p:cNvSpPr>
-            <a:spLocks noGrp="1"/>
-          </p:cNvSpPr>
-          <p:nvPr>
-            <p:ph idx="1"/>
-          </p:nvPr>
-        </p:nvSpPr>
-        <p:spPr>
-          <a:xfrm>
-            <a:off x="628650" y="1037152"/>
-            <a:ext cx="7886700" cy="3316188"/>
-          </a:xfrm>
-        </p:spPr>
-        <p:txBody>
-          <a:bodyPr>
-            <a:normAutofit/>
-          </a:bodyPr>
-          <a:lstStyle/>
-          <a:p>
-            <a:pPr>
-              <a:buClr>
-                <a:schemeClr val="tx1"/>
-              </a:buClr>
-            </a:pPr>
-            <a:r>
-              <a:rPr lang="en-US" sz="2000" b="1" dirty="0">
-                <a:solidFill>
-                  <a:srgbClr val="1E4383"/>
-                </a:solidFill>
-              </a:rPr>
-              <a:t>Changed-Goal Hypothesis </a:t>
-            </a:r>
-            <a:r>
-              <a:rPr lang="en-US" sz="2000" dirty="0"/>
-              <a:t>vs</a:t>
-            </a:r>
-            <a:r>
-              <a:rPr lang="en-US" sz="2000" b="1" dirty="0">
-                <a:solidFill>
-                  <a:srgbClr val="1E4383"/>
-                </a:solidFill>
-              </a:rPr>
-              <a:t> Strategic Relational Encoding</a:t>
-            </a:r>
-          </a:p>
-          <a:p>
-            <a:pPr lvl="1">
-              <a:buClr>
-                <a:schemeClr val="tx1"/>
-              </a:buClr>
-            </a:pPr>
-            <a:r>
-              <a:rPr lang="en-US" sz="1700" dirty="0"/>
-              <a:t>Changed-goal – participants focus on mastering easy study items</a:t>
-            </a:r>
-          </a:p>
-          <a:p>
-            <a:pPr lvl="1">
-              <a:buClr>
-                <a:schemeClr val="tx1"/>
-              </a:buClr>
-            </a:pPr>
-            <a:r>
-              <a:rPr lang="en-US" sz="1700" dirty="0"/>
-              <a:t>Strategic relational encoding – JOLs cause participants to engage in relational encoding for related study pairs</a:t>
-            </a:r>
-          </a:p>
-          <a:p>
-            <a:pPr>
-              <a:buClr>
-                <a:schemeClr val="tx1"/>
-              </a:buClr>
-            </a:pPr>
-            <a:r>
-              <a:rPr lang="en-US" sz="2000" dirty="0"/>
-              <a:t>Changed-goal predicts </a:t>
-            </a:r>
-            <a:r>
-              <a:rPr lang="en-US" sz="2000" b="1" dirty="0">
-                <a:solidFill>
-                  <a:srgbClr val="1E4383"/>
-                </a:solidFill>
-              </a:rPr>
-              <a:t>positive reactivity </a:t>
-            </a:r>
-            <a:r>
-              <a:rPr lang="en-US" sz="2000" dirty="0"/>
-              <a:t>for </a:t>
-            </a:r>
-            <a:r>
-              <a:rPr lang="en-US" sz="2000" b="1" dirty="0">
-                <a:solidFill>
-                  <a:srgbClr val="1E4383"/>
-                </a:solidFill>
-              </a:rPr>
-              <a:t>related pairs</a:t>
-            </a:r>
-            <a:r>
-              <a:rPr lang="en-US" sz="2000" dirty="0"/>
-              <a:t>, </a:t>
-            </a:r>
-            <a:r>
-              <a:rPr lang="en-US" sz="2000" b="1" dirty="0">
-                <a:solidFill>
-                  <a:srgbClr val="00B0F0"/>
-                </a:solidFill>
-              </a:rPr>
-              <a:t>negative reactivity</a:t>
-            </a:r>
-            <a:r>
-              <a:rPr lang="en-US" sz="2000" dirty="0"/>
-              <a:t> for </a:t>
-            </a:r>
-            <a:r>
-              <a:rPr lang="en-US" sz="2000" b="1" dirty="0">
-                <a:solidFill>
-                  <a:srgbClr val="00B0F0"/>
-                </a:solidFill>
-              </a:rPr>
-              <a:t>unrelated pairs</a:t>
-            </a:r>
-            <a:r>
-              <a:rPr lang="en-US" sz="2000" dirty="0"/>
-              <a:t>.</a:t>
-            </a:r>
-          </a:p>
-          <a:p>
-            <a:pPr>
-              <a:buClr>
-                <a:schemeClr val="tx1"/>
-              </a:buClr>
-            </a:pPr>
-            <a:r>
-              <a:rPr lang="en-US" sz="2000" dirty="0"/>
-              <a:t>Strategic relational encoding predicts </a:t>
-            </a:r>
-            <a:r>
-              <a:rPr lang="en-US" sz="2000" b="1" dirty="0">
-                <a:solidFill>
-                  <a:srgbClr val="1E4383"/>
-                </a:solidFill>
-              </a:rPr>
-              <a:t>positive reactivity </a:t>
-            </a:r>
-            <a:r>
-              <a:rPr lang="en-US" sz="2000" dirty="0"/>
-              <a:t>for </a:t>
-            </a:r>
-            <a:r>
-              <a:rPr lang="en-US" sz="2000" b="1" dirty="0">
-                <a:solidFill>
-                  <a:srgbClr val="1E4383"/>
-                </a:solidFill>
-              </a:rPr>
-              <a:t>related pairs</a:t>
-            </a:r>
-            <a:r>
-              <a:rPr lang="en-US" sz="2000" dirty="0"/>
-              <a:t>, </a:t>
-            </a:r>
-            <a:r>
-              <a:rPr lang="en-US" sz="2000" b="1" dirty="0">
-                <a:solidFill>
-                  <a:srgbClr val="00B0F0"/>
-                </a:solidFill>
-              </a:rPr>
-              <a:t>no reactivity</a:t>
-            </a:r>
-            <a:r>
-              <a:rPr lang="en-US" sz="2000" dirty="0"/>
-              <a:t> for </a:t>
-            </a:r>
-            <a:r>
-              <a:rPr lang="en-US" sz="2000" b="1" dirty="0">
-                <a:solidFill>
-                  <a:srgbClr val="00B0F0"/>
-                </a:solidFill>
-              </a:rPr>
-              <a:t>unrelated pairs</a:t>
-            </a:r>
-            <a:r>
-              <a:rPr lang="en-US" sz="2000" dirty="0"/>
-              <a:t>.</a:t>
-            </a:r>
-          </a:p>
-        </p:txBody>
-      </p:sp>
-    </p:spTree>
-    <p:extLst>
-      <p:ext uri="{BB962C8B-B14F-4D97-AF65-F5344CB8AC3E}">
-        <p14:creationId xmlns:p14="http://schemas.microsoft.com/office/powerpoint/2010/main" val="2503991161"/>
-      </p:ext>
-    </p:extLst>
-  </p:cSld>
-  <p:clrMapOvr>
-    <a:masterClrMapping/>
-  </p:clrMapOvr>
-  <p:timing>
-    <p:tnLst>
-      <p:par>
-        <p:cTn id="1" dur="indefinite" restart="never" nodeType="tmRoot">
-          <p:childTnLst>
-            <p:seq concurrent="1" nextAc="seek">
-              <p:cTn id="2" dur="indefinite" nodeType="mainSeq">
-                <p:childTnLst>
-                  <p:par>
-                    <p:cTn id="3" fill="hold">
-                      <p:stCondLst>
-                        <p:cond delay="indefinite"/>
-                      </p:stCondLst>
-                      <p:childTnLst>
-                        <p:par>
-                          <p:cTn id="4" fill="hold">
-                            <p:stCondLst>
-                              <p:cond delay="0"/>
-                            </p:stCondLst>
-                            <p:childTnLst>
-                              <p:par>
-                                <p:cTn id="5" presetID="1" presetClass="entr" presetSubtype="0" fill="hold" nodeType="clickEffect">
-                                  <p:stCondLst>
-                                    <p:cond delay="0"/>
-                                  </p:stCondLst>
-                                  <p:childTnLst>
-                                    <p:set>
-                                      <p:cBhvr>
-                                        <p:cTn id="6" dur="1" fill="hold">
-                                          <p:stCondLst>
-                                            <p:cond delay="0"/>
-                                          </p:stCondLst>
-                                        </p:cTn>
-                                        <p:tgtEl>
-                                          <p:spTgt spid="4">
-                                            <p:txEl>
-                                              <p:pRg st="1" end="1"/>
-                                            </p:txEl>
-                                          </p:spTgt>
-                                        </p:tgtEl>
-                                        <p:attrNameLst>
-                                          <p:attrName>style.visibility</p:attrName>
-                                        </p:attrNameLst>
-                                      </p:cBhvr>
-                                      <p:to>
-                                        <p:strVal val="visible"/>
-                                      </p:to>
-                                    </p:set>
-                                  </p:childTnLst>
-                                </p:cTn>
-                              </p:par>
-                            </p:childTnLst>
-                          </p:cTn>
-                        </p:par>
-                      </p:childTnLst>
-                    </p:cTn>
-                  </p:par>
-                  <p:par>
-                    <p:cTn id="7" fill="hold">
-                      <p:stCondLst>
-                        <p:cond delay="indefinite"/>
-                      </p:stCondLst>
-                      <p:childTnLst>
-                        <p:par>
-                          <p:cTn id="8" fill="hold">
-                            <p:stCondLst>
-                              <p:cond delay="0"/>
-                            </p:stCondLst>
-                            <p:childTnLst>
-                              <p:par>
-                                <p:cTn id="9" presetID="1" presetClass="entr" presetSubtype="0" fill="hold" nodeType="clickEffect">
-                                  <p:stCondLst>
-                                    <p:cond delay="0"/>
-                                  </p:stCondLst>
-                                  <p:childTnLst>
-                                    <p:set>
-                                      <p:cBhvr>
-                                        <p:cTn id="10" dur="1" fill="hold">
-                                          <p:stCondLst>
-                                            <p:cond delay="0"/>
-                                          </p:stCondLst>
-                                        </p:cTn>
-                                        <p:tgtEl>
-                                          <p:spTgt spid="4">
-                                            <p:txEl>
-                                              <p:pRg st="2" end="2"/>
-                                            </p:txEl>
-                                          </p:spTgt>
-                                        </p:tgtEl>
-                                        <p:attrNameLst>
-                                          <p:attrName>style.visibility</p:attrName>
-                                        </p:attrNameLst>
-                                      </p:cBhvr>
-                                      <p:to>
-                                        <p:strVal val="visible"/>
-                                      </p:to>
-                                    </p:set>
-                                  </p:childTnLst>
-                                </p:cTn>
-                              </p:par>
-                            </p:childTnLst>
-                          </p:cTn>
-                        </p:par>
-                      </p:childTnLst>
-                    </p:cTn>
-                  </p:par>
-                  <p:par>
-                    <p:cTn id="11" fill="hold">
-                      <p:stCondLst>
-                        <p:cond delay="indefinite"/>
-                      </p:stCondLst>
-                      <p:childTnLst>
-                        <p:par>
-                          <p:cTn id="12" fill="hold">
-                            <p:stCondLst>
-                              <p:cond delay="0"/>
-                            </p:stCondLst>
-                            <p:childTnLst>
-                              <p:par>
-                                <p:cTn id="13" presetID="1" presetClass="entr" presetSubtype="0" fill="hold" nodeType="clickEffect">
-                                  <p:stCondLst>
-                                    <p:cond delay="0"/>
-                                  </p:stCondLst>
-                                  <p:childTnLst>
-                                    <p:set>
-                                      <p:cBhvr>
-                                        <p:cTn id="14" dur="1" fill="hold">
-                                          <p:stCondLst>
-                                            <p:cond delay="0"/>
-                                          </p:stCondLst>
-                                        </p:cTn>
-                                        <p:tgtEl>
-                                          <p:spTgt spid="4">
-                                            <p:txEl>
-                                              <p:pRg st="3" end="3"/>
-                                            </p:txEl>
-                                          </p:spTgt>
-                                        </p:tgtEl>
-                                        <p:attrNameLst>
-                                          <p:attrName>style.visibility</p:attrName>
-                                        </p:attrNameLst>
-                                      </p:cBhvr>
-                                      <p:to>
-                                        <p:strVal val="visible"/>
-                                      </p:to>
-                                    </p:set>
-                                  </p:childTnLst>
-                                </p:cTn>
-                              </p:par>
-                            </p:childTnLst>
-                          </p:cTn>
-                        </p:par>
-                      </p:childTnLst>
-                    </p:cTn>
-                  </p:par>
-                  <p:par>
-                    <p:cTn id="15" fill="hold">
-                      <p:stCondLst>
-                        <p:cond delay="indefinite"/>
-                      </p:stCondLst>
-                      <p:childTnLst>
-                        <p:par>
-                          <p:cTn id="16" fill="hold">
-                            <p:stCondLst>
-                              <p:cond delay="0"/>
-                            </p:stCondLst>
-                            <p:childTnLst>
-                              <p:par>
-                                <p:cTn id="17" presetID="1" presetClass="entr" presetSubtype="0" fill="hold" nodeType="clickEffect">
-                                  <p:stCondLst>
-                                    <p:cond delay="0"/>
-                                  </p:stCondLst>
-                                  <p:childTnLst>
-                                    <p:set>
-                                      <p:cBhvr>
-                                        <p:cTn id="18" dur="1" fill="hold">
-                                          <p:stCondLst>
-                                            <p:cond delay="0"/>
-                                          </p:stCondLst>
-                                        </p:cTn>
-                                        <p:tgtEl>
-                                          <p:spTgt spid="4">
-                                            <p:txEl>
-                                              <p:pRg st="4" end="4"/>
-                                            </p:txEl>
-                                          </p:spTgt>
-                                        </p:tgtEl>
-                                        <p:attrNameLst>
-                                          <p:attrName>style.visibility</p:attrName>
-                                        </p:attrNameLst>
-                                      </p:cBhvr>
-                                      <p:to>
-                                        <p:strVal val="visible"/>
-                                      </p:to>
-                                    </p:set>
-                                  </p:childTnLst>
-                                </p:cTn>
-                              </p:par>
-                            </p:childTnLst>
-                          </p:cTn>
-                        </p:par>
-                      </p:childTnLst>
-                    </p:cTn>
-                  </p:par>
-                </p:childTnLst>
-              </p:cTn>
-              <p:prevCondLst>
-                <p:cond evt="onPrev" delay="0">
-                  <p:tgtEl>
-                    <p:sldTgt/>
-                  </p:tgtEl>
-                </p:cond>
-              </p:prevCondLst>
-              <p:nextCondLst>
-                <p:cond evt="onNext" delay="0">
-                  <p:tgtEl>
-                    <p:sldTgt/>
-                  </p:tgtEl>
-                </p:cond>
-              </p:nextCondLst>
-            </p:seq>
-          </p:childTnLst>
-        </p:cTn>
-      </p:par>
-    </p:tnLst>
-  </p:timing>
-</p:sld>
-</file>
-
-<file path=ppt/slides/slide4.xml><?xml version="1.0" encoding="utf-8"?>
-<p:sld xmlns:a="http://schemas.openxmlformats.org/drawingml/2006/main" xmlns:r="http://schemas.openxmlformats.org/officeDocument/2006/relationships" xmlns:p="http://schemas.openxmlformats.org/presentationml/2006/main">
-  <p:cSld>
-    <p:bg>
-      <p:bgPr>
-        <a:solidFill>
-          <a:schemeClr val="bg1"/>
-        </a:solidFill>
-        <a:effectLst/>
-      </p:bgPr>
-    </p:bg>
-    <p:spTree>
-      <p:nvGrpSpPr>
-        <p:cNvPr id="1" name=""/>
-        <p:cNvGrpSpPr/>
-        <p:nvPr/>
-      </p:nvGrpSpPr>
-      <p:grpSpPr>
-        <a:xfrm>
-          <a:off x="0" y="0"/>
-          <a:ext cx="0" cy="0"/>
-          <a:chOff x="0" y="0"/>
-          <a:chExt cx="0" cy="0"/>
-        </a:xfrm>
-      </p:grpSpPr>
-      <p:sp>
-        <p:nvSpPr>
-          <p:cNvPr id="3" name="Title 2">
-            <a:extLst>
-              <a:ext uri="{FF2B5EF4-FFF2-40B4-BE49-F238E27FC236}">
-                <a16:creationId xmlns:a16="http://schemas.microsoft.com/office/drawing/2014/main" id="{4080914B-34C0-4448-BA37-486062B5B1B7}"/>
-              </a:ext>
-            </a:extLst>
-          </p:cNvPr>
-          <p:cNvSpPr>
-            <a:spLocks noGrp="1"/>
-          </p:cNvSpPr>
-          <p:nvPr>
-            <p:ph type="title"/>
-          </p:nvPr>
-        </p:nvSpPr>
-        <p:spPr>
-          <a:xfrm>
-            <a:off x="519320" y="39983"/>
-            <a:ext cx="7886700" cy="994172"/>
-          </a:xfrm>
-        </p:spPr>
-        <p:txBody>
-          <a:bodyPr/>
-          <a:lstStyle/>
-          <a:p>
-            <a:r>
-              <a:rPr lang="en-US" dirty="0"/>
-              <a:t>Overview of Experiments</a:t>
-            </a:r>
-          </a:p>
-        </p:txBody>
-      </p:sp>
-      <p:sp>
-        <p:nvSpPr>
-          <p:cNvPr id="4" name="Content Placeholder 3">
-            <a:extLst>
-              <a:ext uri="{FF2B5EF4-FFF2-40B4-BE49-F238E27FC236}">
-                <a16:creationId xmlns:a16="http://schemas.microsoft.com/office/drawing/2014/main" id="{0A7B5501-50B5-A44D-8494-E61C5F019586}"/>
-              </a:ext>
-            </a:extLst>
-          </p:cNvPr>
-          <p:cNvSpPr>
-            <a:spLocks noGrp="1"/>
-          </p:cNvSpPr>
-          <p:nvPr>
-            <p:ph idx="1"/>
-          </p:nvPr>
-        </p:nvSpPr>
-        <p:spPr>
-          <a:xfrm>
-            <a:off x="433594" y="497444"/>
-            <a:ext cx="8276811" cy="3075190"/>
-          </a:xfrm>
-        </p:spPr>
-        <p:txBody>
-          <a:bodyPr/>
-          <a:lstStyle/>
-          <a:p>
-            <a:pPr lvl="1"/>
-            <a:endParaRPr lang="en-US" sz="1700" dirty="0">
-              <a:solidFill>
-                <a:schemeClr val="tx1"/>
-              </a:solidFill>
-            </a:endParaRPr>
-          </a:p>
-          <a:p>
-            <a:pPr>
-              <a:buClr>
-                <a:schemeClr val="tx1"/>
-              </a:buClr>
-            </a:pPr>
-            <a:r>
-              <a:rPr lang="en-US" sz="1600" b="1" dirty="0">
-                <a:solidFill>
-                  <a:srgbClr val="1E4383"/>
-                </a:solidFill>
-              </a:rPr>
-              <a:t>Experiment 1</a:t>
-            </a:r>
-            <a:r>
-              <a:rPr lang="en-US" sz="1600" dirty="0"/>
-              <a:t> – JOLs vs No-JOLs</a:t>
-            </a:r>
-          </a:p>
-          <a:p>
-            <a:pPr lvl="1">
-              <a:buClr>
-                <a:schemeClr val="tx1"/>
-              </a:buClr>
-            </a:pPr>
-            <a:r>
-              <a:rPr lang="en-US" sz="1400" dirty="0"/>
-              <a:t>H1: Positive reactivity for related pairs, no reactivity for unrelated pairs</a:t>
-            </a:r>
-          </a:p>
-          <a:p>
-            <a:pPr>
-              <a:buClr>
-                <a:schemeClr val="tx1"/>
-              </a:buClr>
-            </a:pPr>
-            <a:r>
-              <a:rPr lang="en-US" sz="1600" b="1" dirty="0">
-                <a:solidFill>
-                  <a:srgbClr val="1E4383"/>
-                </a:solidFill>
-              </a:rPr>
-              <a:t>Experiment 2 </a:t>
-            </a:r>
-            <a:r>
-              <a:rPr lang="en-US" sz="1600" dirty="0"/>
-              <a:t>– JOLs vs Relational Encoding vs Vowel Counting vs No-JOL</a:t>
-            </a:r>
-          </a:p>
-          <a:p>
-            <a:pPr lvl="1">
-              <a:buClr>
-                <a:schemeClr val="tx1"/>
-              </a:buClr>
-            </a:pPr>
-            <a:r>
-              <a:rPr lang="en-US" sz="1400" dirty="0"/>
-              <a:t>H1: Relational encoding should mimic JOL reactivity for related pairs and should also boost recall of unrelated pairs</a:t>
-            </a:r>
-          </a:p>
-          <a:p>
-            <a:pPr>
-              <a:buClr>
-                <a:schemeClr val="tx1"/>
-              </a:buClr>
-            </a:pPr>
-            <a:r>
-              <a:rPr lang="en-US" sz="1600" b="1" dirty="0">
-                <a:solidFill>
-                  <a:srgbClr val="1E4383"/>
-                </a:solidFill>
-              </a:rPr>
-              <a:t>Experiment 3 </a:t>
-            </a:r>
-            <a:r>
-              <a:rPr lang="en-US" sz="1600" dirty="0"/>
-              <a:t>– JOLs vs Frequency Judgments vs No-JOLs</a:t>
-            </a:r>
-          </a:p>
-          <a:p>
-            <a:pPr lvl="1">
-              <a:buClr>
-                <a:schemeClr val="tx1"/>
-              </a:buClr>
-            </a:pPr>
-            <a:r>
-              <a:rPr lang="en-US" sz="1400" dirty="0"/>
-              <a:t>H1: Frequency judgments should display the same reactivity pattern as JOLs</a:t>
-            </a:r>
-            <a:endParaRPr lang="en-US" sz="1600" dirty="0"/>
-          </a:p>
-        </p:txBody>
-      </p:sp>
-      <p:graphicFrame>
-        <p:nvGraphicFramePr>
-          <p:cNvPr id="5" name="Content Placeholder 4">
-            <a:extLst>
-              <a:ext uri="{FF2B5EF4-FFF2-40B4-BE49-F238E27FC236}">
-                <a16:creationId xmlns:a16="http://schemas.microsoft.com/office/drawing/2014/main" id="{764A3F86-86B3-4841-9174-D08871822AF8}"/>
-              </a:ext>
-            </a:extLst>
-          </p:cNvPr>
-          <p:cNvGraphicFramePr>
-            <a:graphicFrameLocks/>
-          </p:cNvGraphicFramePr>
-          <p:nvPr>
-            <p:extLst>
-              <p:ext uri="{D42A27DB-BD31-4B8C-83A1-F6EECF244321}">
-                <p14:modId xmlns:p14="http://schemas.microsoft.com/office/powerpoint/2010/main" val="627441278"/>
-              </p:ext>
-            </p:extLst>
-          </p:nvPr>
-        </p:nvGraphicFramePr>
-        <p:xfrm>
-          <a:off x="1908312" y="2640355"/>
-          <a:ext cx="4959627" cy="1127867"/>
-        </p:xfrm>
-        <a:graphic>
-          <a:graphicData uri="http://schemas.openxmlformats.org/drawingml/2006/diagram">
-            <dgm:relIds xmlns:dgm="http://schemas.openxmlformats.org/drawingml/2006/diagram" xmlns:r="http://schemas.openxmlformats.org/officeDocument/2006/relationships" r:dm="rId2" r:lo="rId3" r:qs="rId4" r:cs="rId5"/>
-          </a:graphicData>
-        </a:graphic>
-      </p:graphicFrame>
-      <p:sp>
-        <p:nvSpPr>
-          <p:cNvPr id="2" name="TextBox 1">
-            <a:extLst>
-              <a:ext uri="{FF2B5EF4-FFF2-40B4-BE49-F238E27FC236}">
-                <a16:creationId xmlns:a16="http://schemas.microsoft.com/office/drawing/2014/main" id="{6D09D123-FA16-4C1B-B7FF-287CEF4C5CAD}"/>
-              </a:ext>
-            </a:extLst>
-          </p:cNvPr>
-          <p:cNvSpPr txBox="1"/>
-          <p:nvPr/>
-        </p:nvSpPr>
-        <p:spPr>
-          <a:xfrm>
-            <a:off x="309354" y="3828119"/>
-            <a:ext cx="8525289" cy="738664"/>
-          </a:xfrm>
-          <a:prstGeom prst="rect">
-            <a:avLst/>
-          </a:prstGeom>
-          <a:noFill/>
-        </p:spPr>
-        <p:txBody>
-          <a:bodyPr wrap="square" rtlCol="0">
-            <a:spAutoFit/>
-          </a:bodyPr>
-          <a:lstStyle/>
-          <a:p>
-            <a:pPr marL="285750" indent="-285750">
-              <a:buClr>
-                <a:schemeClr val="tx1"/>
-              </a:buClr>
-              <a:buFont typeface="Arial" panose="020B0604020202020204" pitchFamily="34" charset="0"/>
-              <a:buChar char="•"/>
-            </a:pPr>
-            <a:r>
-              <a:rPr lang="en-US" sz="1400" dirty="0"/>
-              <a:t>40</a:t>
-            </a:r>
-            <a:r>
-              <a:rPr lang="en-US" sz="1400" b="1" dirty="0">
-                <a:solidFill>
-                  <a:srgbClr val="1E4383"/>
-                </a:solidFill>
-              </a:rPr>
-              <a:t> forward</a:t>
-            </a:r>
-            <a:r>
-              <a:rPr lang="en-US" sz="1400" dirty="0"/>
-              <a:t> (e.g., Credit-Card), </a:t>
-            </a:r>
-            <a:r>
-              <a:rPr lang="en-US" sz="1400" b="1" dirty="0">
-                <a:solidFill>
-                  <a:srgbClr val="1E4383"/>
-                </a:solidFill>
-              </a:rPr>
-              <a:t>backward</a:t>
-            </a:r>
-            <a:r>
-              <a:rPr lang="en-US" sz="1400" dirty="0"/>
-              <a:t> (e.g., Card-Credit), </a:t>
-            </a:r>
-            <a:r>
-              <a:rPr lang="en-US" sz="1400" b="1" dirty="0">
-                <a:solidFill>
-                  <a:srgbClr val="1E4383"/>
-                </a:solidFill>
-              </a:rPr>
-              <a:t>symmetrical</a:t>
-            </a:r>
-            <a:r>
-              <a:rPr lang="en-US" sz="1400" dirty="0"/>
-              <a:t> (e.g., King-Queen), and </a:t>
-            </a:r>
-            <a:r>
-              <a:rPr lang="en-US" sz="1400" b="1" dirty="0">
-                <a:solidFill>
-                  <a:srgbClr val="1E4383"/>
-                </a:solidFill>
-              </a:rPr>
-              <a:t>unrelated</a:t>
-            </a:r>
-            <a:r>
-              <a:rPr lang="en-US" sz="1400" dirty="0"/>
-              <a:t> (e.g., artery-bronze) pairs were generated using the Nelson et al. (2004) free association norms.</a:t>
-            </a:r>
-          </a:p>
-          <a:p>
-            <a:pPr marL="285750" indent="-285750">
-              <a:buFont typeface="Arial" panose="020B0604020202020204" pitchFamily="34" charset="0"/>
-              <a:buChar char="•"/>
-            </a:pPr>
-            <a:r>
-              <a:rPr lang="en-US" sz="1400" dirty="0"/>
-              <a:t>Study lists were matched on FSG, length, concreteness, and frequency.</a:t>
-            </a:r>
-          </a:p>
-        </p:txBody>
-      </p:sp>
-    </p:spTree>
-    <p:extLst>
-      <p:ext uri="{BB962C8B-B14F-4D97-AF65-F5344CB8AC3E}">
-        <p14:creationId xmlns:p14="http://schemas.microsoft.com/office/powerpoint/2010/main" val="3201895043"/>
-      </p:ext>
-    </p:extLst>
-  </p:cSld>
-  <p:clrMapOvr>
-    <a:masterClrMapping/>
-  </p:clrMapOvr>
-  <p:timing>
-    <p:tnLst>
-      <p:par>
-        <p:cTn id="1" dur="indefinite" restart="never" nodeType="tmRoot">
-          <p:childTnLst>
-            <p:seq concurrent="1" nextAc="seek">
-              <p:cTn id="2" dur="indefinite" nodeType="mainSeq">
-                <p:childTnLst>
-                  <p:par>
-                    <p:cTn id="3" fill="hold">
-                      <p:stCondLst>
-                        <p:cond delay="indefinite"/>
-                      </p:stCondLst>
-                      <p:childTnLst>
-                        <p:par>
-                          <p:cTn id="4" fill="hold">
-                            <p:stCondLst>
-                              <p:cond delay="0"/>
-                            </p:stCondLst>
-                            <p:childTnLst>
-                              <p:par>
-                                <p:cTn id="5" presetID="1" presetClass="entr" presetSubtype="0" fill="hold" nodeType="clickEffect">
-                                  <p:stCondLst>
-                                    <p:cond delay="0"/>
-                                  </p:stCondLst>
-                                  <p:childTnLst>
-                                    <p:set>
-                                      <p:cBhvr>
-                                        <p:cTn id="6" dur="1" fill="hold">
-                                          <p:stCondLst>
-                                            <p:cond delay="0"/>
-                                          </p:stCondLst>
-                                        </p:cTn>
-                                        <p:tgtEl>
-                                          <p:spTgt spid="4">
-                                            <p:txEl>
-                                              <p:pRg st="1" end="1"/>
-                                            </p:txEl>
-                                          </p:spTgt>
-                                        </p:tgtEl>
-                                        <p:attrNameLst>
-                                          <p:attrName>style.visibility</p:attrName>
-                                        </p:attrNameLst>
-                                      </p:cBhvr>
-                                      <p:to>
-                                        <p:strVal val="visible"/>
-                                      </p:to>
-                                    </p:set>
-                                  </p:childTnLst>
-                                </p:cTn>
-                              </p:par>
-                              <p:par>
-                                <p:cTn id="7" presetID="1" presetClass="entr" presetSubtype="0" fill="hold" nodeType="withEffect">
-                                  <p:stCondLst>
-                                    <p:cond delay="0"/>
-                                  </p:stCondLst>
-                                  <p:childTnLst>
-                                    <p:set>
-                                      <p:cBhvr>
-                                        <p:cTn id="8" dur="1" fill="hold">
-                                          <p:stCondLst>
-                                            <p:cond delay="0"/>
-                                          </p:stCondLst>
-                                        </p:cTn>
-                                        <p:tgtEl>
-                                          <p:spTgt spid="4">
-                                            <p:txEl>
-                                              <p:pRg st="2" end="2"/>
-                                            </p:txEl>
-                                          </p:spTgt>
-                                        </p:tgtEl>
-                                        <p:attrNameLst>
-                                          <p:attrName>style.visibility</p:attrName>
-                                        </p:attrNameLst>
-                                      </p:cBhvr>
-                                      <p:to>
-                                        <p:strVal val="visible"/>
-                                      </p:to>
-                                    </p:set>
-                                  </p:childTnLst>
-                                </p:cTn>
-                              </p:par>
-                            </p:childTnLst>
-                          </p:cTn>
-                        </p:par>
-                      </p:childTnLst>
-                    </p:cTn>
-                  </p:par>
-                  <p:par>
-                    <p:cTn id="9" fill="hold">
-                      <p:stCondLst>
-                        <p:cond delay="indefinite"/>
-                      </p:stCondLst>
-                      <p:childTnLst>
-                        <p:par>
-                          <p:cTn id="10" fill="hold">
-                            <p:stCondLst>
-                              <p:cond delay="0"/>
-                            </p:stCondLst>
-                            <p:childTnLst>
-                              <p:par>
-                                <p:cTn id="11" presetID="1" presetClass="entr" presetSubtype="0" fill="hold" nodeType="clickEffect">
-                                  <p:stCondLst>
-                                    <p:cond delay="0"/>
-                                  </p:stCondLst>
-                                  <p:childTnLst>
-                                    <p:set>
-                                      <p:cBhvr>
-                                        <p:cTn id="12" dur="1" fill="hold">
-                                          <p:stCondLst>
-                                            <p:cond delay="0"/>
-                                          </p:stCondLst>
-                                        </p:cTn>
-                                        <p:tgtEl>
-                                          <p:spTgt spid="4">
-                                            <p:txEl>
-                                              <p:pRg st="3" end="3"/>
-                                            </p:txEl>
-                                          </p:spTgt>
-                                        </p:tgtEl>
-                                        <p:attrNameLst>
-                                          <p:attrName>style.visibility</p:attrName>
-                                        </p:attrNameLst>
-                                      </p:cBhvr>
-                                      <p:to>
-                                        <p:strVal val="visible"/>
-                                      </p:to>
-                                    </p:set>
-                                  </p:childTnLst>
-                                </p:cTn>
-                              </p:par>
-                              <p:par>
-                                <p:cTn id="13" presetID="1" presetClass="entr" presetSubtype="0" fill="hold" nodeType="withEffect">
-                                  <p:stCondLst>
-                                    <p:cond delay="0"/>
-                                  </p:stCondLst>
-                                  <p:childTnLst>
-                                    <p:set>
-                                      <p:cBhvr>
-                                        <p:cTn id="14" dur="1" fill="hold">
+                                        <p:cTn id="16" dur="1" fill="hold">
                                           <p:stCondLst>
                                             <p:cond delay="0"/>
                                           </p:stCondLst>
@@ -5369,26 +4954,26 @@
                     </p:cTn>
                   </p:par>
                   <p:par>
-                    <p:cTn id="15" fill="hold">
+                    <p:cTn id="17" fill="hold">
                       <p:stCondLst>
                         <p:cond delay="indefinite"/>
                       </p:stCondLst>
                       <p:childTnLst>
                         <p:par>
-                          <p:cTn id="16" fill="hold">
+                          <p:cTn id="18" fill="hold">
                             <p:stCondLst>
                               <p:cond delay="0"/>
                             </p:stCondLst>
                             <p:childTnLst>
                               <p:par>
-                                <p:cTn id="17" presetID="1" presetClass="entr" presetSubtype="0" fill="hold" nodeType="clickEffect">
+                                <p:cTn id="19" presetID="1" presetClass="entr" presetSubtype="0" fill="hold" nodeType="clickEffect">
                                   <p:stCondLst>
                                     <p:cond delay="0"/>
                                   </p:stCondLst>
                                   <p:childTnLst>
                                     <p:set>
                                       <p:cBhvr>
-                                        <p:cTn id="18" dur="1" fill="hold">
+                                        <p:cTn id="20" dur="1" fill="hold">
                                           <p:stCondLst>
                                             <p:cond delay="0"/>
                                           </p:stCondLst>
@@ -5412,14 +4997,14 @@
                                 </p:cTn>
                               </p:par>
                               <p:par>
-                                <p:cTn id="19" presetID="1" presetClass="entr" presetSubtype="0" fill="hold" nodeType="withEffect">
+                                <p:cTn id="21" presetID="1" presetClass="entr" presetSubtype="0" fill="hold" nodeType="withEffect">
                                   <p:stCondLst>
                                     <p:cond delay="0"/>
                                   </p:stCondLst>
                                   <p:childTnLst>
                                     <p:set>
                                       <p:cBhvr>
-                                        <p:cTn id="20" dur="1" fill="hold">
+                                        <p:cTn id="22" dur="1" fill="hold">
                                           <p:stCondLst>
                                             <p:cond delay="0"/>
                                           </p:stCondLst>
@@ -5449,26 +5034,26 @@
                     </p:cTn>
                   </p:par>
                   <p:par>
-                    <p:cTn id="21" fill="hold">
+                    <p:cTn id="23" fill="hold">
                       <p:stCondLst>
                         <p:cond delay="indefinite"/>
                       </p:stCondLst>
                       <p:childTnLst>
                         <p:par>
-                          <p:cTn id="22" fill="hold">
+                          <p:cTn id="24" fill="hold">
                             <p:stCondLst>
                               <p:cond delay="0"/>
                             </p:stCondLst>
                             <p:childTnLst>
                               <p:par>
-                                <p:cTn id="23" presetID="1" presetClass="entr" presetSubtype="0" fill="hold" grpId="0" nodeType="clickEffect">
+                                <p:cTn id="25" presetID="1" presetClass="entr" presetSubtype="0" fill="hold" grpId="0" nodeType="clickEffect">
                                   <p:stCondLst>
                                     <p:cond delay="0"/>
                                   </p:stCondLst>
                                   <p:childTnLst>
                                     <p:set>
                                       <p:cBhvr>
-                                        <p:cTn id="24" dur="1" fill="hold">
+                                        <p:cTn id="26" dur="1" fill="hold">
                                           <p:stCondLst>
                                             <p:cond delay="0"/>
                                           </p:stCondLst>
@@ -5523,128 +5108,7 @@
 </p:sld>
 </file>
 
-<file path=ppt/slides/slide5.xml><?xml version="1.0" encoding="utf-8"?>
-<p:sld xmlns:a="http://schemas.openxmlformats.org/drawingml/2006/main" xmlns:r="http://schemas.openxmlformats.org/officeDocument/2006/relationships" xmlns:p="http://schemas.openxmlformats.org/presentationml/2006/main">
-  <p:cSld>
-    <p:bg>
-      <p:bgPr>
-        <a:solidFill>
-          <a:schemeClr val="bg1"/>
-        </a:solidFill>
-        <a:effectLst/>
-      </p:bgPr>
-    </p:bg>
-    <p:spTree>
-      <p:nvGrpSpPr>
-        <p:cNvPr id="1" name=""/>
-        <p:cNvGrpSpPr/>
-        <p:nvPr/>
-      </p:nvGrpSpPr>
-      <p:grpSpPr>
-        <a:xfrm>
-          <a:off x="0" y="0"/>
-          <a:ext cx="0" cy="0"/>
-          <a:chOff x="0" y="0"/>
-          <a:chExt cx="0" cy="0"/>
-        </a:xfrm>
-      </p:grpSpPr>
-      <p:pic>
-        <p:nvPicPr>
-          <p:cNvPr id="5" name="Content Placeholder 4">
-            <a:extLst>
-              <a:ext uri="{FF2B5EF4-FFF2-40B4-BE49-F238E27FC236}">
-                <a16:creationId xmlns:a16="http://schemas.microsoft.com/office/drawing/2014/main" id="{5F1030F4-ADB0-45BD-B110-625FD9191670}"/>
-              </a:ext>
-            </a:extLst>
-          </p:cNvPr>
-          <p:cNvPicPr>
-            <a:picLocks noGrp="1"/>
-          </p:cNvPicPr>
-          <p:nvPr>
-            <p:ph idx="1"/>
-          </p:nvPr>
-        </p:nvPicPr>
-        <p:blipFill rotWithShape="1">
-          <a:blip r:embed="rId2">
-            <a:extLst>
-              <a:ext uri="{BEBA8EAE-BF5A-486C-A8C5-ECC9F3942E4B}">
-                <a14:imgProps xmlns:a14="http://schemas.microsoft.com/office/drawing/2010/main">
-                  <a14:imgLayer r:embed="rId3">
-                    <a14:imgEffect>
-                      <a14:sharpenSoften amount="25000"/>
-                    </a14:imgEffect>
-                  </a14:imgLayer>
-                </a14:imgProps>
-              </a:ext>
-              <a:ext uri="{28A0092B-C50C-407E-A947-70E740481C1C}">
-                <a14:useLocalDpi xmlns:a14="http://schemas.microsoft.com/office/drawing/2010/main" val="0"/>
-              </a:ext>
-            </a:extLst>
-          </a:blip>
-          <a:srcRect t="50574" b="7319"/>
-          <a:stretch/>
-        </p:blipFill>
-        <p:spPr bwMode="auto">
-          <a:xfrm>
-            <a:off x="1011847" y="606287"/>
-            <a:ext cx="7503503" cy="4154040"/>
-          </a:xfrm>
-          <a:prstGeom prst="rect">
-            <a:avLst/>
-          </a:prstGeom>
-          <a:noFill/>
-          <a:ln>
-            <a:noFill/>
-          </a:ln>
-          <a:extLst>
-            <a:ext uri="{53640926-AAD7-44D8-BBD7-CCE9431645EC}">
-              <a14:shadowObscured xmlns:a14="http://schemas.microsoft.com/office/drawing/2010/main"/>
-            </a:ext>
-          </a:extLst>
-        </p:spPr>
-      </p:pic>
-      <p:sp>
-        <p:nvSpPr>
-          <p:cNvPr id="3" name="Title 2">
-            <a:extLst>
-              <a:ext uri="{FF2B5EF4-FFF2-40B4-BE49-F238E27FC236}">
-                <a16:creationId xmlns:a16="http://schemas.microsoft.com/office/drawing/2014/main" id="{4080914B-34C0-4448-BA37-486062B5B1B7}"/>
-              </a:ext>
-            </a:extLst>
-          </p:cNvPr>
-          <p:cNvSpPr>
-            <a:spLocks noGrp="1"/>
-          </p:cNvSpPr>
-          <p:nvPr>
-            <p:ph type="title"/>
-          </p:nvPr>
-        </p:nvSpPr>
-        <p:spPr/>
-        <p:txBody>
-          <a:bodyPr/>
-          <a:lstStyle/>
-          <a:p>
-            <a:r>
-              <a:rPr lang="en-US" dirty="0"/>
-              <a:t>Results</a:t>
-            </a:r>
-          </a:p>
-        </p:txBody>
-      </p:sp>
-    </p:spTree>
-    <p:extLst>
-      <p:ext uri="{BB962C8B-B14F-4D97-AF65-F5344CB8AC3E}">
-        <p14:creationId xmlns:p14="http://schemas.microsoft.com/office/powerpoint/2010/main" val="4290022558"/>
-      </p:ext>
-    </p:extLst>
-  </p:cSld>
-  <p:clrMapOvr>
-    <a:masterClrMapping/>
-  </p:clrMapOvr>
-</p:sld>
-</file>
-
-<file path=ppt/slides/slide6.xml><?xml version="1.0" encoding="utf-8"?>
+<file path=ppt/slides/slide4.xml><?xml version="1.0" encoding="utf-8"?>
 <p:sld xmlns:a="http://schemas.openxmlformats.org/drawingml/2006/main" xmlns:r="http://schemas.openxmlformats.org/officeDocument/2006/relationships" xmlns:p="http://schemas.openxmlformats.org/presentationml/2006/main">
   <p:cSld>
     <p:bg>
@@ -5692,8 +5156,8 @@
         </p:blipFill>
         <p:spPr bwMode="auto">
           <a:xfrm>
-            <a:off x="1011847" y="720210"/>
-            <a:ext cx="7503503" cy="4089812"/>
+            <a:off x="4030313" y="1279401"/>
+            <a:ext cx="4293706" cy="2842074"/>
           </a:xfrm>
           <a:prstGeom prst="rect">
             <a:avLst/>
@@ -5737,6 +5201,98 @@
           </a:p>
         </p:txBody>
       </p:sp>
+      <p:pic>
+        <p:nvPicPr>
+          <p:cNvPr id="4" name="Content Placeholder 4">
+            <a:extLst>
+              <a:ext uri="{FF2B5EF4-FFF2-40B4-BE49-F238E27FC236}">
+                <a16:creationId xmlns:a16="http://schemas.microsoft.com/office/drawing/2014/main" id="{F40F9B6D-E5EB-44C9-A02E-A9CB67F3E680}"/>
+              </a:ext>
+            </a:extLst>
+          </p:cNvPr>
+          <p:cNvPicPr>
+            <a:picLocks/>
+          </p:cNvPicPr>
+          <p:nvPr/>
+        </p:nvPicPr>
+        <p:blipFill rotWithShape="1">
+          <a:blip r:embed="rId3">
+            <a:extLst>
+              <a:ext uri="{BEBA8EAE-BF5A-486C-A8C5-ECC9F3942E4B}">
+                <a14:imgProps xmlns:a14="http://schemas.microsoft.com/office/drawing/2010/main">
+                  <a14:imgLayer r:embed="rId4">
+                    <a14:imgEffect>
+                      <a14:sharpenSoften amount="25000"/>
+                    </a14:imgEffect>
+                  </a14:imgLayer>
+                </a14:imgProps>
+              </a:ext>
+              <a:ext uri="{28A0092B-C50C-407E-A947-70E740481C1C}">
+                <a14:useLocalDpi xmlns:a14="http://schemas.microsoft.com/office/drawing/2010/main" val="0"/>
+              </a:ext>
+            </a:extLst>
+          </a:blip>
+          <a:srcRect t="50574" b="7319"/>
+          <a:stretch/>
+        </p:blipFill>
+        <p:spPr bwMode="auto">
+          <a:xfrm>
+            <a:off x="119269" y="1269463"/>
+            <a:ext cx="4102375" cy="2842074"/>
+          </a:xfrm>
+          <a:prstGeom prst="rect">
+            <a:avLst/>
+          </a:prstGeom>
+          <a:noFill/>
+          <a:ln>
+            <a:noFill/>
+          </a:ln>
+          <a:extLst>
+            <a:ext uri="{53640926-AAD7-44D8-BBD7-CCE9431645EC}">
+              <a14:shadowObscured xmlns:a14="http://schemas.microsoft.com/office/drawing/2010/main"/>
+            </a:ext>
+          </a:extLst>
+        </p:spPr>
+      </p:pic>
+      <p:sp>
+        <p:nvSpPr>
+          <p:cNvPr id="2" name="TextBox 1">
+            <a:extLst>
+              <a:ext uri="{FF2B5EF4-FFF2-40B4-BE49-F238E27FC236}">
+                <a16:creationId xmlns:a16="http://schemas.microsoft.com/office/drawing/2014/main" id="{48F9F861-75DF-41A4-B0CC-238C79D760B2}"/>
+              </a:ext>
+            </a:extLst>
+          </p:cNvPr>
+          <p:cNvSpPr txBox="1"/>
+          <p:nvPr/>
+        </p:nvSpPr>
+        <p:spPr>
+          <a:xfrm>
+            <a:off x="725557" y="4658082"/>
+            <a:ext cx="3081130" cy="369332"/>
+          </a:xfrm>
+          <a:prstGeom prst="rect">
+            <a:avLst/>
+          </a:prstGeom>
+          <a:noFill/>
+        </p:spPr>
+        <p:txBody>
+          <a:bodyPr wrap="square" rtlCol="0">
+            <a:spAutoFit/>
+          </a:bodyPr>
+          <a:lstStyle/>
+          <a:p>
+            <a:r>
+              <a:rPr lang="en-US" dirty="0">
+                <a:highlight>
+                  <a:srgbClr val="FFFF00"/>
+                </a:highlight>
+              </a:rPr>
+              <a:t>CIs and maybe stats</a:t>
+            </a:r>
+          </a:p>
+        </p:txBody>
+      </p:sp>
     </p:spTree>
     <p:extLst>
       <p:ext uri="{BB962C8B-B14F-4D97-AF65-F5344CB8AC3E}">
@@ -5750,7 +5306,7 @@
 </p:sld>
 </file>
 
-<file path=ppt/slides/slide7.xml><?xml version="1.0" encoding="utf-8"?>
+<file path=ppt/slides/slide5.xml><?xml version="1.0" encoding="utf-8"?>
 <p:sld xmlns:a="http://schemas.openxmlformats.org/drawingml/2006/main" xmlns:r="http://schemas.openxmlformats.org/officeDocument/2006/relationships" xmlns:p="http://schemas.openxmlformats.org/presentationml/2006/main">
   <p:cSld>
     <p:bg>
@@ -5843,6 +5399,45 @@
           </a:p>
         </p:txBody>
       </p:sp>
+      <p:sp>
+        <p:nvSpPr>
+          <p:cNvPr id="2" name="TextBox 1">
+            <a:extLst>
+              <a:ext uri="{FF2B5EF4-FFF2-40B4-BE49-F238E27FC236}">
+                <a16:creationId xmlns:a16="http://schemas.microsoft.com/office/drawing/2014/main" id="{061A1C12-FF02-4C10-9E28-721AE801BEDC}"/>
+              </a:ext>
+            </a:extLst>
+          </p:cNvPr>
+          <p:cNvSpPr txBox="1"/>
+          <p:nvPr/>
+        </p:nvSpPr>
+        <p:spPr>
+          <a:xfrm>
+            <a:off x="725557" y="4658082"/>
+            <a:ext cx="3081130" cy="369332"/>
+          </a:xfrm>
+          <a:prstGeom prst="rect">
+            <a:avLst/>
+          </a:prstGeom>
+          <a:noFill/>
+        </p:spPr>
+        <p:txBody>
+          <a:bodyPr wrap="square" rtlCol="0">
+            <a:spAutoFit/>
+          </a:bodyPr>
+          <a:lstStyle/>
+          <a:p>
+            <a:r>
+              <a:rPr lang="en-US" dirty="0">
+                <a:highlight>
+                  <a:srgbClr val="FFFF00"/>
+                </a:highlight>
+              </a:rPr>
+              <a:t>CIs and maybe stats</a:t>
+            </a:r>
+          </a:p>
+        </p:txBody>
+      </p:sp>
     </p:spTree>
     <p:extLst>
       <p:ext uri="{BB962C8B-B14F-4D97-AF65-F5344CB8AC3E}">
@@ -5856,7 +5451,7 @@
 </p:sld>
 </file>
 
-<file path=ppt/slides/slide8.xml><?xml version="1.0" encoding="utf-8"?>
+<file path=ppt/slides/slide6.xml><?xml version="1.0" encoding="utf-8"?>
 <p:sld xmlns:a="http://schemas.openxmlformats.org/drawingml/2006/main" xmlns:r="http://schemas.openxmlformats.org/officeDocument/2006/relationships" xmlns:p="http://schemas.openxmlformats.org/presentationml/2006/main">
   <p:cSld>
     <p:bg>
@@ -5985,6 +5580,101 @@
     <p:extLst>
       <p:ext uri="{BB962C8B-B14F-4D97-AF65-F5344CB8AC3E}">
         <p14:creationId xmlns:p14="http://schemas.microsoft.com/office/powerpoint/2010/main" val="598539088"/>
+      </p:ext>
+    </p:extLst>
+  </p:cSld>
+  <p:clrMapOvr>
+    <a:masterClrMapping/>
+  </p:clrMapOvr>
+</p:sld>
+</file>
+
+<file path=ppt/slides/slide7.xml><?xml version="1.0" encoding="utf-8"?>
+<p:sld xmlns:a="http://schemas.openxmlformats.org/drawingml/2006/main" xmlns:r="http://schemas.openxmlformats.org/officeDocument/2006/relationships" xmlns:p="http://schemas.openxmlformats.org/presentationml/2006/main">
+  <p:cSld>
+    <p:bg>
+      <p:bgPr>
+        <a:solidFill>
+          <a:schemeClr val="bg1"/>
+        </a:solidFill>
+        <a:effectLst/>
+      </p:bgPr>
+    </p:bg>
+    <p:spTree>
+      <p:nvGrpSpPr>
+        <p:cNvPr id="1" name=""/>
+        <p:cNvGrpSpPr/>
+        <p:nvPr/>
+      </p:nvGrpSpPr>
+      <p:grpSpPr>
+        <a:xfrm>
+          <a:off x="0" y="0"/>
+          <a:ext cx="0" cy="0"/>
+          <a:chOff x="0" y="0"/>
+          <a:chExt cx="0" cy="0"/>
+        </a:xfrm>
+      </p:grpSpPr>
+      <p:sp>
+        <p:nvSpPr>
+          <p:cNvPr id="2" name="Title 1">
+            <a:extLst>
+              <a:ext uri="{FF2B5EF4-FFF2-40B4-BE49-F238E27FC236}">
+                <a16:creationId xmlns:a16="http://schemas.microsoft.com/office/drawing/2014/main" id="{FD42782C-D0B4-47E4-AA70-D5CA2DEF1C45}"/>
+              </a:ext>
+            </a:extLst>
+          </p:cNvPr>
+          <p:cNvSpPr>
+            <a:spLocks noGrp="1"/>
+          </p:cNvSpPr>
+          <p:nvPr>
+            <p:ph type="title"/>
+          </p:nvPr>
+        </p:nvSpPr>
+        <p:spPr/>
+        <p:txBody>
+          <a:bodyPr/>
+          <a:lstStyle/>
+          <a:p>
+            <a:endParaRPr lang="en-US"/>
+          </a:p>
+        </p:txBody>
+      </p:sp>
+      <p:sp>
+        <p:nvSpPr>
+          <p:cNvPr id="3" name="Content Placeholder 2">
+            <a:extLst>
+              <a:ext uri="{FF2B5EF4-FFF2-40B4-BE49-F238E27FC236}">
+                <a16:creationId xmlns:a16="http://schemas.microsoft.com/office/drawing/2014/main" id="{51F9FF4C-B946-4209-A091-B3C1EBC2024D}"/>
+              </a:ext>
+            </a:extLst>
+          </p:cNvPr>
+          <p:cNvSpPr>
+            <a:spLocks noGrp="1"/>
+          </p:cNvSpPr>
+          <p:nvPr>
+            <p:ph idx="1"/>
+          </p:nvPr>
+        </p:nvSpPr>
+        <p:spPr/>
+        <p:txBody>
+          <a:bodyPr/>
+          <a:lstStyle/>
+          <a:p>
+            <a:r>
+              <a:rPr lang="en-US" dirty="0">
+                <a:highlight>
+                  <a:srgbClr val="FFFF00"/>
+                </a:highlight>
+              </a:rPr>
+              <a:t>CORRESPONDENCE </a:t>
+            </a:r>
+          </a:p>
+        </p:txBody>
+      </p:sp>
+    </p:spTree>
+    <p:extLst>
+      <p:ext uri="{BB962C8B-B14F-4D97-AF65-F5344CB8AC3E}">
+        <p14:creationId xmlns:p14="http://schemas.microsoft.com/office/powerpoint/2010/main" val="2901324723"/>
       </p:ext>
     </p:extLst>
   </p:cSld>

--- a/6 Presentations/JOL Reactivity.pptx
+++ b/6 Presentations/JOL Reactivity.pptx
@@ -11,7 +11,6 @@
     <p:sldId id="262" r:id="rId5"/>
     <p:sldId id="263" r:id="rId6"/>
     <p:sldId id="260" r:id="rId7"/>
-    <p:sldId id="264" r:id="rId8"/>
   </p:sldIdLst>
   <p:sldSz cx="9144000" cy="5143500" type="screen16x9"/>
   <p:notesSz cx="6858000" cy="9144000"/>
@@ -1095,8 +1094,8 @@
       </dsp:nvSpPr>
       <dsp:spPr>
         <a:xfrm>
-          <a:off x="4359" y="173072"/>
-          <a:ext cx="1302870" cy="781722"/>
+          <a:off x="4149" y="125023"/>
+          <a:ext cx="1240207" cy="744124"/>
         </a:xfrm>
         <a:prstGeom prst="roundRect">
           <a:avLst>
@@ -1135,12 +1134,12 @@
         </a:fontRef>
       </dsp:style>
       <dsp:txBody>
-        <a:bodyPr spcFirstLastPara="0" vert="horz" wrap="square" lIns="72390" tIns="72390" rIns="72390" bIns="72390" numCol="1" spcCol="1270" anchor="ctr" anchorCtr="0">
+        <a:bodyPr spcFirstLastPara="0" vert="horz" wrap="square" lIns="68580" tIns="68580" rIns="68580" bIns="68580" numCol="1" spcCol="1270" anchor="ctr" anchorCtr="0">
           <a:noAutofit/>
         </a:bodyPr>
         <a:lstStyle/>
         <a:p>
-          <a:pPr marL="0" lvl="0" indent="0" algn="ctr" defTabSz="844550">
+          <a:pPr marL="0" lvl="0" indent="0" algn="ctr" defTabSz="800100">
             <a:lnSpc>
               <a:spcPct val="90000"/>
             </a:lnSpc>
@@ -1153,14 +1152,14 @@
             <a:buNone/>
           </a:pPr>
           <a:r>
-            <a:rPr lang="en-US" sz="1900" b="1" kern="1200" dirty="0"/>
+            <a:rPr lang="en-US" sz="1800" b="1" kern="1200" dirty="0"/>
             <a:t>Study</a:t>
           </a:r>
         </a:p>
       </dsp:txBody>
       <dsp:txXfrm>
-        <a:off x="27255" y="195968"/>
-        <a:ext cx="1257078" cy="735930"/>
+        <a:off x="25944" y="146818"/>
+        <a:ext cx="1196617" cy="700534"/>
       </dsp:txXfrm>
     </dsp:sp>
     <dsp:sp modelId="{ED072CF8-EDA6-4D43-B06C-F763F1784C6B}">
@@ -1170,8 +1169,8 @@
       </dsp:nvSpPr>
       <dsp:spPr>
         <a:xfrm>
-          <a:off x="1437516" y="402377"/>
-          <a:ext cx="276208" cy="323111"/>
+          <a:off x="1368377" y="343300"/>
+          <a:ext cx="262923" cy="307571"/>
         </a:xfrm>
         <a:prstGeom prst="rightArrow">
           <a:avLst>
@@ -1223,8 +1222,8 @@
         </a:p>
       </dsp:txBody>
       <dsp:txXfrm>
-        <a:off x="1437516" y="466999"/>
-        <a:ext cx="193346" cy="193867"/>
+        <a:off x="1368377" y="404814"/>
+        <a:ext cx="184046" cy="184543"/>
       </dsp:txXfrm>
     </dsp:sp>
     <dsp:sp modelId="{ADD1959A-890D-4590-BDCA-C34279896A2C}">
@@ -1234,8 +1233,8 @@
       </dsp:nvSpPr>
       <dsp:spPr>
         <a:xfrm>
-          <a:off x="1828378" y="173072"/>
-          <a:ext cx="1302870" cy="781722"/>
+          <a:off x="1740439" y="125023"/>
+          <a:ext cx="1240207" cy="744124"/>
         </a:xfrm>
         <a:prstGeom prst="roundRect">
           <a:avLst>
@@ -1274,12 +1273,12 @@
         </a:fontRef>
       </dsp:style>
       <dsp:txBody>
-        <a:bodyPr spcFirstLastPara="0" vert="horz" wrap="square" lIns="72390" tIns="72390" rIns="72390" bIns="72390" numCol="1" spcCol="1270" anchor="ctr" anchorCtr="0">
+        <a:bodyPr spcFirstLastPara="0" vert="horz" wrap="square" lIns="68580" tIns="68580" rIns="68580" bIns="68580" numCol="1" spcCol="1270" anchor="ctr" anchorCtr="0">
           <a:noAutofit/>
         </a:bodyPr>
         <a:lstStyle/>
         <a:p>
-          <a:pPr marL="0" lvl="0" indent="0" algn="ctr" defTabSz="844550">
+          <a:pPr marL="0" lvl="0" indent="0" algn="ctr" defTabSz="800100">
             <a:lnSpc>
               <a:spcPct val="90000"/>
             </a:lnSpc>
@@ -1292,14 +1291,14 @@
             <a:buNone/>
           </a:pPr>
           <a:r>
-            <a:rPr lang="en-US" sz="1900" b="1" kern="1200" dirty="0"/>
+            <a:rPr lang="en-US" sz="1800" b="1" kern="1200" dirty="0"/>
             <a:t>Arithmetic Filler Task</a:t>
           </a:r>
         </a:p>
       </dsp:txBody>
       <dsp:txXfrm>
-        <a:off x="1851274" y="195968"/>
-        <a:ext cx="1257078" cy="735930"/>
+        <a:off x="1762234" y="146818"/>
+        <a:ext cx="1196617" cy="700534"/>
       </dsp:txXfrm>
     </dsp:sp>
     <dsp:sp modelId="{FC7CD236-3585-4AD2-9CC8-EF1FC6023817}">
@@ -1309,8 +1308,8 @@
       </dsp:nvSpPr>
       <dsp:spPr>
         <a:xfrm>
-          <a:off x="3261535" y="402377"/>
-          <a:ext cx="276208" cy="323111"/>
+          <a:off x="3104667" y="343300"/>
+          <a:ext cx="262923" cy="307571"/>
         </a:xfrm>
         <a:prstGeom prst="rightArrow">
           <a:avLst>
@@ -1362,8 +1361,8 @@
         </a:p>
       </dsp:txBody>
       <dsp:txXfrm>
-        <a:off x="3261535" y="466999"/>
-        <a:ext cx="193346" cy="193867"/>
+        <a:off x="3104667" y="404814"/>
+        <a:ext cx="184046" cy="184543"/>
       </dsp:txXfrm>
     </dsp:sp>
     <dsp:sp modelId="{CC0444EB-7C5C-4395-852D-4E2A5CC837D8}">
@@ -1373,8 +1372,8 @@
       </dsp:nvSpPr>
       <dsp:spPr>
         <a:xfrm>
-          <a:off x="3652397" y="173072"/>
-          <a:ext cx="1302870" cy="781722"/>
+          <a:off x="3476730" y="125023"/>
+          <a:ext cx="1240207" cy="744124"/>
         </a:xfrm>
         <a:prstGeom prst="roundRect">
           <a:avLst>
@@ -1413,12 +1412,12 @@
         </a:fontRef>
       </dsp:style>
       <dsp:txBody>
-        <a:bodyPr spcFirstLastPara="0" vert="horz" wrap="square" lIns="72390" tIns="72390" rIns="72390" bIns="72390" numCol="1" spcCol="1270" anchor="ctr" anchorCtr="0">
+        <a:bodyPr spcFirstLastPara="0" vert="horz" wrap="square" lIns="68580" tIns="68580" rIns="68580" bIns="68580" numCol="1" spcCol="1270" anchor="ctr" anchorCtr="0">
           <a:noAutofit/>
         </a:bodyPr>
         <a:lstStyle/>
         <a:p>
-          <a:pPr marL="0" lvl="0" indent="0" algn="ctr" defTabSz="844550">
+          <a:pPr marL="0" lvl="0" indent="0" algn="ctr" defTabSz="800100">
             <a:lnSpc>
               <a:spcPct val="90000"/>
             </a:lnSpc>
@@ -1431,14 +1430,14 @@
             <a:buNone/>
           </a:pPr>
           <a:r>
-            <a:rPr lang="en-US" sz="1900" b="1" kern="1200" dirty="0"/>
+            <a:rPr lang="en-US" sz="1800" b="1" kern="1200" dirty="0"/>
             <a:t>Recall</a:t>
           </a:r>
         </a:p>
       </dsp:txBody>
       <dsp:txXfrm>
-        <a:off x="3675293" y="195968"/>
-        <a:ext cx="1257078" cy="735930"/>
+        <a:off x="3498525" y="146818"/>
+        <a:ext cx="1196617" cy="700534"/>
       </dsp:txXfrm>
     </dsp:sp>
   </dsp:spTree>
@@ -3853,6 +3852,13 @@
               <a:t>Nicholas P. Maxwell &amp; Mark J. Huff</a:t>
             </a:r>
           </a:p>
+          <a:p>
+            <a:endParaRPr lang="en-US" dirty="0">
+              <a:solidFill>
+                <a:srgbClr val="1E4383"/>
+              </a:solidFill>
+            </a:endParaRPr>
+          </a:p>
         </p:txBody>
       </p:sp>
       <p:pic>
@@ -3945,6 +3951,62 @@
           </a:prstGeom>
         </p:spPr>
       </p:pic>
+      <p:sp>
+        <p:nvSpPr>
+          <p:cNvPr id="4" name="TextBox 3">
+            <a:extLst>
+              <a:ext uri="{FF2B5EF4-FFF2-40B4-BE49-F238E27FC236}">
+                <a16:creationId xmlns:a16="http://schemas.microsoft.com/office/drawing/2014/main" id="{DEA01DDA-14FA-4096-9988-536C2D22DBD9}"/>
+              </a:ext>
+            </a:extLst>
+          </p:cNvPr>
+          <p:cNvSpPr txBox="1"/>
+          <p:nvPr/>
+        </p:nvSpPr>
+        <p:spPr>
+          <a:xfrm>
+            <a:off x="1932167" y="4611757"/>
+            <a:ext cx="5279666" cy="369332"/>
+          </a:xfrm>
+          <a:prstGeom prst="rect">
+            <a:avLst/>
+          </a:prstGeom>
+          <a:noFill/>
+        </p:spPr>
+        <p:txBody>
+          <a:bodyPr wrap="square" rtlCol="0">
+            <a:spAutoFit/>
+          </a:bodyPr>
+          <a:lstStyle/>
+          <a:p>
+            <a:r>
+              <a:rPr lang="en-US" sz="1600" b="1" dirty="0">
+                <a:solidFill>
+                  <a:srgbClr val="00B0F0"/>
+                </a:solidFill>
+              </a:rPr>
+              <a:t>nicholas.maxwell@usm.edu </a:t>
+            </a:r>
+            <a:r>
+              <a:rPr lang="en-US" dirty="0"/>
+              <a:t>| </a:t>
+            </a:r>
+            <a:r>
+              <a:rPr lang="en-US" sz="1600" b="1" dirty="0">
+                <a:solidFill>
+                  <a:srgbClr val="00B0F0"/>
+                </a:solidFill>
+              </a:rPr>
+              <a:t>https://osf.io/8yvn3/</a:t>
+            </a:r>
+            <a:endParaRPr lang="en-US" b="1" dirty="0">
+              <a:solidFill>
+                <a:srgbClr val="00B0F0"/>
+              </a:solidFill>
+            </a:endParaRPr>
+          </a:p>
+        </p:txBody>
+      </p:sp>
     </p:spTree>
     <p:extLst>
       <p:ext uri="{BB962C8B-B14F-4D97-AF65-F5344CB8AC3E}">
@@ -4098,14 +4160,11 @@
               <a:rPr lang="en-US" sz="1700" dirty="0"/>
               <a:t>– Costs to memory performance</a:t>
             </a:r>
-            <a:r>
-              <a:rPr lang="en-US" sz="1700" dirty="0">
-                <a:highlight>
-                  <a:srgbClr val="FFFF00"/>
-                </a:highlight>
-              </a:rPr>
-              <a:t>[ADD FIGURES]</a:t>
-            </a:r>
+            <a:endParaRPr lang="en-US" sz="1700" dirty="0">
+              <a:highlight>
+                <a:srgbClr val="FFFF00"/>
+              </a:highlight>
+            </a:endParaRPr>
           </a:p>
           <a:p>
             <a:pPr lvl="1">
@@ -4113,7 +4172,7 @@
                 <a:schemeClr val="tx1"/>
               </a:buClr>
             </a:pPr>
-            <a:endParaRPr lang="en-US" sz="1700" dirty="0">
+            <a:endParaRPr lang="en-US" dirty="0">
               <a:highlight>
                 <a:srgbClr val="FFFF00"/>
               </a:highlight>
@@ -4515,7 +4574,7 @@
         </p:nvSpPr>
         <p:spPr>
           <a:xfrm>
-            <a:off x="324264" y="1575591"/>
+            <a:off x="324264" y="1480175"/>
             <a:ext cx="8276811" cy="3075190"/>
           </a:xfrm>
         </p:spPr>
@@ -4556,12 +4615,8 @@
               </a:buClr>
             </a:pPr>
             <a:r>
-              <a:rPr lang="en-US" sz="1400" dirty="0">
-                <a:highlight>
-                  <a:srgbClr val="FFFF00"/>
-                </a:highlight>
-              </a:rPr>
-              <a:t>GOAL HERE</a:t>
+              <a:rPr lang="en-US" sz="1400" dirty="0"/>
+              <a:t>Replicate previous findings showing reactivity for related pairs and no reactivity for unelated pairs</a:t>
             </a:r>
           </a:p>
           <a:p>
@@ -4591,7 +4646,7 @@
             </a:pPr>
             <a:r>
               <a:rPr lang="en-US" sz="1400" dirty="0"/>
-              <a:t>H1: Relational encoding should mimic JOL reactivity for related pairs and should also boost recall of unrelated pairs</a:t>
+              <a:t>Relational encoding should mimic JOL reactivity for related pairs and should also boost recall of unrelated pairs</a:t>
             </a:r>
           </a:p>
           <a:p>
@@ -4621,7 +4676,7 @@
             </a:pPr>
             <a:r>
               <a:rPr lang="en-US" sz="1400" dirty="0"/>
-              <a:t>H1: Frequency judgments should display the same reactivity pattern as JOLs</a:t>
+              <a:t>Frequency judgments should display the same reactivity pattern as JOLs</a:t>
             </a:r>
             <a:endParaRPr lang="en-US" sz="1600" dirty="0"/>
           </a:p>
@@ -4642,14 +4697,14 @@
           <p:nvPr>
             <p:extLst>
               <p:ext uri="{D42A27DB-BD31-4B8C-83A1-F6EECF244321}">
-                <p14:modId xmlns:p14="http://schemas.microsoft.com/office/powerpoint/2010/main" val="3902038237"/>
+                <p14:modId xmlns:p14="http://schemas.microsoft.com/office/powerpoint/2010/main" val="4047447405"/>
               </p:ext>
             </p:extLst>
           </p:nvPr>
         </p:nvGraphicFramePr>
         <p:xfrm>
-          <a:off x="1749286" y="835362"/>
-          <a:ext cx="4959627" cy="1127867"/>
+          <a:off x="1884459" y="763792"/>
+          <a:ext cx="4721087" cy="994172"/>
         </p:xfrm>
         <a:graphic>
           <a:graphicData uri="http://schemas.openxmlformats.org/drawingml/2006/diagram">
@@ -4671,7 +4726,7 @@
         </p:nvSpPr>
         <p:spPr>
           <a:xfrm>
-            <a:off x="309354" y="3877814"/>
+            <a:off x="294447" y="3936046"/>
             <a:ext cx="8525289" cy="738664"/>
           </a:xfrm>
           <a:prstGeom prst="rect">
@@ -4788,7 +4843,7 @@
                             </p:stCondLst>
                             <p:childTnLst>
                               <p:par>
-                                <p:cTn id="5" presetID="1" presetClass="entr" presetSubtype="0" fill="hold" nodeType="clickEffect">
+                                <p:cTn id="5" presetID="1" presetClass="entr" presetSubtype="0" fill="hold" grpId="0" nodeType="clickEffect">
                                   <p:stCondLst>
                                     <p:cond delay="0"/>
                                   </p:stCondLst>
@@ -4801,11 +4856,7 @@
                                           </p:stCondLst>
                                         </p:cTn>
                                         <p:tgtEl>
-                                          <p:spTgt spid="4">
-                                            <p:txEl>
-                                              <p:pRg st="1" end="1"/>
-                                            </p:txEl>
-                                          </p:spTgt>
+                                          <p:spTgt spid="5"/>
                                         </p:tgtEl>
                                         <p:attrNameLst>
                                           <p:attrName>style.visibility</p:attrName>
@@ -4852,6 +4903,37 @@
                                         <p:tgtEl>
                                           <p:spTgt spid="4">
                                             <p:txEl>
+                                              <p:pRg st="1" end="1"/>
+                                            </p:txEl>
+                                          </p:spTgt>
+                                        </p:tgtEl>
+                                        <p:attrNameLst>
+                                          <p:attrName>style.visibility</p:attrName>
+                                        </p:attrNameLst>
+                                      </p:cBhvr>
+                                      <p:to>
+                                        <p:strVal val="visible"/>
+                                      </p:to>
+                                    </p:set>
+                                  </p:childTnLst>
+                                </p:cTn>
+                              </p:par>
+                              <p:par>
+                                <p:cTn id="11" presetID="1" presetClass="entr" presetSubtype="0" fill="hold" nodeType="withEffect">
+                                  <p:stCondLst>
+                                    <p:cond delay="0"/>
+                                  </p:stCondLst>
+                                  <p:childTnLst>
+                                    <p:set>
+                                      <p:cBhvr>
+                                        <p:cTn id="12" dur="1" fill="hold">
+                                          <p:stCondLst>
+                                            <p:cond delay="0"/>
+                                          </p:stCondLst>
+                                        </p:cTn>
+                                        <p:tgtEl>
+                                          <p:spTgt spid="4">
+                                            <p:txEl>
                                               <p:pRg st="2" end="2"/>
                                             </p:txEl>
                                           </p:spTgt>
@@ -4874,26 +4956,26 @@
                     </p:cTn>
                   </p:par>
                   <p:par>
-                    <p:cTn id="11" fill="hold">
+                    <p:cTn id="13" fill="hold">
                       <p:stCondLst>
                         <p:cond delay="indefinite"/>
                       </p:stCondLst>
                       <p:childTnLst>
                         <p:par>
-                          <p:cTn id="12" fill="hold">
+                          <p:cTn id="14" fill="hold">
                             <p:stCondLst>
                               <p:cond delay="0"/>
                             </p:stCondLst>
                             <p:childTnLst>
                               <p:par>
-                                <p:cTn id="13" presetID="1" presetClass="entr" presetSubtype="0" fill="hold" nodeType="clickEffect">
+                                <p:cTn id="15" presetID="1" presetClass="entr" presetSubtype="0" fill="hold" nodeType="clickEffect">
                                   <p:stCondLst>
                                     <p:cond delay="0"/>
                                   </p:stCondLst>
                                   <p:childTnLst>
                                     <p:set>
                                       <p:cBhvr>
-                                        <p:cTn id="14" dur="1" fill="hold">
+                                        <p:cTn id="16" dur="1" fill="hold">
                                           <p:stCondLst>
                                             <p:cond delay="0"/>
                                           </p:stCondLst>
@@ -4917,14 +4999,14 @@
                                 </p:cTn>
                               </p:par>
                               <p:par>
-                                <p:cTn id="15" presetID="1" presetClass="entr" presetSubtype="0" fill="hold" nodeType="withEffect">
+                                <p:cTn id="17" presetID="1" presetClass="entr" presetSubtype="0" fill="hold" nodeType="withEffect">
                                   <p:stCondLst>
                                     <p:cond delay="0"/>
                                   </p:stCondLst>
                                   <p:childTnLst>
                                     <p:set>
                                       <p:cBhvr>
-                                        <p:cTn id="16" dur="1" fill="hold">
+                                        <p:cTn id="18" dur="1" fill="hold">
                                           <p:stCondLst>
                                             <p:cond delay="0"/>
                                           </p:stCondLst>
@@ -4954,26 +5036,26 @@
                     </p:cTn>
                   </p:par>
                   <p:par>
-                    <p:cTn id="17" fill="hold">
+                    <p:cTn id="19" fill="hold">
                       <p:stCondLst>
                         <p:cond delay="indefinite"/>
                       </p:stCondLst>
                       <p:childTnLst>
                         <p:par>
-                          <p:cTn id="18" fill="hold">
+                          <p:cTn id="20" fill="hold">
                             <p:stCondLst>
                               <p:cond delay="0"/>
                             </p:stCondLst>
                             <p:childTnLst>
                               <p:par>
-                                <p:cTn id="19" presetID="1" presetClass="entr" presetSubtype="0" fill="hold" nodeType="clickEffect">
+                                <p:cTn id="21" presetID="1" presetClass="entr" presetSubtype="0" fill="hold" nodeType="clickEffect">
                                   <p:stCondLst>
                                     <p:cond delay="0"/>
                                   </p:stCondLst>
                                   <p:childTnLst>
                                     <p:set>
                                       <p:cBhvr>
-                                        <p:cTn id="20" dur="1" fill="hold">
+                                        <p:cTn id="22" dur="1" fill="hold">
                                           <p:stCondLst>
                                             <p:cond delay="0"/>
                                           </p:stCondLst>
@@ -4997,14 +5079,14 @@
                                 </p:cTn>
                               </p:par>
                               <p:par>
-                                <p:cTn id="21" presetID="1" presetClass="entr" presetSubtype="0" fill="hold" nodeType="withEffect">
+                                <p:cTn id="23" presetID="1" presetClass="entr" presetSubtype="0" fill="hold" nodeType="withEffect">
                                   <p:stCondLst>
                                     <p:cond delay="0"/>
                                   </p:stCondLst>
                                   <p:childTnLst>
                                     <p:set>
                                       <p:cBhvr>
-                                        <p:cTn id="22" dur="1" fill="hold">
+                                        <p:cTn id="24" dur="1" fill="hold">
                                           <p:stCondLst>
                                             <p:cond delay="0"/>
                                           </p:stCondLst>
@@ -5034,32 +5116,32 @@
                     </p:cTn>
                   </p:par>
                   <p:par>
-                    <p:cTn id="23" fill="hold">
+                    <p:cTn id="25" fill="hold">
                       <p:stCondLst>
                         <p:cond delay="indefinite"/>
                       </p:stCondLst>
                       <p:childTnLst>
                         <p:par>
-                          <p:cTn id="24" fill="hold">
+                          <p:cTn id="26" fill="hold">
                             <p:stCondLst>
                               <p:cond delay="0"/>
                             </p:stCondLst>
                             <p:childTnLst>
                               <p:par>
-                                <p:cTn id="25" presetID="1" presetClass="entr" presetSubtype="0" fill="hold" grpId="0" nodeType="clickEffect">
+                                <p:cTn id="27" presetID="1" presetClass="entr" presetSubtype="0" fill="hold" grpId="0" nodeType="clickEffect">
                                   <p:stCondLst>
                                     <p:cond delay="0"/>
                                   </p:stCondLst>
                                   <p:childTnLst>
                                     <p:set>
                                       <p:cBhvr>
-                                        <p:cTn id="26" dur="1" fill="hold">
+                                        <p:cTn id="28" dur="1" fill="hold">
                                           <p:stCondLst>
                                             <p:cond delay="0"/>
                                           </p:stCondLst>
                                         </p:cTn>
                                         <p:tgtEl>
-                                          <p:spTgt spid="5"/>
+                                          <p:spTgt spid="2"/>
                                         </p:tgtEl>
                                         <p:attrNameLst>
                                           <p:attrName>style.visibility</p:attrName>
@@ -5103,6 +5185,7 @@
       <p:bldGraphic spid="5" grpId="0">
         <p:bldAsOne/>
       </p:bldGraphic>
+      <p:bldP spid="2" grpId="0"/>
     </p:bldLst>
   </p:timing>
 </p:sld>
@@ -5156,7 +5239,7 @@
         </p:blipFill>
         <p:spPr bwMode="auto">
           <a:xfrm>
-            <a:off x="4030313" y="1279401"/>
+            <a:off x="4411975" y="1343011"/>
             <a:ext cx="4293706" cy="2842074"/>
           </a:xfrm>
           <a:prstGeom prst="rect">
@@ -5237,7 +5320,7 @@
         </p:blipFill>
         <p:spPr bwMode="auto">
           <a:xfrm>
-            <a:off x="119269" y="1269463"/>
+            <a:off x="267856" y="1269463"/>
             <a:ext cx="4102375" cy="2842074"/>
           </a:xfrm>
           <a:prstGeom prst="rect">
@@ -5268,8 +5351,8 @@
         </p:nvSpPr>
         <p:spPr>
           <a:xfrm>
-            <a:off x="725557" y="4658082"/>
-            <a:ext cx="3081130" cy="369332"/>
+            <a:off x="312089" y="4342318"/>
+            <a:ext cx="3081130" cy="307777"/>
           </a:xfrm>
           <a:prstGeom prst="rect">
             <a:avLst/>
@@ -5283,12 +5366,8 @@
           <a:lstStyle/>
           <a:p>
             <a:r>
-              <a:rPr lang="en-US" dirty="0">
-                <a:highlight>
-                  <a:srgbClr val="FFFF00"/>
-                </a:highlight>
-              </a:rPr>
-              <a:t>CIs and maybe stats</a:t>
+              <a:rPr lang="en-US" sz="1400" dirty="0"/>
+              <a:t>*Bars indicate 95% CI</a:t>
             </a:r>
           </a:p>
         </p:txBody>
@@ -5354,8 +5433,8 @@
         </p:blipFill>
         <p:spPr bwMode="auto">
           <a:xfrm>
-            <a:off x="1011847" y="646043"/>
-            <a:ext cx="7503503" cy="4012039"/>
+            <a:off x="1590509" y="917197"/>
+            <a:ext cx="5962982" cy="3309105"/>
           </a:xfrm>
           <a:prstGeom prst="rect">
             <a:avLst/>
@@ -5401,10 +5480,10 @@
       </p:sp>
       <p:sp>
         <p:nvSpPr>
-          <p:cNvPr id="2" name="TextBox 1">
+          <p:cNvPr id="6" name="TextBox 5">
             <a:extLst>
               <a:ext uri="{FF2B5EF4-FFF2-40B4-BE49-F238E27FC236}">
-                <a16:creationId xmlns:a16="http://schemas.microsoft.com/office/drawing/2014/main" id="{061A1C12-FF02-4C10-9E28-721AE801BEDC}"/>
+                <a16:creationId xmlns:a16="http://schemas.microsoft.com/office/drawing/2014/main" id="{B847DE15-6E9C-4D97-B4F4-72735788F491}"/>
               </a:ext>
             </a:extLst>
           </p:cNvPr>
@@ -5413,8 +5492,8 @@
         </p:nvSpPr>
         <p:spPr>
           <a:xfrm>
-            <a:off x="725557" y="4658082"/>
-            <a:ext cx="3081130" cy="369332"/>
+            <a:off x="312089" y="4342318"/>
+            <a:ext cx="3081130" cy="307777"/>
           </a:xfrm>
           <a:prstGeom prst="rect">
             <a:avLst/>
@@ -5428,12 +5507,8 @@
           <a:lstStyle/>
           <a:p>
             <a:r>
-              <a:rPr lang="en-US" dirty="0">
-                <a:highlight>
-                  <a:srgbClr val="FFFF00"/>
-                </a:highlight>
-              </a:rPr>
-              <a:t>CIs and maybe stats</a:t>
+              <a:rPr lang="en-US" sz="1400" dirty="0"/>
+              <a:t>*Bars indicate 95% CI</a:t>
             </a:r>
           </a:p>
         </p:txBody>
@@ -5580,101 +5655,6 @@
     <p:extLst>
       <p:ext uri="{BB962C8B-B14F-4D97-AF65-F5344CB8AC3E}">
         <p14:creationId xmlns:p14="http://schemas.microsoft.com/office/powerpoint/2010/main" val="598539088"/>
-      </p:ext>
-    </p:extLst>
-  </p:cSld>
-  <p:clrMapOvr>
-    <a:masterClrMapping/>
-  </p:clrMapOvr>
-</p:sld>
-</file>
-
-<file path=ppt/slides/slide7.xml><?xml version="1.0" encoding="utf-8"?>
-<p:sld xmlns:a="http://schemas.openxmlformats.org/drawingml/2006/main" xmlns:r="http://schemas.openxmlformats.org/officeDocument/2006/relationships" xmlns:p="http://schemas.openxmlformats.org/presentationml/2006/main">
-  <p:cSld>
-    <p:bg>
-      <p:bgPr>
-        <a:solidFill>
-          <a:schemeClr val="bg1"/>
-        </a:solidFill>
-        <a:effectLst/>
-      </p:bgPr>
-    </p:bg>
-    <p:spTree>
-      <p:nvGrpSpPr>
-        <p:cNvPr id="1" name=""/>
-        <p:cNvGrpSpPr/>
-        <p:nvPr/>
-      </p:nvGrpSpPr>
-      <p:grpSpPr>
-        <a:xfrm>
-          <a:off x="0" y="0"/>
-          <a:ext cx="0" cy="0"/>
-          <a:chOff x="0" y="0"/>
-          <a:chExt cx="0" cy="0"/>
-        </a:xfrm>
-      </p:grpSpPr>
-      <p:sp>
-        <p:nvSpPr>
-          <p:cNvPr id="2" name="Title 1">
-            <a:extLst>
-              <a:ext uri="{FF2B5EF4-FFF2-40B4-BE49-F238E27FC236}">
-                <a16:creationId xmlns:a16="http://schemas.microsoft.com/office/drawing/2014/main" id="{FD42782C-D0B4-47E4-AA70-D5CA2DEF1C45}"/>
-              </a:ext>
-            </a:extLst>
-          </p:cNvPr>
-          <p:cNvSpPr>
-            <a:spLocks noGrp="1"/>
-          </p:cNvSpPr>
-          <p:nvPr>
-            <p:ph type="title"/>
-          </p:nvPr>
-        </p:nvSpPr>
-        <p:spPr/>
-        <p:txBody>
-          <a:bodyPr/>
-          <a:lstStyle/>
-          <a:p>
-            <a:endParaRPr lang="en-US"/>
-          </a:p>
-        </p:txBody>
-      </p:sp>
-      <p:sp>
-        <p:nvSpPr>
-          <p:cNvPr id="3" name="Content Placeholder 2">
-            <a:extLst>
-              <a:ext uri="{FF2B5EF4-FFF2-40B4-BE49-F238E27FC236}">
-                <a16:creationId xmlns:a16="http://schemas.microsoft.com/office/drawing/2014/main" id="{51F9FF4C-B946-4209-A091-B3C1EBC2024D}"/>
-              </a:ext>
-            </a:extLst>
-          </p:cNvPr>
-          <p:cNvSpPr>
-            <a:spLocks noGrp="1"/>
-          </p:cNvSpPr>
-          <p:nvPr>
-            <p:ph idx="1"/>
-          </p:nvPr>
-        </p:nvSpPr>
-        <p:spPr/>
-        <p:txBody>
-          <a:bodyPr/>
-          <a:lstStyle/>
-          <a:p>
-            <a:r>
-              <a:rPr lang="en-US" dirty="0">
-                <a:highlight>
-                  <a:srgbClr val="FFFF00"/>
-                </a:highlight>
-              </a:rPr>
-              <a:t>CORRESPONDENCE </a:t>
-            </a:r>
-          </a:p>
-        </p:txBody>
-      </p:sp>
-    </p:spTree>
-    <p:extLst>
-      <p:ext uri="{BB962C8B-B14F-4D97-AF65-F5344CB8AC3E}">
-        <p14:creationId xmlns:p14="http://schemas.microsoft.com/office/powerpoint/2010/main" val="2901324723"/>
       </p:ext>
     </p:extLst>
   </p:cSld>
